--- a/infinite/src/main/ppt/Persistence Layer using Spring Boot.pptx
+++ b/infinite/src/main/ppt/Persistence Layer using Spring Boot.pptx
@@ -29,6 +29,29 @@
     <p:sldId id="278" r:id="rId23"/>
     <p:sldId id="279" r:id="rId24"/>
     <p:sldId id="280" r:id="rId25"/>
+    <p:sldId id="281" r:id="rId26"/>
+    <p:sldId id="282" r:id="rId27"/>
+    <p:sldId id="283" r:id="rId28"/>
+    <p:sldId id="284" r:id="rId29"/>
+    <p:sldId id="285" r:id="rId30"/>
+    <p:sldId id="286" r:id="rId31"/>
+    <p:sldId id="287" r:id="rId32"/>
+    <p:sldId id="288" r:id="rId33"/>
+    <p:sldId id="289" r:id="rId34"/>
+    <p:sldId id="290" r:id="rId35"/>
+    <p:sldId id="291" r:id="rId36"/>
+    <p:sldId id="292" r:id="rId37"/>
+    <p:sldId id="293" r:id="rId38"/>
+    <p:sldId id="294" r:id="rId39"/>
+    <p:sldId id="295" r:id="rId40"/>
+    <p:sldId id="296" r:id="rId41"/>
+    <p:sldId id="297" r:id="rId42"/>
+    <p:sldId id="298" r:id="rId43"/>
+    <p:sldId id="299" r:id="rId44"/>
+    <p:sldId id="300" r:id="rId45"/>
+    <p:sldId id="301" r:id="rId46"/>
+    <p:sldId id="302" r:id="rId47"/>
+    <p:sldId id="303" r:id="rId48"/>
   </p:sldIdLst>
   <p:sldSz cx="12192000" cy="6858000"/>
   <p:notesSz cx="6858000" cy="9144000"/>
@@ -9116,6 +9139,1467 @@
 </p:sld>
 </file>
 
+<file path=ppt/slides/slide25.xml><?xml version="1.0" encoding="utf-8"?>
+<p:sld xmlns:a="http://schemas.openxmlformats.org/drawingml/2006/main" xmlns:r="http://schemas.openxmlformats.org/officeDocument/2006/relationships" xmlns:p="http://schemas.openxmlformats.org/presentationml/2006/main">
+  <p:cSld>
+    <p:spTree>
+      <p:nvGrpSpPr>
+        <p:cNvPr id="1" name=""/>
+        <p:cNvGrpSpPr/>
+        <p:nvPr/>
+      </p:nvGrpSpPr>
+      <p:grpSpPr>
+        <a:xfrm>
+          <a:off x="0" y="0"/>
+          <a:ext cx="0" cy="0"/>
+          <a:chOff x="0" y="0"/>
+          <a:chExt cx="0" cy="0"/>
+        </a:xfrm>
+      </p:grpSpPr>
+      <p:sp>
+        <p:nvSpPr>
+          <p:cNvPr id="2" name="Title 1">
+            <a:extLst>
+              <a:ext uri="{FF2B5EF4-FFF2-40B4-BE49-F238E27FC236}">
+                <a16:creationId xmlns:a16="http://schemas.microsoft.com/office/drawing/2014/main" id="{EEA72912-3A65-24CA-9557-48961942212B}"/>
+              </a:ext>
+            </a:extLst>
+          </p:cNvPr>
+          <p:cNvSpPr>
+            <a:spLocks noGrp="1"/>
+          </p:cNvSpPr>
+          <p:nvPr>
+            <p:ph type="title"/>
+          </p:nvPr>
+        </p:nvSpPr>
+        <p:spPr>
+          <a:xfrm>
+            <a:off x="838200" y="591368"/>
+            <a:ext cx="10515600" cy="1325563"/>
+          </a:xfrm>
+        </p:spPr>
+        <p:txBody>
+          <a:bodyPr/>
+          <a:lstStyle/>
+          <a:p>
+            <a:pPr algn="ctr"/>
+            <a:r>
+              <a:rPr lang="en-IN" b="1" dirty="0"/>
+              <a:t>Persistence Context and </a:t>
+            </a:r>
+            <a:r>
+              <a:rPr lang="en-IN" b="1" dirty="0" err="1"/>
+              <a:t>EntityManager</a:t>
+            </a:r>
+            <a:r>
+              <a:rPr lang="en-IN" b="1" dirty="0"/>
+              <a:t> </a:t>
+            </a:r>
+            <a:br>
+              <a:rPr lang="en-IN" b="1" dirty="0"/>
+            </a:br>
+            <a:endParaRPr lang="en-IN" dirty="0"/>
+          </a:p>
+        </p:txBody>
+      </p:sp>
+      <p:sp>
+        <p:nvSpPr>
+          <p:cNvPr id="3" name="Content Placeholder 2">
+            <a:extLst>
+              <a:ext uri="{FF2B5EF4-FFF2-40B4-BE49-F238E27FC236}">
+                <a16:creationId xmlns:a16="http://schemas.microsoft.com/office/drawing/2014/main" id="{29EEEB23-A090-88D0-8905-FF52FCA31B25}"/>
+              </a:ext>
+            </a:extLst>
+          </p:cNvPr>
+          <p:cNvSpPr>
+            <a:spLocks noGrp="1"/>
+          </p:cNvSpPr>
+          <p:nvPr>
+            <p:ph idx="1"/>
+          </p:nvPr>
+        </p:nvSpPr>
+        <p:spPr>
+          <a:xfrm>
+            <a:off x="838200" y="1410845"/>
+            <a:ext cx="10515600" cy="5310629"/>
+          </a:xfrm>
+        </p:spPr>
+        <p:txBody>
+          <a:bodyPr>
+            <a:normAutofit/>
+          </a:bodyPr>
+          <a:lstStyle/>
+          <a:p>
+            <a:pPr marL="0" indent="0">
+              <a:buNone/>
+            </a:pPr>
+            <a:r>
+              <a:rPr lang="en-US" sz="2000" dirty="0">
+                <a:solidFill>
+                  <a:schemeClr val="tx1">
+                    <a:lumMod val="65000"/>
+                    <a:lumOff val="35000"/>
+                  </a:schemeClr>
+                </a:solidFill>
+              </a:rPr>
+              <a:t>You know that instance of entity object represents a row in the database table but you should be able to perform database operations using entity objects. For this, JPA provides </a:t>
+            </a:r>
+            <a:r>
+              <a:rPr lang="en-US" sz="2000" b="1" dirty="0" err="1">
+                <a:solidFill>
+                  <a:schemeClr val="tx1">
+                    <a:lumMod val="65000"/>
+                    <a:lumOff val="35000"/>
+                  </a:schemeClr>
+                </a:solidFill>
+              </a:rPr>
+              <a:t>EntityManager</a:t>
+            </a:r>
+            <a:r>
+              <a:rPr lang="en-US" sz="2000" dirty="0">
+                <a:solidFill>
+                  <a:schemeClr val="tx1">
+                    <a:lumMod val="65000"/>
+                    <a:lumOff val="35000"/>
+                  </a:schemeClr>
+                </a:solidFill>
+              </a:rPr>
+              <a:t> interface. You can use methods of this interface for interacting with database using entity objects. The group of objects of entity classes managed by an </a:t>
+            </a:r>
+            <a:r>
+              <a:rPr lang="en-US" sz="2000" dirty="0" err="1">
+                <a:solidFill>
+                  <a:schemeClr val="tx1">
+                    <a:lumMod val="65000"/>
+                    <a:lumOff val="35000"/>
+                  </a:schemeClr>
+                </a:solidFill>
+              </a:rPr>
+              <a:t>EntityManager</a:t>
+            </a:r>
+            <a:r>
+              <a:rPr lang="en-US" sz="2000" dirty="0">
+                <a:solidFill>
+                  <a:schemeClr val="tx1">
+                    <a:lumMod val="65000"/>
+                    <a:lumOff val="35000"/>
+                  </a:schemeClr>
+                </a:solidFill>
+              </a:rPr>
+              <a:t> is called as</a:t>
+            </a:r>
+            <a:r>
+              <a:rPr lang="en-US" sz="2000" b="1" dirty="0">
+                <a:solidFill>
+                  <a:schemeClr val="tx1">
+                    <a:lumMod val="65000"/>
+                    <a:lumOff val="35000"/>
+                  </a:schemeClr>
+                </a:solidFill>
+              </a:rPr>
+              <a:t> persistence context</a:t>
+            </a:r>
+            <a:r>
+              <a:rPr lang="en-US" sz="2000" dirty="0">
+                <a:solidFill>
+                  <a:schemeClr val="tx1">
+                    <a:lumMod val="65000"/>
+                    <a:lumOff val="35000"/>
+                  </a:schemeClr>
+                </a:solidFill>
+              </a:rPr>
+              <a:t>. Every instance of </a:t>
+            </a:r>
+            <a:r>
+              <a:rPr lang="en-US" sz="2000" dirty="0" err="1">
+                <a:solidFill>
+                  <a:schemeClr val="tx1">
+                    <a:lumMod val="65000"/>
+                    <a:lumOff val="35000"/>
+                  </a:schemeClr>
+                </a:solidFill>
+              </a:rPr>
+              <a:t>EntityManager</a:t>
+            </a:r>
+            <a:r>
+              <a:rPr lang="en-US" sz="2000" dirty="0">
+                <a:solidFill>
+                  <a:schemeClr val="tx1">
+                    <a:lumMod val="65000"/>
+                    <a:lumOff val="35000"/>
+                  </a:schemeClr>
+                </a:solidFill>
+              </a:rPr>
+              <a:t> has its own persistence context. At any time within the same </a:t>
+            </a:r>
+            <a:r>
+              <a:rPr lang="en-US" sz="2000" dirty="0" err="1">
+                <a:solidFill>
+                  <a:schemeClr val="tx1">
+                    <a:lumMod val="65000"/>
+                    <a:lumOff val="35000"/>
+                  </a:schemeClr>
+                </a:solidFill>
+              </a:rPr>
+              <a:t>EntityManager</a:t>
+            </a:r>
+            <a:r>
+              <a:rPr lang="en-US" sz="2000" dirty="0">
+                <a:solidFill>
+                  <a:schemeClr val="tx1">
+                    <a:lumMod val="65000"/>
+                    <a:lumOff val="35000"/>
+                  </a:schemeClr>
+                </a:solidFill>
+              </a:rPr>
+              <a:t>, there should exist only one entity object with the same primary key value.</a:t>
+            </a:r>
+          </a:p>
+          <a:p>
+            <a:pPr marL="0" indent="0">
+              <a:buNone/>
+            </a:pPr>
+            <a:endParaRPr lang="en-US" sz="2000" dirty="0">
+              <a:solidFill>
+                <a:schemeClr val="tx1">
+                  <a:lumMod val="65000"/>
+                  <a:lumOff val="35000"/>
+                </a:schemeClr>
+              </a:solidFill>
+            </a:endParaRPr>
+          </a:p>
+          <a:p>
+            <a:pPr marL="0" indent="0">
+              <a:buNone/>
+            </a:pPr>
+            <a:endParaRPr lang="en-IN" sz="2000" dirty="0">
+              <a:solidFill>
+                <a:schemeClr val="tx1">
+                  <a:lumMod val="65000"/>
+                  <a:lumOff val="35000"/>
+                </a:schemeClr>
+              </a:solidFill>
+            </a:endParaRPr>
+          </a:p>
+        </p:txBody>
+      </p:sp>
+      <p:sp>
+        <p:nvSpPr>
+          <p:cNvPr id="4" name="Footer Placeholder 3">
+            <a:extLst>
+              <a:ext uri="{FF2B5EF4-FFF2-40B4-BE49-F238E27FC236}">
+                <a16:creationId xmlns:a16="http://schemas.microsoft.com/office/drawing/2014/main" id="{B5EEB9A7-48C7-E2CC-6BB2-03247E0C5E1A}"/>
+              </a:ext>
+            </a:extLst>
+          </p:cNvPr>
+          <p:cNvSpPr>
+            <a:spLocks noGrp="1"/>
+          </p:cNvSpPr>
+          <p:nvPr>
+            <p:ph type="ftr" sz="quarter" idx="11"/>
+          </p:nvPr>
+        </p:nvSpPr>
+        <p:spPr/>
+        <p:txBody>
+          <a:bodyPr/>
+          <a:lstStyle/>
+          <a:p>
+            <a:r>
+              <a:rPr lang="en-IN"/>
+              <a:t>H&amp;D IT Solution</a:t>
+            </a:r>
+            <a:endParaRPr lang="en-IN" dirty="0"/>
+          </a:p>
+        </p:txBody>
+      </p:sp>
+      <p:sp>
+        <p:nvSpPr>
+          <p:cNvPr id="5" name="Slide Number Placeholder 4">
+            <a:extLst>
+              <a:ext uri="{FF2B5EF4-FFF2-40B4-BE49-F238E27FC236}">
+                <a16:creationId xmlns:a16="http://schemas.microsoft.com/office/drawing/2014/main" id="{85CE92EB-0789-D46D-CBAE-E66CC650E91C}"/>
+              </a:ext>
+            </a:extLst>
+          </p:cNvPr>
+          <p:cNvSpPr>
+            <a:spLocks noGrp="1"/>
+          </p:cNvSpPr>
+          <p:nvPr>
+            <p:ph type="sldNum" sz="quarter" idx="12"/>
+          </p:nvPr>
+        </p:nvSpPr>
+        <p:spPr/>
+        <p:txBody>
+          <a:bodyPr/>
+          <a:lstStyle/>
+          <a:p>
+            <a:fld id="{4A777409-9C5A-4B07-8E32-19F22F7D558C}" type="slidenum">
+              <a:rPr lang="en-IN" smtClean="0"/>
+              <a:t>25</a:t>
+            </a:fld>
+            <a:endParaRPr lang="en-IN" dirty="0"/>
+          </a:p>
+        </p:txBody>
+      </p:sp>
+      <p:pic>
+        <p:nvPicPr>
+          <p:cNvPr id="7" name="Picture 6">
+            <a:extLst>
+              <a:ext uri="{FF2B5EF4-FFF2-40B4-BE49-F238E27FC236}">
+                <a16:creationId xmlns:a16="http://schemas.microsoft.com/office/drawing/2014/main" id="{10F111C6-2FA2-268B-6099-FD28E43BA1BF}"/>
+              </a:ext>
+            </a:extLst>
+          </p:cNvPr>
+          <p:cNvPicPr>
+            <a:picLocks noChangeAspect="1"/>
+          </p:cNvPicPr>
+          <p:nvPr/>
+        </p:nvPicPr>
+        <p:blipFill>
+          <a:blip r:embed="rId2">
+            <a:extLst>
+              <a:ext uri="{28A0092B-C50C-407E-A947-70E740481C1C}">
+                <a14:useLocalDpi xmlns:a14="http://schemas.microsoft.com/office/drawing/2010/main" val="0"/>
+              </a:ext>
+            </a:extLst>
+          </a:blip>
+          <a:stretch>
+            <a:fillRect/>
+          </a:stretch>
+        </p:blipFill>
+        <p:spPr>
+          <a:xfrm>
+            <a:off x="3202583" y="3506760"/>
+            <a:ext cx="5488930" cy="2403845"/>
+          </a:xfrm>
+          <a:prstGeom prst="rect">
+            <a:avLst/>
+          </a:prstGeom>
+        </p:spPr>
+      </p:pic>
+    </p:spTree>
+    <p:extLst>
+      <p:ext uri="{BB962C8B-B14F-4D97-AF65-F5344CB8AC3E}">
+        <p14:creationId xmlns:p14="http://schemas.microsoft.com/office/powerpoint/2010/main" val="1800752154"/>
+      </p:ext>
+    </p:extLst>
+  </p:cSld>
+  <p:clrMapOvr>
+    <a:masterClrMapping/>
+  </p:clrMapOvr>
+</p:sld>
+</file>
+
+<file path=ppt/slides/slide26.xml><?xml version="1.0" encoding="utf-8"?>
+<p:sld xmlns:a="http://schemas.openxmlformats.org/drawingml/2006/main" xmlns:r="http://schemas.openxmlformats.org/officeDocument/2006/relationships" xmlns:p="http://schemas.openxmlformats.org/presentationml/2006/main">
+  <p:cSld>
+    <p:spTree>
+      <p:nvGrpSpPr>
+        <p:cNvPr id="1" name=""/>
+        <p:cNvGrpSpPr/>
+        <p:nvPr/>
+      </p:nvGrpSpPr>
+      <p:grpSpPr>
+        <a:xfrm>
+          <a:off x="0" y="0"/>
+          <a:ext cx="0" cy="0"/>
+          <a:chOff x="0" y="0"/>
+          <a:chExt cx="0" cy="0"/>
+        </a:xfrm>
+      </p:grpSpPr>
+      <p:sp>
+        <p:nvSpPr>
+          <p:cNvPr id="2" name="Footer Placeholder 1">
+            <a:extLst>
+              <a:ext uri="{FF2B5EF4-FFF2-40B4-BE49-F238E27FC236}">
+                <a16:creationId xmlns:a16="http://schemas.microsoft.com/office/drawing/2014/main" id="{1965D379-4910-1392-FFE7-7C4B212BBD0E}"/>
+              </a:ext>
+            </a:extLst>
+          </p:cNvPr>
+          <p:cNvSpPr>
+            <a:spLocks noGrp="1"/>
+          </p:cNvSpPr>
+          <p:nvPr>
+            <p:ph type="ftr" sz="quarter" idx="11"/>
+          </p:nvPr>
+        </p:nvSpPr>
+        <p:spPr/>
+        <p:txBody>
+          <a:bodyPr/>
+          <a:lstStyle/>
+          <a:p>
+            <a:r>
+              <a:rPr lang="en-IN"/>
+              <a:t>H&amp;D IT Solution</a:t>
+            </a:r>
+            <a:endParaRPr lang="en-IN" dirty="0"/>
+          </a:p>
+        </p:txBody>
+      </p:sp>
+      <p:sp>
+        <p:nvSpPr>
+          <p:cNvPr id="3" name="Slide Number Placeholder 2">
+            <a:extLst>
+              <a:ext uri="{FF2B5EF4-FFF2-40B4-BE49-F238E27FC236}">
+                <a16:creationId xmlns:a16="http://schemas.microsoft.com/office/drawing/2014/main" id="{14C7FCB6-87B8-1F2B-C060-605E7405C36B}"/>
+              </a:ext>
+            </a:extLst>
+          </p:cNvPr>
+          <p:cNvSpPr>
+            <a:spLocks noGrp="1"/>
+          </p:cNvSpPr>
+          <p:nvPr>
+            <p:ph type="sldNum" sz="quarter" idx="12"/>
+          </p:nvPr>
+        </p:nvSpPr>
+        <p:spPr/>
+        <p:txBody>
+          <a:bodyPr/>
+          <a:lstStyle/>
+          <a:p>
+            <a:fld id="{4A777409-9C5A-4B07-8E32-19F22F7D558C}" type="slidenum">
+              <a:rPr lang="en-IN" smtClean="0"/>
+              <a:t>26</a:t>
+            </a:fld>
+            <a:endParaRPr lang="en-IN" dirty="0"/>
+          </a:p>
+        </p:txBody>
+      </p:sp>
+      <p:sp>
+        <p:nvSpPr>
+          <p:cNvPr id="5" name="TextBox 4">
+            <a:extLst>
+              <a:ext uri="{FF2B5EF4-FFF2-40B4-BE49-F238E27FC236}">
+                <a16:creationId xmlns:a16="http://schemas.microsoft.com/office/drawing/2014/main" id="{D5FED7F5-4D5C-79B0-DD9B-FF1CE5BF3B48}"/>
+              </a:ext>
+            </a:extLst>
+          </p:cNvPr>
+          <p:cNvSpPr txBox="1"/>
+          <p:nvPr/>
+        </p:nvSpPr>
+        <p:spPr>
+          <a:xfrm>
+            <a:off x="322082" y="903810"/>
+            <a:ext cx="11547835" cy="5324535"/>
+          </a:xfrm>
+          <a:prstGeom prst="rect">
+            <a:avLst/>
+          </a:prstGeom>
+          <a:noFill/>
+        </p:spPr>
+        <p:txBody>
+          <a:bodyPr wrap="square">
+            <a:spAutoFit/>
+          </a:bodyPr>
+          <a:lstStyle/>
+          <a:p>
+            <a:r>
+              <a:rPr lang="en-US" sz="2000" dirty="0">
+                <a:solidFill>
+                  <a:schemeClr val="tx1">
+                    <a:lumMod val="65000"/>
+                    <a:lumOff val="35000"/>
+                  </a:schemeClr>
+                </a:solidFill>
+                <a:effectLst/>
+              </a:rPr>
+              <a:t>Every entity object has a state in relation to both persistence context and the database. Every entity object has different states depending on its relationship with persistence context. This defines the life cycle of an entity object. The different states of an entity object during its life cycle are as follows:</a:t>
+            </a:r>
+          </a:p>
+          <a:p>
+            <a:endParaRPr lang="en-US" sz="2000" dirty="0">
+              <a:solidFill>
+                <a:schemeClr val="tx1">
+                  <a:lumMod val="65000"/>
+                  <a:lumOff val="35000"/>
+                </a:schemeClr>
+              </a:solidFill>
+              <a:effectLst/>
+            </a:endParaRPr>
+          </a:p>
+          <a:p>
+            <a:pPr>
+              <a:buFont typeface="Arial" panose="020B0604020202020204" pitchFamily="34" charset="0"/>
+              <a:buChar char="•"/>
+            </a:pPr>
+            <a:r>
+              <a:rPr lang="en-US" sz="2000" b="1" dirty="0">
+                <a:solidFill>
+                  <a:schemeClr val="tx1">
+                    <a:lumMod val="65000"/>
+                    <a:lumOff val="35000"/>
+                  </a:schemeClr>
+                </a:solidFill>
+                <a:effectLst/>
+              </a:rPr>
+              <a:t>New/Transient State</a:t>
+            </a:r>
+            <a:r>
+              <a:rPr lang="en-US" sz="2000" dirty="0">
+                <a:solidFill>
+                  <a:schemeClr val="tx1">
+                    <a:lumMod val="65000"/>
+                    <a:lumOff val="35000"/>
+                  </a:schemeClr>
+                </a:solidFill>
+                <a:effectLst/>
+              </a:rPr>
+              <a:t> : A newly created entity object which has no persistence context associated with it and having no row associated with it in a table in database is said to be in new or transient state.</a:t>
+            </a:r>
+          </a:p>
+          <a:p>
+            <a:endParaRPr lang="en-US" sz="2000" dirty="0">
+              <a:solidFill>
+                <a:schemeClr val="tx1">
+                  <a:lumMod val="65000"/>
+                  <a:lumOff val="35000"/>
+                </a:schemeClr>
+              </a:solidFill>
+              <a:effectLst/>
+            </a:endParaRPr>
+          </a:p>
+          <a:p>
+            <a:pPr>
+              <a:buFont typeface="Arial" panose="020B0604020202020204" pitchFamily="34" charset="0"/>
+              <a:buChar char="•"/>
+            </a:pPr>
+            <a:r>
+              <a:rPr lang="en-US" sz="2000" b="1" dirty="0">
+                <a:solidFill>
+                  <a:schemeClr val="tx1">
+                    <a:lumMod val="65000"/>
+                    <a:lumOff val="35000"/>
+                  </a:schemeClr>
+                </a:solidFill>
+                <a:effectLst/>
+              </a:rPr>
+              <a:t>Managed/Persistent State</a:t>
+            </a:r>
+            <a:r>
+              <a:rPr lang="en-US" sz="2000" dirty="0">
+                <a:solidFill>
+                  <a:schemeClr val="tx1">
+                    <a:lumMod val="65000"/>
+                    <a:lumOff val="35000"/>
+                  </a:schemeClr>
+                </a:solidFill>
+                <a:effectLst/>
+              </a:rPr>
+              <a:t> : An entity object which has a persistence context and an identifier value associated with it is said to be in managed or persistent state. It may or may not have a row associated with it in a table.</a:t>
+            </a:r>
+          </a:p>
+          <a:p>
+            <a:endParaRPr lang="en-US" sz="2000" dirty="0">
+              <a:solidFill>
+                <a:schemeClr val="tx1">
+                  <a:lumMod val="65000"/>
+                  <a:lumOff val="35000"/>
+                </a:schemeClr>
+              </a:solidFill>
+              <a:effectLst/>
+            </a:endParaRPr>
+          </a:p>
+          <a:p>
+            <a:pPr>
+              <a:buFont typeface="Arial" panose="020B0604020202020204" pitchFamily="34" charset="0"/>
+              <a:buChar char="•"/>
+            </a:pPr>
+            <a:r>
+              <a:rPr lang="en-US" sz="2000" b="1" dirty="0">
+                <a:solidFill>
+                  <a:schemeClr val="tx1">
+                    <a:lumMod val="65000"/>
+                    <a:lumOff val="35000"/>
+                  </a:schemeClr>
+                </a:solidFill>
+                <a:effectLst/>
+              </a:rPr>
+              <a:t>Removed State</a:t>
+            </a:r>
+            <a:r>
+              <a:rPr lang="en-US" sz="2000" dirty="0">
+                <a:solidFill>
+                  <a:schemeClr val="tx1">
+                    <a:lumMod val="65000"/>
+                    <a:lumOff val="35000"/>
+                  </a:schemeClr>
+                </a:solidFill>
+                <a:effectLst/>
+              </a:rPr>
+              <a:t> : An entity object which has a row associated with it in a table and associated with a persistence context, but marked for deletion from the database is said to be in removed state.</a:t>
+            </a:r>
+          </a:p>
+          <a:p>
+            <a:endParaRPr lang="en-US" sz="2000" dirty="0">
+              <a:solidFill>
+                <a:schemeClr val="tx1">
+                  <a:lumMod val="65000"/>
+                  <a:lumOff val="35000"/>
+                </a:schemeClr>
+              </a:solidFill>
+              <a:effectLst/>
+            </a:endParaRPr>
+          </a:p>
+          <a:p>
+            <a:pPr>
+              <a:buFont typeface="Arial" panose="020B0604020202020204" pitchFamily="34" charset="0"/>
+              <a:buChar char="•"/>
+            </a:pPr>
+            <a:r>
+              <a:rPr lang="en-US" sz="2000" b="1" dirty="0">
+                <a:solidFill>
+                  <a:schemeClr val="tx1">
+                    <a:lumMod val="65000"/>
+                    <a:lumOff val="35000"/>
+                  </a:schemeClr>
+                </a:solidFill>
+                <a:effectLst/>
+              </a:rPr>
+              <a:t>Detached State</a:t>
+            </a:r>
+            <a:r>
+              <a:rPr lang="en-US" sz="2000" dirty="0">
+                <a:solidFill>
+                  <a:schemeClr val="tx1">
+                    <a:lumMod val="65000"/>
+                    <a:lumOff val="35000"/>
+                  </a:schemeClr>
+                </a:solidFill>
+                <a:effectLst/>
+              </a:rPr>
+              <a:t> : An entity object which is no longer associated with a persistence context with which it was previously associated with it is said to be in detached state. This usually happens when session gets closed or the object was evicted from the persistence context.</a:t>
+            </a:r>
+          </a:p>
+        </p:txBody>
+      </p:sp>
+    </p:spTree>
+    <p:extLst>
+      <p:ext uri="{BB962C8B-B14F-4D97-AF65-F5344CB8AC3E}">
+        <p14:creationId xmlns:p14="http://schemas.microsoft.com/office/powerpoint/2010/main" val="1538866127"/>
+      </p:ext>
+    </p:extLst>
+  </p:cSld>
+  <p:clrMapOvr>
+    <a:masterClrMapping/>
+  </p:clrMapOvr>
+</p:sld>
+</file>
+
+<file path=ppt/slides/slide27.xml><?xml version="1.0" encoding="utf-8"?>
+<p:sld xmlns:a="http://schemas.openxmlformats.org/drawingml/2006/main" xmlns:r="http://schemas.openxmlformats.org/officeDocument/2006/relationships" xmlns:p="http://schemas.openxmlformats.org/presentationml/2006/main">
+  <p:cSld>
+    <p:spTree>
+      <p:nvGrpSpPr>
+        <p:cNvPr id="1" name=""/>
+        <p:cNvGrpSpPr/>
+        <p:nvPr/>
+      </p:nvGrpSpPr>
+      <p:grpSpPr>
+        <a:xfrm>
+          <a:off x="0" y="0"/>
+          <a:ext cx="0" cy="0"/>
+          <a:chOff x="0" y="0"/>
+          <a:chExt cx="0" cy="0"/>
+        </a:xfrm>
+      </p:grpSpPr>
+      <p:sp>
+        <p:nvSpPr>
+          <p:cNvPr id="2" name="Footer Placeholder 1">
+            <a:extLst>
+              <a:ext uri="{FF2B5EF4-FFF2-40B4-BE49-F238E27FC236}">
+                <a16:creationId xmlns:a16="http://schemas.microsoft.com/office/drawing/2014/main" id="{168BBDCD-9543-91EB-A0E3-4F876B00290C}"/>
+              </a:ext>
+            </a:extLst>
+          </p:cNvPr>
+          <p:cNvSpPr>
+            <a:spLocks noGrp="1"/>
+          </p:cNvSpPr>
+          <p:nvPr>
+            <p:ph type="ftr" sz="quarter" idx="11"/>
+          </p:nvPr>
+        </p:nvSpPr>
+        <p:spPr/>
+        <p:txBody>
+          <a:bodyPr/>
+          <a:lstStyle/>
+          <a:p>
+            <a:r>
+              <a:rPr lang="en-IN"/>
+              <a:t>H&amp;D IT Solution</a:t>
+            </a:r>
+            <a:endParaRPr lang="en-IN" dirty="0"/>
+          </a:p>
+        </p:txBody>
+      </p:sp>
+      <p:sp>
+        <p:nvSpPr>
+          <p:cNvPr id="3" name="Slide Number Placeholder 2">
+            <a:extLst>
+              <a:ext uri="{FF2B5EF4-FFF2-40B4-BE49-F238E27FC236}">
+                <a16:creationId xmlns:a16="http://schemas.microsoft.com/office/drawing/2014/main" id="{E4370B86-2D8D-4C0F-C476-0895AE9D41D0}"/>
+              </a:ext>
+            </a:extLst>
+          </p:cNvPr>
+          <p:cNvSpPr>
+            <a:spLocks noGrp="1"/>
+          </p:cNvSpPr>
+          <p:nvPr>
+            <p:ph type="sldNum" sz="quarter" idx="12"/>
+          </p:nvPr>
+        </p:nvSpPr>
+        <p:spPr/>
+        <p:txBody>
+          <a:bodyPr/>
+          <a:lstStyle/>
+          <a:p>
+            <a:fld id="{4A777409-9C5A-4B07-8E32-19F22F7D558C}" type="slidenum">
+              <a:rPr lang="en-IN" smtClean="0"/>
+              <a:t>27</a:t>
+            </a:fld>
+            <a:endParaRPr lang="en-IN" dirty="0"/>
+          </a:p>
+        </p:txBody>
+      </p:sp>
+      <p:sp>
+        <p:nvSpPr>
+          <p:cNvPr id="7" name="TextBox 6">
+            <a:extLst>
+              <a:ext uri="{FF2B5EF4-FFF2-40B4-BE49-F238E27FC236}">
+                <a16:creationId xmlns:a16="http://schemas.microsoft.com/office/drawing/2014/main" id="{3DBA0023-8D58-42CB-EF8D-7CD6ED34064A}"/>
+              </a:ext>
+            </a:extLst>
+          </p:cNvPr>
+          <p:cNvSpPr txBox="1"/>
+          <p:nvPr/>
+        </p:nvSpPr>
+        <p:spPr>
+          <a:xfrm>
+            <a:off x="900259" y="760197"/>
+            <a:ext cx="10713564" cy="1323439"/>
+          </a:xfrm>
+          <a:prstGeom prst="rect">
+            <a:avLst/>
+          </a:prstGeom>
+          <a:noFill/>
+        </p:spPr>
+        <p:txBody>
+          <a:bodyPr wrap="square">
+            <a:spAutoFit/>
+          </a:bodyPr>
+          <a:lstStyle/>
+          <a:p>
+            <a:r>
+              <a:rPr lang="en-US" sz="2000" dirty="0">
+                <a:solidFill>
+                  <a:schemeClr val="tx1">
+                    <a:lumMod val="65000"/>
+                    <a:lumOff val="35000"/>
+                  </a:schemeClr>
+                </a:solidFill>
+                <a:effectLst/>
+              </a:rPr>
+              <a:t>You will now have a look at some of the important methods of the </a:t>
+            </a:r>
+            <a:r>
+              <a:rPr lang="en-US" sz="2000" dirty="0" err="1">
+                <a:solidFill>
+                  <a:schemeClr val="tx1">
+                    <a:lumMod val="65000"/>
+                    <a:lumOff val="35000"/>
+                  </a:schemeClr>
+                </a:solidFill>
+                <a:effectLst/>
+              </a:rPr>
+              <a:t>EntityManager</a:t>
+            </a:r>
+            <a:r>
+              <a:rPr lang="en-US" sz="2000" dirty="0">
+                <a:solidFill>
+                  <a:schemeClr val="tx1">
+                    <a:lumMod val="65000"/>
+                    <a:lumOff val="35000"/>
+                  </a:schemeClr>
+                </a:solidFill>
+                <a:effectLst/>
+              </a:rPr>
+              <a:t> interface.</a:t>
+            </a:r>
+          </a:p>
+          <a:p>
+            <a:endParaRPr lang="en-US" sz="2000" dirty="0">
+              <a:solidFill>
+                <a:schemeClr val="tx1">
+                  <a:lumMod val="65000"/>
+                  <a:lumOff val="35000"/>
+                </a:schemeClr>
+              </a:solidFill>
+              <a:effectLst/>
+            </a:endParaRPr>
+          </a:p>
+          <a:p>
+            <a:pPr>
+              <a:buFont typeface="Arial" panose="020B0604020202020204" pitchFamily="34" charset="0"/>
+              <a:buChar char="•"/>
+            </a:pPr>
+            <a:r>
+              <a:rPr lang="en-US" sz="2000" b="1" dirty="0">
+                <a:solidFill>
+                  <a:schemeClr val="tx1">
+                    <a:lumMod val="65000"/>
+                    <a:lumOff val="35000"/>
+                  </a:schemeClr>
+                </a:solidFill>
+                <a:effectLst/>
+              </a:rPr>
+              <a:t>void persist(Object entity)</a:t>
+            </a:r>
+            <a:r>
+              <a:rPr lang="en-US" sz="2000" dirty="0">
+                <a:solidFill>
+                  <a:schemeClr val="tx1">
+                    <a:lumMod val="65000"/>
+                    <a:lumOff val="35000"/>
+                  </a:schemeClr>
+                </a:solidFill>
+                <a:effectLst/>
+              </a:rPr>
+              <a:t> - It makes a new entity object managed. When transaction is committed, a new row will be inserted in the database.</a:t>
+            </a:r>
+          </a:p>
+        </p:txBody>
+      </p:sp>
+      <p:pic>
+        <p:nvPicPr>
+          <p:cNvPr id="9" name="Picture 8">
+            <a:extLst>
+              <a:ext uri="{FF2B5EF4-FFF2-40B4-BE49-F238E27FC236}">
+                <a16:creationId xmlns:a16="http://schemas.microsoft.com/office/drawing/2014/main" id="{D7A1E134-21B5-F291-0EA8-78D8D23A6FD1}"/>
+              </a:ext>
+            </a:extLst>
+          </p:cNvPr>
+          <p:cNvPicPr>
+            <a:picLocks noChangeAspect="1"/>
+          </p:cNvPicPr>
+          <p:nvPr/>
+        </p:nvPicPr>
+        <p:blipFill>
+          <a:blip r:embed="rId2">
+            <a:extLst>
+              <a:ext uri="{28A0092B-C50C-407E-A947-70E740481C1C}">
+                <a14:useLocalDpi xmlns:a14="http://schemas.microsoft.com/office/drawing/2010/main" val="0"/>
+              </a:ext>
+            </a:extLst>
+          </a:blip>
+          <a:stretch>
+            <a:fillRect/>
+          </a:stretch>
+        </p:blipFill>
+        <p:spPr>
+          <a:xfrm>
+            <a:off x="1221264" y="2391421"/>
+            <a:ext cx="9466667" cy="1828571"/>
+          </a:xfrm>
+          <a:prstGeom prst="rect">
+            <a:avLst/>
+          </a:prstGeom>
+        </p:spPr>
+      </p:pic>
+      <p:sp>
+        <p:nvSpPr>
+          <p:cNvPr id="11" name="TextBox 10">
+            <a:extLst>
+              <a:ext uri="{FF2B5EF4-FFF2-40B4-BE49-F238E27FC236}">
+                <a16:creationId xmlns:a16="http://schemas.microsoft.com/office/drawing/2014/main" id="{EBAEADFE-A928-381E-73C4-D02C37008D91}"/>
+              </a:ext>
+            </a:extLst>
+          </p:cNvPr>
+          <p:cNvSpPr txBox="1"/>
+          <p:nvPr/>
+        </p:nvSpPr>
+        <p:spPr>
+          <a:xfrm>
+            <a:off x="900259" y="4688006"/>
+            <a:ext cx="10713564" cy="1015663"/>
+          </a:xfrm>
+          <a:prstGeom prst="rect">
+            <a:avLst/>
+          </a:prstGeom>
+          <a:noFill/>
+        </p:spPr>
+        <p:txBody>
+          <a:bodyPr wrap="square">
+            <a:spAutoFit/>
+          </a:bodyPr>
+          <a:lstStyle/>
+          <a:p>
+            <a:r>
+              <a:rPr lang="en-US" sz="2000" b="1" dirty="0">
+                <a:solidFill>
+                  <a:schemeClr val="tx1">
+                    <a:lumMod val="65000"/>
+                    <a:lumOff val="35000"/>
+                  </a:schemeClr>
+                </a:solidFill>
+              </a:rPr>
+              <a:t>find(Class </a:t>
+            </a:r>
+            <a:r>
+              <a:rPr lang="en-US" sz="2000" b="1" dirty="0" err="1">
+                <a:solidFill>
+                  <a:schemeClr val="tx1">
+                    <a:lumMod val="65000"/>
+                    <a:lumOff val="35000"/>
+                  </a:schemeClr>
+                </a:solidFill>
+              </a:rPr>
+              <a:t>entityClass</a:t>
+            </a:r>
+            <a:r>
+              <a:rPr lang="en-US" sz="2000" b="1" dirty="0">
+                <a:solidFill>
+                  <a:schemeClr val="tx1">
+                    <a:lumMod val="65000"/>
+                    <a:lumOff val="35000"/>
+                  </a:schemeClr>
+                </a:solidFill>
+              </a:rPr>
+              <a:t>, Object </a:t>
+            </a:r>
+            <a:r>
+              <a:rPr lang="en-US" sz="2000" b="1" dirty="0" err="1">
+                <a:solidFill>
+                  <a:schemeClr val="tx1">
+                    <a:lumMod val="65000"/>
+                    <a:lumOff val="35000"/>
+                  </a:schemeClr>
+                </a:solidFill>
+              </a:rPr>
+              <a:t>primaryKey</a:t>
+            </a:r>
+            <a:r>
+              <a:rPr lang="en-US" sz="2000" b="1" dirty="0">
+                <a:solidFill>
+                  <a:schemeClr val="tx1">
+                    <a:lumMod val="65000"/>
+                    <a:lumOff val="35000"/>
+                  </a:schemeClr>
+                </a:solidFill>
+              </a:rPr>
+              <a:t>)</a:t>
+            </a:r>
+            <a:r>
+              <a:rPr lang="en-US" sz="2000" dirty="0">
+                <a:solidFill>
+                  <a:schemeClr val="tx1">
+                    <a:lumMod val="65000"/>
+                    <a:lumOff val="35000"/>
+                  </a:schemeClr>
+                </a:solidFill>
+              </a:rPr>
+              <a:t> - It searches the database table based on the </a:t>
+            </a:r>
+            <a:r>
+              <a:rPr lang="en-US" sz="2000" dirty="0" err="1">
+                <a:solidFill>
+                  <a:schemeClr val="tx1">
+                    <a:lumMod val="65000"/>
+                    <a:lumOff val="35000"/>
+                  </a:schemeClr>
+                </a:solidFill>
+              </a:rPr>
+              <a:t>primaryKey</a:t>
+            </a:r>
+            <a:r>
+              <a:rPr lang="en-US" sz="2000" dirty="0">
+                <a:solidFill>
+                  <a:schemeClr val="tx1">
+                    <a:lumMod val="65000"/>
+                    <a:lumOff val="35000"/>
+                  </a:schemeClr>
+                </a:solidFill>
+              </a:rPr>
+              <a:t> and returns the row as an object of entity class. It returns null if no row is present in the database. It returns the entity object in the managed state. </a:t>
+            </a:r>
+            <a:endParaRPr lang="en-IN" sz="2000" dirty="0">
+              <a:solidFill>
+                <a:schemeClr val="tx1">
+                  <a:lumMod val="65000"/>
+                  <a:lumOff val="35000"/>
+                </a:schemeClr>
+              </a:solidFill>
+            </a:endParaRPr>
+          </a:p>
+        </p:txBody>
+      </p:sp>
+    </p:spTree>
+    <p:extLst>
+      <p:ext uri="{BB962C8B-B14F-4D97-AF65-F5344CB8AC3E}">
+        <p14:creationId xmlns:p14="http://schemas.microsoft.com/office/powerpoint/2010/main" val="932193325"/>
+      </p:ext>
+    </p:extLst>
+  </p:cSld>
+  <p:clrMapOvr>
+    <a:masterClrMapping/>
+  </p:clrMapOvr>
+</p:sld>
+</file>
+
+<file path=ppt/slides/slide28.xml><?xml version="1.0" encoding="utf-8"?>
+<p:sld xmlns:a="http://schemas.openxmlformats.org/drawingml/2006/main" xmlns:r="http://schemas.openxmlformats.org/officeDocument/2006/relationships" xmlns:p="http://schemas.openxmlformats.org/presentationml/2006/main">
+  <p:cSld>
+    <p:spTree>
+      <p:nvGrpSpPr>
+        <p:cNvPr id="1" name=""/>
+        <p:cNvGrpSpPr/>
+        <p:nvPr/>
+      </p:nvGrpSpPr>
+      <p:grpSpPr>
+        <a:xfrm>
+          <a:off x="0" y="0"/>
+          <a:ext cx="0" cy="0"/>
+          <a:chOff x="0" y="0"/>
+          <a:chExt cx="0" cy="0"/>
+        </a:xfrm>
+      </p:grpSpPr>
+      <p:sp>
+        <p:nvSpPr>
+          <p:cNvPr id="2" name="Footer Placeholder 1">
+            <a:extLst>
+              <a:ext uri="{FF2B5EF4-FFF2-40B4-BE49-F238E27FC236}">
+                <a16:creationId xmlns:a16="http://schemas.microsoft.com/office/drawing/2014/main" id="{9EE470E1-CE85-48DA-79AC-69C61C01DF1B}"/>
+              </a:ext>
+            </a:extLst>
+          </p:cNvPr>
+          <p:cNvSpPr>
+            <a:spLocks noGrp="1"/>
+          </p:cNvSpPr>
+          <p:nvPr>
+            <p:ph type="ftr" sz="quarter" idx="11"/>
+          </p:nvPr>
+        </p:nvSpPr>
+        <p:spPr/>
+        <p:txBody>
+          <a:bodyPr/>
+          <a:lstStyle/>
+          <a:p>
+            <a:r>
+              <a:rPr lang="en-IN"/>
+              <a:t>H&amp;D IT Solution</a:t>
+            </a:r>
+            <a:endParaRPr lang="en-IN" dirty="0"/>
+          </a:p>
+        </p:txBody>
+      </p:sp>
+      <p:sp>
+        <p:nvSpPr>
+          <p:cNvPr id="3" name="Slide Number Placeholder 2">
+            <a:extLst>
+              <a:ext uri="{FF2B5EF4-FFF2-40B4-BE49-F238E27FC236}">
+                <a16:creationId xmlns:a16="http://schemas.microsoft.com/office/drawing/2014/main" id="{4C3BB865-3FBF-7E43-FB4C-0B1461ED9869}"/>
+              </a:ext>
+            </a:extLst>
+          </p:cNvPr>
+          <p:cNvSpPr>
+            <a:spLocks noGrp="1"/>
+          </p:cNvSpPr>
+          <p:nvPr>
+            <p:ph type="sldNum" sz="quarter" idx="12"/>
+          </p:nvPr>
+        </p:nvSpPr>
+        <p:spPr/>
+        <p:txBody>
+          <a:bodyPr/>
+          <a:lstStyle/>
+          <a:p>
+            <a:fld id="{4A777409-9C5A-4B07-8E32-19F22F7D558C}" type="slidenum">
+              <a:rPr lang="en-IN" smtClean="0"/>
+              <a:t>28</a:t>
+            </a:fld>
+            <a:endParaRPr lang="en-IN" dirty="0"/>
+          </a:p>
+        </p:txBody>
+      </p:sp>
+      <p:pic>
+        <p:nvPicPr>
+          <p:cNvPr id="5" name="Picture 4">
+            <a:extLst>
+              <a:ext uri="{FF2B5EF4-FFF2-40B4-BE49-F238E27FC236}">
+                <a16:creationId xmlns:a16="http://schemas.microsoft.com/office/drawing/2014/main" id="{7ECB49DD-E029-6BEF-4A2A-7FAF0B7D895D}"/>
+              </a:ext>
+            </a:extLst>
+          </p:cNvPr>
+          <p:cNvPicPr>
+            <a:picLocks noChangeAspect="1"/>
+          </p:cNvPicPr>
+          <p:nvPr/>
+        </p:nvPicPr>
+        <p:blipFill>
+          <a:blip r:embed="rId2">
+            <a:extLst>
+              <a:ext uri="{28A0092B-C50C-407E-A947-70E740481C1C}">
+                <a14:useLocalDpi xmlns:a14="http://schemas.microsoft.com/office/drawing/2010/main" val="0"/>
+              </a:ext>
+            </a:extLst>
+          </a:blip>
+          <a:stretch>
+            <a:fillRect/>
+          </a:stretch>
+        </p:blipFill>
+        <p:spPr>
+          <a:xfrm>
+            <a:off x="2390023" y="866478"/>
+            <a:ext cx="6393859" cy="1467443"/>
+          </a:xfrm>
+          <a:prstGeom prst="rect">
+            <a:avLst/>
+          </a:prstGeom>
+        </p:spPr>
+      </p:pic>
+      <p:sp>
+        <p:nvSpPr>
+          <p:cNvPr id="7" name="TextBox 6">
+            <a:extLst>
+              <a:ext uri="{FF2B5EF4-FFF2-40B4-BE49-F238E27FC236}">
+                <a16:creationId xmlns:a16="http://schemas.microsoft.com/office/drawing/2014/main" id="{898F8939-79A8-12E4-64A3-4DC58C52EFF7}"/>
+              </a:ext>
+            </a:extLst>
+          </p:cNvPr>
+          <p:cNvSpPr txBox="1"/>
+          <p:nvPr/>
+        </p:nvSpPr>
+        <p:spPr>
+          <a:xfrm>
+            <a:off x="268662" y="2573765"/>
+            <a:ext cx="11599683" cy="707886"/>
+          </a:xfrm>
+          <a:prstGeom prst="rect">
+            <a:avLst/>
+          </a:prstGeom>
+          <a:noFill/>
+        </p:spPr>
+        <p:txBody>
+          <a:bodyPr wrap="square">
+            <a:spAutoFit/>
+          </a:bodyPr>
+          <a:lstStyle/>
+          <a:p>
+            <a:r>
+              <a:rPr lang="en-US" sz="2000" b="1" dirty="0">
+                <a:solidFill>
+                  <a:schemeClr val="tx1">
+                    <a:lumMod val="65000"/>
+                    <a:lumOff val="35000"/>
+                  </a:schemeClr>
+                </a:solidFill>
+              </a:rPr>
+              <a:t>void remove(Object entity)</a:t>
+            </a:r>
+            <a:r>
+              <a:rPr lang="en-US" sz="2000" dirty="0">
+                <a:solidFill>
+                  <a:schemeClr val="tx1">
+                    <a:lumMod val="65000"/>
+                    <a:lumOff val="35000"/>
+                  </a:schemeClr>
+                </a:solidFill>
+              </a:rPr>
+              <a:t> - It changes the state of entity object from managed to removed and object gets deleted from the database when transaction is committed.</a:t>
+            </a:r>
+            <a:endParaRPr lang="en-IN" sz="2000" dirty="0">
+              <a:solidFill>
+                <a:schemeClr val="tx1">
+                  <a:lumMod val="65000"/>
+                  <a:lumOff val="35000"/>
+                </a:schemeClr>
+              </a:solidFill>
+            </a:endParaRPr>
+          </a:p>
+        </p:txBody>
+      </p:sp>
+      <p:pic>
+        <p:nvPicPr>
+          <p:cNvPr id="9" name="Picture 8">
+            <a:extLst>
+              <a:ext uri="{FF2B5EF4-FFF2-40B4-BE49-F238E27FC236}">
+                <a16:creationId xmlns:a16="http://schemas.microsoft.com/office/drawing/2014/main" id="{C6C7C513-2E7F-69E2-940D-DE3F365B4109}"/>
+              </a:ext>
+            </a:extLst>
+          </p:cNvPr>
+          <p:cNvPicPr>
+            <a:picLocks noChangeAspect="1"/>
+          </p:cNvPicPr>
+          <p:nvPr/>
+        </p:nvPicPr>
+        <p:blipFill>
+          <a:blip r:embed="rId3">
+            <a:extLst>
+              <a:ext uri="{28A0092B-C50C-407E-A947-70E740481C1C}">
+                <a14:useLocalDpi xmlns:a14="http://schemas.microsoft.com/office/drawing/2010/main" val="0"/>
+              </a:ext>
+            </a:extLst>
+          </a:blip>
+          <a:stretch>
+            <a:fillRect/>
+          </a:stretch>
+        </p:blipFill>
+        <p:spPr>
+          <a:xfrm>
+            <a:off x="2475036" y="3863212"/>
+            <a:ext cx="7241927" cy="1705664"/>
+          </a:xfrm>
+          <a:prstGeom prst="rect">
+            <a:avLst/>
+          </a:prstGeom>
+        </p:spPr>
+      </p:pic>
+    </p:spTree>
+    <p:extLst>
+      <p:ext uri="{BB962C8B-B14F-4D97-AF65-F5344CB8AC3E}">
+        <p14:creationId xmlns:p14="http://schemas.microsoft.com/office/powerpoint/2010/main" val="3451985082"/>
+      </p:ext>
+    </p:extLst>
+  </p:cSld>
+  <p:clrMapOvr>
+    <a:masterClrMapping/>
+  </p:clrMapOvr>
+</p:sld>
+</file>
+
+<file path=ppt/slides/slide29.xml><?xml version="1.0" encoding="utf-8"?>
+<p:sld xmlns:a="http://schemas.openxmlformats.org/drawingml/2006/main" xmlns:r="http://schemas.openxmlformats.org/officeDocument/2006/relationships" xmlns:p="http://schemas.openxmlformats.org/presentationml/2006/main">
+  <p:cSld>
+    <p:spTree>
+      <p:nvGrpSpPr>
+        <p:cNvPr id="1" name=""/>
+        <p:cNvGrpSpPr/>
+        <p:nvPr/>
+      </p:nvGrpSpPr>
+      <p:grpSpPr>
+        <a:xfrm>
+          <a:off x="0" y="0"/>
+          <a:ext cx="0" cy="0"/>
+          <a:chOff x="0" y="0"/>
+          <a:chExt cx="0" cy="0"/>
+        </a:xfrm>
+      </p:grpSpPr>
+      <p:sp>
+        <p:nvSpPr>
+          <p:cNvPr id="2" name="Footer Placeholder 1">
+            <a:extLst>
+              <a:ext uri="{FF2B5EF4-FFF2-40B4-BE49-F238E27FC236}">
+                <a16:creationId xmlns:a16="http://schemas.microsoft.com/office/drawing/2014/main" id="{6923DB0A-DA8B-F282-A7A2-2EC17C64C63C}"/>
+              </a:ext>
+            </a:extLst>
+          </p:cNvPr>
+          <p:cNvSpPr>
+            <a:spLocks noGrp="1"/>
+          </p:cNvSpPr>
+          <p:nvPr>
+            <p:ph type="ftr" sz="quarter" idx="11"/>
+          </p:nvPr>
+        </p:nvSpPr>
+        <p:spPr/>
+        <p:txBody>
+          <a:bodyPr/>
+          <a:lstStyle/>
+          <a:p>
+            <a:r>
+              <a:rPr lang="en-IN"/>
+              <a:t>H&amp;D IT Solution</a:t>
+            </a:r>
+            <a:endParaRPr lang="en-IN" dirty="0"/>
+          </a:p>
+        </p:txBody>
+      </p:sp>
+      <p:sp>
+        <p:nvSpPr>
+          <p:cNvPr id="3" name="Slide Number Placeholder 2">
+            <a:extLst>
+              <a:ext uri="{FF2B5EF4-FFF2-40B4-BE49-F238E27FC236}">
+                <a16:creationId xmlns:a16="http://schemas.microsoft.com/office/drawing/2014/main" id="{A8C456E4-AA39-0AE9-A119-7C98C163F249}"/>
+              </a:ext>
+            </a:extLst>
+          </p:cNvPr>
+          <p:cNvSpPr>
+            <a:spLocks noGrp="1"/>
+          </p:cNvSpPr>
+          <p:nvPr>
+            <p:ph type="sldNum" sz="quarter" idx="12"/>
+          </p:nvPr>
+        </p:nvSpPr>
+        <p:spPr/>
+        <p:txBody>
+          <a:bodyPr/>
+          <a:lstStyle/>
+          <a:p>
+            <a:fld id="{4A777409-9C5A-4B07-8E32-19F22F7D558C}" type="slidenum">
+              <a:rPr lang="en-IN" smtClean="0"/>
+              <a:t>29</a:t>
+            </a:fld>
+            <a:endParaRPr lang="en-IN" dirty="0"/>
+          </a:p>
+        </p:txBody>
+      </p:sp>
+      <p:sp>
+        <p:nvSpPr>
+          <p:cNvPr id="5" name="TextBox 4">
+            <a:extLst>
+              <a:ext uri="{FF2B5EF4-FFF2-40B4-BE49-F238E27FC236}">
+                <a16:creationId xmlns:a16="http://schemas.microsoft.com/office/drawing/2014/main" id="{1D99D0A5-D3A4-A972-4312-DA8BD7BCAF69}"/>
+              </a:ext>
+            </a:extLst>
+          </p:cNvPr>
+          <p:cNvSpPr txBox="1"/>
+          <p:nvPr/>
+        </p:nvSpPr>
+        <p:spPr>
+          <a:xfrm>
+            <a:off x="989029" y="631843"/>
+            <a:ext cx="10276002" cy="707886"/>
+          </a:xfrm>
+          <a:prstGeom prst="rect">
+            <a:avLst/>
+          </a:prstGeom>
+          <a:noFill/>
+        </p:spPr>
+        <p:txBody>
+          <a:bodyPr wrap="square">
+            <a:spAutoFit/>
+          </a:bodyPr>
+          <a:lstStyle/>
+          <a:p>
+            <a:r>
+              <a:rPr lang="en-US" sz="2000" b="1" dirty="0">
+                <a:solidFill>
+                  <a:schemeClr val="tx1">
+                    <a:lumMod val="65000"/>
+                    <a:lumOff val="35000"/>
+                  </a:schemeClr>
+                </a:solidFill>
+              </a:rPr>
+              <a:t>void detach(Object entity)</a:t>
+            </a:r>
+            <a:r>
+              <a:rPr lang="en-US" sz="2000" dirty="0">
+                <a:solidFill>
+                  <a:schemeClr val="tx1">
+                    <a:lumMod val="65000"/>
+                    <a:lumOff val="35000"/>
+                  </a:schemeClr>
+                </a:solidFill>
+              </a:rPr>
+              <a:t> - It detaches the given entity from the persistence context associated with it and changes its state to detached.</a:t>
+            </a:r>
+            <a:endParaRPr lang="en-IN" sz="2000" dirty="0">
+              <a:solidFill>
+                <a:schemeClr val="tx1">
+                  <a:lumMod val="65000"/>
+                  <a:lumOff val="35000"/>
+                </a:schemeClr>
+              </a:solidFill>
+            </a:endParaRPr>
+          </a:p>
+        </p:txBody>
+      </p:sp>
+      <p:pic>
+        <p:nvPicPr>
+          <p:cNvPr id="7" name="Picture 6">
+            <a:extLst>
+              <a:ext uri="{FF2B5EF4-FFF2-40B4-BE49-F238E27FC236}">
+                <a16:creationId xmlns:a16="http://schemas.microsoft.com/office/drawing/2014/main" id="{746BE5EE-59C1-5921-A741-EA30872E50F9}"/>
+              </a:ext>
+            </a:extLst>
+          </p:cNvPr>
+          <p:cNvPicPr>
+            <a:picLocks noChangeAspect="1"/>
+          </p:cNvPicPr>
+          <p:nvPr/>
+        </p:nvPicPr>
+        <p:blipFill>
+          <a:blip r:embed="rId2">
+            <a:extLst>
+              <a:ext uri="{28A0092B-C50C-407E-A947-70E740481C1C}">
+                <a14:useLocalDpi xmlns:a14="http://schemas.microsoft.com/office/drawing/2010/main" val="0"/>
+              </a:ext>
+            </a:extLst>
+          </a:blip>
+          <a:stretch>
+            <a:fillRect/>
+          </a:stretch>
+        </p:blipFill>
+        <p:spPr>
+          <a:xfrm>
+            <a:off x="2476952" y="1532766"/>
+            <a:ext cx="7238095" cy="1209524"/>
+          </a:xfrm>
+          <a:prstGeom prst="rect">
+            <a:avLst/>
+          </a:prstGeom>
+        </p:spPr>
+      </p:pic>
+      <p:sp>
+        <p:nvSpPr>
+          <p:cNvPr id="9" name="TextBox 8">
+            <a:extLst>
+              <a:ext uri="{FF2B5EF4-FFF2-40B4-BE49-F238E27FC236}">
+                <a16:creationId xmlns:a16="http://schemas.microsoft.com/office/drawing/2014/main" id="{3FD95C13-217F-9EB7-8C2A-CE8BCBFF6193}"/>
+              </a:ext>
+            </a:extLst>
+          </p:cNvPr>
+          <p:cNvSpPr txBox="1"/>
+          <p:nvPr/>
+        </p:nvSpPr>
+        <p:spPr>
+          <a:xfrm>
+            <a:off x="989029" y="3152422"/>
+            <a:ext cx="6099142" cy="400110"/>
+          </a:xfrm>
+          <a:prstGeom prst="rect">
+            <a:avLst/>
+          </a:prstGeom>
+          <a:noFill/>
+        </p:spPr>
+        <p:txBody>
+          <a:bodyPr wrap="square">
+            <a:spAutoFit/>
+          </a:bodyPr>
+          <a:lstStyle/>
+          <a:p>
+            <a:r>
+              <a:rPr lang="en-US" sz="2000" dirty="0">
+                <a:solidFill>
+                  <a:schemeClr val="tx1">
+                    <a:lumMod val="65000"/>
+                    <a:lumOff val="35000"/>
+                  </a:schemeClr>
+                </a:solidFill>
+              </a:rPr>
+              <a:t>Now you will see how to use JPA with Spring Boot.</a:t>
+            </a:r>
+            <a:endParaRPr lang="en-IN" sz="2000" dirty="0">
+              <a:solidFill>
+                <a:schemeClr val="tx1">
+                  <a:lumMod val="65000"/>
+                  <a:lumOff val="35000"/>
+                </a:schemeClr>
+              </a:solidFill>
+            </a:endParaRPr>
+          </a:p>
+        </p:txBody>
+      </p:sp>
+    </p:spTree>
+    <p:extLst>
+      <p:ext uri="{BB962C8B-B14F-4D97-AF65-F5344CB8AC3E}">
+        <p14:creationId xmlns:p14="http://schemas.microsoft.com/office/powerpoint/2010/main" val="2589741665"/>
+      </p:ext>
+    </p:extLst>
+  </p:cSld>
+  <p:clrMapOvr>
+    <a:masterClrMapping/>
+  </p:clrMapOvr>
+</p:sld>
+</file>
+
 <file path=ppt/slides/slide3.xml><?xml version="1.0" encoding="utf-8"?>
 <p:sld xmlns:a="http://schemas.openxmlformats.org/drawingml/2006/main" xmlns:r="http://schemas.openxmlformats.org/officeDocument/2006/relationships" xmlns:p="http://schemas.openxmlformats.org/presentationml/2006/main">
   <p:cSld>
@@ -9354,6 +10838,3969 @@
     <p:extLst>
       <p:ext uri="{BB962C8B-B14F-4D97-AF65-F5344CB8AC3E}">
         <p14:creationId xmlns:p14="http://schemas.microsoft.com/office/powerpoint/2010/main" val="4251359315"/>
+      </p:ext>
+    </p:extLst>
+  </p:cSld>
+  <p:clrMapOvr>
+    <a:masterClrMapping/>
+  </p:clrMapOvr>
+</p:sld>
+</file>
+
+<file path=ppt/slides/slide30.xml><?xml version="1.0" encoding="utf-8"?>
+<p:sld xmlns:a="http://schemas.openxmlformats.org/drawingml/2006/main" xmlns:r="http://schemas.openxmlformats.org/officeDocument/2006/relationships" xmlns:p="http://schemas.openxmlformats.org/presentationml/2006/main">
+  <p:cSld>
+    <p:spTree>
+      <p:nvGrpSpPr>
+        <p:cNvPr id="1" name=""/>
+        <p:cNvGrpSpPr/>
+        <p:nvPr/>
+      </p:nvGrpSpPr>
+      <p:grpSpPr>
+        <a:xfrm>
+          <a:off x="0" y="0"/>
+          <a:ext cx="0" cy="0"/>
+          <a:chOff x="0" y="0"/>
+          <a:chExt cx="0" cy="0"/>
+        </a:xfrm>
+      </p:grpSpPr>
+      <p:sp>
+        <p:nvSpPr>
+          <p:cNvPr id="2" name="Footer Placeholder 1">
+            <a:extLst>
+              <a:ext uri="{FF2B5EF4-FFF2-40B4-BE49-F238E27FC236}">
+                <a16:creationId xmlns:a16="http://schemas.microsoft.com/office/drawing/2014/main" id="{BE65FCEA-B0B1-81E8-8C8F-DA3FB1F081AC}"/>
+              </a:ext>
+            </a:extLst>
+          </p:cNvPr>
+          <p:cNvSpPr>
+            <a:spLocks noGrp="1"/>
+          </p:cNvSpPr>
+          <p:nvPr>
+            <p:ph type="ftr" sz="quarter" idx="11"/>
+          </p:nvPr>
+        </p:nvSpPr>
+        <p:spPr/>
+        <p:txBody>
+          <a:bodyPr/>
+          <a:lstStyle/>
+          <a:p>
+            <a:r>
+              <a:rPr lang="en-IN"/>
+              <a:t>H&amp;D IT Solution</a:t>
+            </a:r>
+            <a:endParaRPr lang="en-IN" dirty="0"/>
+          </a:p>
+        </p:txBody>
+      </p:sp>
+      <p:sp>
+        <p:nvSpPr>
+          <p:cNvPr id="3" name="Slide Number Placeholder 2">
+            <a:extLst>
+              <a:ext uri="{FF2B5EF4-FFF2-40B4-BE49-F238E27FC236}">
+                <a16:creationId xmlns:a16="http://schemas.microsoft.com/office/drawing/2014/main" id="{178B1EBE-8F69-B3FC-BD1B-2BDB82676879}"/>
+              </a:ext>
+            </a:extLst>
+          </p:cNvPr>
+          <p:cNvSpPr>
+            <a:spLocks noGrp="1"/>
+          </p:cNvSpPr>
+          <p:nvPr>
+            <p:ph type="sldNum" sz="quarter" idx="12"/>
+          </p:nvPr>
+        </p:nvSpPr>
+        <p:spPr/>
+        <p:txBody>
+          <a:bodyPr/>
+          <a:lstStyle/>
+          <a:p>
+            <a:fld id="{4A777409-9C5A-4B07-8E32-19F22F7D558C}" type="slidenum">
+              <a:rPr lang="en-IN" smtClean="0"/>
+              <a:t>30</a:t>
+            </a:fld>
+            <a:endParaRPr lang="en-IN" dirty="0"/>
+          </a:p>
+        </p:txBody>
+      </p:sp>
+      <p:sp>
+        <p:nvSpPr>
+          <p:cNvPr id="5" name="TextBox 4">
+            <a:extLst>
+              <a:ext uri="{FF2B5EF4-FFF2-40B4-BE49-F238E27FC236}">
+                <a16:creationId xmlns:a16="http://schemas.microsoft.com/office/drawing/2014/main" id="{3D292D0B-FFF3-D6C1-6850-B0589A7A4D84}"/>
+              </a:ext>
+            </a:extLst>
+          </p:cNvPr>
+          <p:cNvSpPr txBox="1"/>
+          <p:nvPr/>
+        </p:nvSpPr>
+        <p:spPr>
+          <a:xfrm>
+            <a:off x="989028" y="541197"/>
+            <a:ext cx="10219441" cy="461665"/>
+          </a:xfrm>
+          <a:prstGeom prst="rect">
+            <a:avLst/>
+          </a:prstGeom>
+          <a:noFill/>
+        </p:spPr>
+        <p:txBody>
+          <a:bodyPr wrap="square">
+            <a:spAutoFit/>
+          </a:bodyPr>
+          <a:lstStyle/>
+          <a:p>
+            <a:r>
+              <a:rPr lang="en-US" sz="2400" b="1" dirty="0"/>
+              <a:t>Creating and Configuring Spring Boot project with JPA - Demo </a:t>
+            </a:r>
+          </a:p>
+        </p:txBody>
+      </p:sp>
+      <p:sp>
+        <p:nvSpPr>
+          <p:cNvPr id="7" name="TextBox 6">
+            <a:extLst>
+              <a:ext uri="{FF2B5EF4-FFF2-40B4-BE49-F238E27FC236}">
+                <a16:creationId xmlns:a16="http://schemas.microsoft.com/office/drawing/2014/main" id="{7141B52E-80B3-309E-5626-E2E68A2DDFA6}"/>
+              </a:ext>
+            </a:extLst>
+          </p:cNvPr>
+          <p:cNvSpPr txBox="1"/>
+          <p:nvPr/>
+        </p:nvSpPr>
+        <p:spPr>
+          <a:xfrm>
+            <a:off x="267878" y="917912"/>
+            <a:ext cx="11656244" cy="5324535"/>
+          </a:xfrm>
+          <a:prstGeom prst="rect">
+            <a:avLst/>
+          </a:prstGeom>
+          <a:noFill/>
+        </p:spPr>
+        <p:txBody>
+          <a:bodyPr wrap="square">
+            <a:spAutoFit/>
+          </a:bodyPr>
+          <a:lstStyle/>
+          <a:p>
+            <a:r>
+              <a:rPr lang="en-US" sz="2000" b="1" dirty="0">
+                <a:solidFill>
+                  <a:schemeClr val="tx1">
+                    <a:lumMod val="65000"/>
+                    <a:lumOff val="35000"/>
+                  </a:schemeClr>
+                </a:solidFill>
+                <a:effectLst/>
+              </a:rPr>
+              <a:t>Objective</a:t>
+            </a:r>
+            <a:r>
+              <a:rPr lang="en-US" sz="2000" dirty="0">
+                <a:solidFill>
+                  <a:schemeClr val="tx1">
+                    <a:lumMod val="65000"/>
+                    <a:lumOff val="35000"/>
+                  </a:schemeClr>
+                </a:solidFill>
+                <a:effectLst/>
+              </a:rPr>
+              <a:t>:</a:t>
+            </a:r>
+          </a:p>
+          <a:p>
+            <a:r>
+              <a:rPr lang="en-US" sz="2000" dirty="0">
+                <a:solidFill>
+                  <a:schemeClr val="tx1">
+                    <a:lumMod val="65000"/>
+                    <a:lumOff val="35000"/>
+                  </a:schemeClr>
+                </a:solidFill>
+                <a:effectLst/>
+              </a:rPr>
+              <a:t>To create and configure a Spring Boot project which uses JPA and MySQL database.</a:t>
+            </a:r>
+          </a:p>
+          <a:p>
+            <a:endParaRPr lang="en-US" sz="2000" dirty="0">
+              <a:solidFill>
+                <a:schemeClr val="tx1">
+                  <a:lumMod val="65000"/>
+                  <a:lumOff val="35000"/>
+                </a:schemeClr>
+              </a:solidFill>
+              <a:effectLst/>
+            </a:endParaRPr>
+          </a:p>
+          <a:p>
+            <a:r>
+              <a:rPr lang="en-US" sz="2000" b="1" dirty="0">
+                <a:solidFill>
+                  <a:schemeClr val="tx1">
+                    <a:lumMod val="65000"/>
+                    <a:lumOff val="35000"/>
+                  </a:schemeClr>
+                </a:solidFill>
+                <a:effectLst/>
+              </a:rPr>
+              <a:t>Steps:</a:t>
+            </a:r>
+          </a:p>
+          <a:p>
+            <a:endParaRPr lang="en-US" sz="2000" dirty="0">
+              <a:solidFill>
+                <a:schemeClr val="tx1">
+                  <a:lumMod val="65000"/>
+                  <a:lumOff val="35000"/>
+                </a:schemeClr>
+              </a:solidFill>
+              <a:effectLst/>
+            </a:endParaRPr>
+          </a:p>
+          <a:p>
+            <a:r>
+              <a:rPr lang="en-US" sz="2000" b="1" dirty="0">
+                <a:solidFill>
+                  <a:schemeClr val="tx1">
+                    <a:lumMod val="65000"/>
+                    <a:lumOff val="35000"/>
+                  </a:schemeClr>
+                </a:solidFill>
+              </a:rPr>
+              <a:t>Step 1 : </a:t>
+            </a:r>
+            <a:r>
+              <a:rPr lang="en-US" sz="2000" dirty="0">
+                <a:solidFill>
+                  <a:schemeClr val="tx1">
+                    <a:lumMod val="65000"/>
+                    <a:lumOff val="35000"/>
+                  </a:schemeClr>
+                </a:solidFill>
+              </a:rPr>
+              <a:t>Create a Spring Boot project</a:t>
+            </a:r>
+          </a:p>
+          <a:p>
+            <a:endParaRPr lang="en-US" sz="2000" dirty="0">
+              <a:solidFill>
+                <a:schemeClr val="tx1">
+                  <a:lumMod val="65000"/>
+                  <a:lumOff val="35000"/>
+                </a:schemeClr>
+              </a:solidFill>
+            </a:endParaRPr>
+          </a:p>
+          <a:p>
+            <a:r>
+              <a:rPr lang="en-US" sz="2000" dirty="0">
+                <a:solidFill>
+                  <a:schemeClr val="tx1">
+                    <a:lumMod val="65000"/>
+                    <a:lumOff val="35000"/>
+                  </a:schemeClr>
+                </a:solidFill>
+              </a:rPr>
+              <a:t>Using Spring </a:t>
+            </a:r>
+            <a:r>
+              <a:rPr lang="en-US" sz="2000" dirty="0" err="1">
+                <a:solidFill>
+                  <a:schemeClr val="tx1">
+                    <a:lumMod val="65000"/>
+                    <a:lumOff val="35000"/>
+                  </a:schemeClr>
+                </a:solidFill>
+              </a:rPr>
+              <a:t>Initializr</a:t>
+            </a:r>
+            <a:r>
+              <a:rPr lang="en-US" sz="2000" dirty="0">
+                <a:solidFill>
+                  <a:schemeClr val="tx1">
+                    <a:lumMod val="65000"/>
+                    <a:lumOff val="35000"/>
+                  </a:schemeClr>
+                </a:solidFill>
+              </a:rPr>
+              <a:t>, create a Spring Boot project with following specifications:</a:t>
+            </a:r>
+          </a:p>
+          <a:p>
+            <a:pPr>
+              <a:buFont typeface="Arial" panose="020B0604020202020204" pitchFamily="34" charset="0"/>
+              <a:buChar char="•"/>
+            </a:pPr>
+            <a:r>
+              <a:rPr lang="en-US" sz="2000" dirty="0">
+                <a:solidFill>
+                  <a:schemeClr val="tx1">
+                    <a:lumMod val="65000"/>
+                    <a:lumOff val="35000"/>
+                  </a:schemeClr>
+                </a:solidFill>
+              </a:rPr>
+              <a:t>Spring Boot Version: 2.6.6 (The version keeps on changing, always choose the latest release)</a:t>
+            </a:r>
+          </a:p>
+          <a:p>
+            <a:pPr>
+              <a:buFont typeface="Arial" panose="020B0604020202020204" pitchFamily="34" charset="0"/>
+              <a:buChar char="•"/>
+            </a:pPr>
+            <a:r>
+              <a:rPr lang="en-US" sz="2000" dirty="0">
+                <a:solidFill>
+                  <a:schemeClr val="tx1">
+                    <a:lumMod val="65000"/>
+                    <a:lumOff val="35000"/>
+                  </a:schemeClr>
+                </a:solidFill>
+              </a:rPr>
+              <a:t>Group: </a:t>
+            </a:r>
+            <a:r>
+              <a:rPr lang="en-US" sz="2000" dirty="0" err="1">
+                <a:solidFill>
+                  <a:schemeClr val="tx1">
+                    <a:lumMod val="65000"/>
+                    <a:lumOff val="35000"/>
+                  </a:schemeClr>
+                </a:solidFill>
+              </a:rPr>
+              <a:t>com.hnd</a:t>
+            </a:r>
+            <a:endParaRPr lang="en-US" sz="2000" dirty="0">
+              <a:solidFill>
+                <a:schemeClr val="tx1">
+                  <a:lumMod val="65000"/>
+                  <a:lumOff val="35000"/>
+                </a:schemeClr>
+              </a:solidFill>
+            </a:endParaRPr>
+          </a:p>
+          <a:p>
+            <a:pPr>
+              <a:buFont typeface="Arial" panose="020B0604020202020204" pitchFamily="34" charset="0"/>
+              <a:buChar char="•"/>
+            </a:pPr>
+            <a:r>
+              <a:rPr lang="en-US" sz="2000" dirty="0">
+                <a:solidFill>
+                  <a:schemeClr val="tx1">
+                    <a:lumMod val="65000"/>
+                    <a:lumOff val="35000"/>
+                  </a:schemeClr>
+                </a:solidFill>
+              </a:rPr>
+              <a:t>Artifact: </a:t>
+            </a:r>
+            <a:r>
+              <a:rPr lang="en-US" sz="2000" dirty="0" err="1">
+                <a:solidFill>
+                  <a:schemeClr val="tx1">
+                    <a:lumMod val="65000"/>
+                    <a:lumOff val="35000"/>
+                  </a:schemeClr>
+                </a:solidFill>
+              </a:rPr>
+              <a:t>Demo_SpringOrmCRUD</a:t>
+            </a:r>
+            <a:endParaRPr lang="en-US" sz="2000" dirty="0">
+              <a:solidFill>
+                <a:schemeClr val="tx1">
+                  <a:lumMod val="65000"/>
+                  <a:lumOff val="35000"/>
+                </a:schemeClr>
+              </a:solidFill>
+            </a:endParaRPr>
+          </a:p>
+          <a:p>
+            <a:pPr>
+              <a:buFont typeface="Arial" panose="020B0604020202020204" pitchFamily="34" charset="0"/>
+              <a:buChar char="•"/>
+            </a:pPr>
+            <a:r>
+              <a:rPr lang="en-US" sz="2000" dirty="0">
+                <a:solidFill>
+                  <a:schemeClr val="tx1">
+                    <a:lumMod val="65000"/>
+                    <a:lumOff val="35000"/>
+                  </a:schemeClr>
+                </a:solidFill>
+              </a:rPr>
+              <a:t>Name: </a:t>
+            </a:r>
+            <a:r>
+              <a:rPr lang="en-US" sz="2000" dirty="0" err="1">
+                <a:solidFill>
+                  <a:schemeClr val="tx1">
+                    <a:lumMod val="65000"/>
+                    <a:lumOff val="35000"/>
+                  </a:schemeClr>
+                </a:solidFill>
+              </a:rPr>
+              <a:t>Demo_SpringOrmCRUD</a:t>
+            </a:r>
+            <a:endParaRPr lang="en-US" sz="2000" dirty="0">
+              <a:solidFill>
+                <a:schemeClr val="tx1">
+                  <a:lumMod val="65000"/>
+                  <a:lumOff val="35000"/>
+                </a:schemeClr>
+              </a:solidFill>
+            </a:endParaRPr>
+          </a:p>
+          <a:p>
+            <a:pPr>
+              <a:buFont typeface="Arial" panose="020B0604020202020204" pitchFamily="34" charset="0"/>
+              <a:buChar char="•"/>
+            </a:pPr>
+            <a:r>
+              <a:rPr lang="en-US" sz="2000" dirty="0">
+                <a:solidFill>
+                  <a:schemeClr val="tx1">
+                    <a:lumMod val="65000"/>
+                    <a:lumOff val="35000"/>
+                  </a:schemeClr>
+                </a:solidFill>
+              </a:rPr>
+              <a:t>Package name: </a:t>
+            </a:r>
+            <a:r>
+              <a:rPr lang="en-US" sz="2000" dirty="0" err="1">
+                <a:solidFill>
+                  <a:schemeClr val="tx1">
+                    <a:lumMod val="65000"/>
+                    <a:lumOff val="35000"/>
+                  </a:schemeClr>
+                </a:solidFill>
+              </a:rPr>
+              <a:t>com.hnd</a:t>
+            </a:r>
+            <a:endParaRPr lang="en-US" sz="2000" dirty="0">
+              <a:solidFill>
+                <a:schemeClr val="tx1">
+                  <a:lumMod val="65000"/>
+                  <a:lumOff val="35000"/>
+                </a:schemeClr>
+              </a:solidFill>
+            </a:endParaRPr>
+          </a:p>
+          <a:p>
+            <a:pPr>
+              <a:buFont typeface="Arial" panose="020B0604020202020204" pitchFamily="34" charset="0"/>
+              <a:buChar char="•"/>
+            </a:pPr>
+            <a:r>
+              <a:rPr lang="en-US" sz="2000" dirty="0">
+                <a:solidFill>
+                  <a:schemeClr val="tx1">
+                    <a:lumMod val="65000"/>
+                    <a:lumOff val="35000"/>
+                  </a:schemeClr>
+                </a:solidFill>
+              </a:rPr>
+              <a:t>Java Version: 17</a:t>
+            </a:r>
+          </a:p>
+          <a:p>
+            <a:pPr>
+              <a:buFont typeface="Arial" panose="020B0604020202020204" pitchFamily="34" charset="0"/>
+              <a:buChar char="•"/>
+            </a:pPr>
+            <a:r>
+              <a:rPr lang="en-US" sz="2000" dirty="0">
+                <a:solidFill>
+                  <a:schemeClr val="tx1">
+                    <a:lumMod val="65000"/>
+                    <a:lumOff val="35000"/>
+                  </a:schemeClr>
+                </a:solidFill>
+              </a:rPr>
+              <a:t>Dependencies: Spring Data JPA and MySQL Driver</a:t>
+            </a:r>
+          </a:p>
+          <a:p>
+            <a:endParaRPr lang="en-US" sz="2000" dirty="0">
+              <a:solidFill>
+                <a:schemeClr val="tx1">
+                  <a:lumMod val="65000"/>
+                  <a:lumOff val="35000"/>
+                </a:schemeClr>
+              </a:solidFill>
+            </a:endParaRPr>
+          </a:p>
+          <a:p>
+            <a:r>
+              <a:rPr lang="en-US" sz="2000" dirty="0">
+                <a:solidFill>
+                  <a:schemeClr val="tx1">
+                    <a:lumMod val="65000"/>
+                    <a:lumOff val="35000"/>
+                  </a:schemeClr>
+                </a:solidFill>
+                <a:effectLst/>
+              </a:rPr>
+              <a:t>Note: If you are using Oracle database, add the following dependency in pom.xml:</a:t>
+            </a:r>
+          </a:p>
+        </p:txBody>
+      </p:sp>
+    </p:spTree>
+    <p:extLst>
+      <p:ext uri="{BB962C8B-B14F-4D97-AF65-F5344CB8AC3E}">
+        <p14:creationId xmlns:p14="http://schemas.microsoft.com/office/powerpoint/2010/main" val="1816473240"/>
+      </p:ext>
+    </p:extLst>
+  </p:cSld>
+  <p:clrMapOvr>
+    <a:masterClrMapping/>
+  </p:clrMapOvr>
+</p:sld>
+</file>
+
+<file path=ppt/slides/slide31.xml><?xml version="1.0" encoding="utf-8"?>
+<p:sld xmlns:a="http://schemas.openxmlformats.org/drawingml/2006/main" xmlns:r="http://schemas.openxmlformats.org/officeDocument/2006/relationships" xmlns:p="http://schemas.openxmlformats.org/presentationml/2006/main">
+  <p:cSld>
+    <p:spTree>
+      <p:nvGrpSpPr>
+        <p:cNvPr id="1" name=""/>
+        <p:cNvGrpSpPr/>
+        <p:nvPr/>
+      </p:nvGrpSpPr>
+      <p:grpSpPr>
+        <a:xfrm>
+          <a:off x="0" y="0"/>
+          <a:ext cx="0" cy="0"/>
+          <a:chOff x="0" y="0"/>
+          <a:chExt cx="0" cy="0"/>
+        </a:xfrm>
+      </p:grpSpPr>
+      <p:sp>
+        <p:nvSpPr>
+          <p:cNvPr id="2" name="Footer Placeholder 1">
+            <a:extLst>
+              <a:ext uri="{FF2B5EF4-FFF2-40B4-BE49-F238E27FC236}">
+                <a16:creationId xmlns:a16="http://schemas.microsoft.com/office/drawing/2014/main" id="{9F01251A-8C0F-8E92-0264-30B3C6D1CF6C}"/>
+              </a:ext>
+            </a:extLst>
+          </p:cNvPr>
+          <p:cNvSpPr>
+            <a:spLocks noGrp="1"/>
+          </p:cNvSpPr>
+          <p:nvPr>
+            <p:ph type="ftr" sz="quarter" idx="11"/>
+          </p:nvPr>
+        </p:nvSpPr>
+        <p:spPr/>
+        <p:txBody>
+          <a:bodyPr/>
+          <a:lstStyle/>
+          <a:p>
+            <a:r>
+              <a:rPr lang="en-IN"/>
+              <a:t>H&amp;D IT Solution</a:t>
+            </a:r>
+            <a:endParaRPr lang="en-IN" dirty="0"/>
+          </a:p>
+        </p:txBody>
+      </p:sp>
+      <p:sp>
+        <p:nvSpPr>
+          <p:cNvPr id="3" name="Slide Number Placeholder 2">
+            <a:extLst>
+              <a:ext uri="{FF2B5EF4-FFF2-40B4-BE49-F238E27FC236}">
+                <a16:creationId xmlns:a16="http://schemas.microsoft.com/office/drawing/2014/main" id="{40F4CD79-7B82-4EE1-97A1-F99BD5943EC7}"/>
+              </a:ext>
+            </a:extLst>
+          </p:cNvPr>
+          <p:cNvSpPr>
+            <a:spLocks noGrp="1"/>
+          </p:cNvSpPr>
+          <p:nvPr>
+            <p:ph type="sldNum" sz="quarter" idx="12"/>
+          </p:nvPr>
+        </p:nvSpPr>
+        <p:spPr/>
+        <p:txBody>
+          <a:bodyPr/>
+          <a:lstStyle/>
+          <a:p>
+            <a:fld id="{4A777409-9C5A-4B07-8E32-19F22F7D558C}" type="slidenum">
+              <a:rPr lang="en-IN" smtClean="0"/>
+              <a:t>31</a:t>
+            </a:fld>
+            <a:endParaRPr lang="en-IN" dirty="0"/>
+          </a:p>
+        </p:txBody>
+      </p:sp>
+      <p:sp>
+        <p:nvSpPr>
+          <p:cNvPr id="5" name="TextBox 4">
+            <a:extLst>
+              <a:ext uri="{FF2B5EF4-FFF2-40B4-BE49-F238E27FC236}">
+                <a16:creationId xmlns:a16="http://schemas.microsoft.com/office/drawing/2014/main" id="{1E8E75C0-2F3B-568E-E9A9-45C72F93E105}"/>
+              </a:ext>
+            </a:extLst>
+          </p:cNvPr>
+          <p:cNvSpPr txBox="1"/>
+          <p:nvPr/>
+        </p:nvSpPr>
+        <p:spPr>
+          <a:xfrm>
+            <a:off x="1079369" y="694209"/>
+            <a:ext cx="10072540" cy="1477328"/>
+          </a:xfrm>
+          <a:prstGeom prst="rect">
+            <a:avLst/>
+          </a:prstGeom>
+          <a:noFill/>
+        </p:spPr>
+        <p:txBody>
+          <a:bodyPr wrap="square">
+            <a:spAutoFit/>
+          </a:bodyPr>
+          <a:lstStyle/>
+          <a:p>
+            <a:r>
+              <a:rPr lang="en-IN" dirty="0"/>
+              <a:t>&lt;dependency&gt;</a:t>
+            </a:r>
+          </a:p>
+          <a:p>
+            <a:r>
+              <a:rPr lang="en-IN" dirty="0"/>
+              <a:t>	&lt;</a:t>
+            </a:r>
+            <a:r>
+              <a:rPr lang="en-IN" dirty="0" err="1"/>
+              <a:t>groupId</a:t>
+            </a:r>
+            <a:r>
+              <a:rPr lang="en-IN" dirty="0"/>
+              <a:t>&gt;</a:t>
+            </a:r>
+            <a:r>
+              <a:rPr lang="en-IN" dirty="0" err="1"/>
+              <a:t>com.oracle.ojdbc</a:t>
+            </a:r>
+            <a:r>
+              <a:rPr lang="en-IN" dirty="0"/>
+              <a:t>&lt;/</a:t>
+            </a:r>
+            <a:r>
+              <a:rPr lang="en-IN" dirty="0" err="1"/>
+              <a:t>groupId</a:t>
+            </a:r>
+            <a:r>
+              <a:rPr lang="en-IN" dirty="0"/>
+              <a:t>&gt;</a:t>
+            </a:r>
+          </a:p>
+          <a:p>
+            <a:r>
+              <a:rPr lang="en-IN" dirty="0"/>
+              <a:t>	&lt;</a:t>
+            </a:r>
+            <a:r>
+              <a:rPr lang="en-IN" dirty="0" err="1"/>
+              <a:t>artifactId</a:t>
+            </a:r>
+            <a:r>
+              <a:rPr lang="en-IN" dirty="0"/>
+              <a:t>&gt;ojdbc8&lt;/</a:t>
+            </a:r>
+            <a:r>
+              <a:rPr lang="en-IN" dirty="0" err="1"/>
+              <a:t>artifactId</a:t>
+            </a:r>
+            <a:r>
+              <a:rPr lang="en-IN" dirty="0"/>
+              <a:t>&gt;</a:t>
+            </a:r>
+          </a:p>
+          <a:p>
+            <a:r>
+              <a:rPr lang="en-IN" dirty="0"/>
+              <a:t>	&lt;version&gt;19.3.0.0&lt;/version&gt;</a:t>
+            </a:r>
+          </a:p>
+          <a:p>
+            <a:r>
+              <a:rPr lang="en-IN" dirty="0"/>
+              <a:t>&lt;/dependency&gt;</a:t>
+            </a:r>
+          </a:p>
+        </p:txBody>
+      </p:sp>
+      <p:sp>
+        <p:nvSpPr>
+          <p:cNvPr id="7" name="TextBox 6">
+            <a:extLst>
+              <a:ext uri="{FF2B5EF4-FFF2-40B4-BE49-F238E27FC236}">
+                <a16:creationId xmlns:a16="http://schemas.microsoft.com/office/drawing/2014/main" id="{C7A1F43F-F800-389D-7B81-F8E78D985EC7}"/>
+              </a:ext>
+            </a:extLst>
+          </p:cNvPr>
+          <p:cNvSpPr txBox="1"/>
+          <p:nvPr/>
+        </p:nvSpPr>
+        <p:spPr>
+          <a:xfrm>
+            <a:off x="230956" y="2306912"/>
+            <a:ext cx="11561976" cy="707886"/>
+          </a:xfrm>
+          <a:prstGeom prst="rect">
+            <a:avLst/>
+          </a:prstGeom>
+          <a:noFill/>
+        </p:spPr>
+        <p:txBody>
+          <a:bodyPr wrap="square">
+            <a:spAutoFit/>
+          </a:bodyPr>
+          <a:lstStyle/>
+          <a:p>
+            <a:r>
+              <a:rPr lang="en-US" sz="2000" b="1" dirty="0">
+                <a:solidFill>
+                  <a:schemeClr val="tx1">
+                    <a:lumMod val="65000"/>
+                    <a:lumOff val="35000"/>
+                  </a:schemeClr>
+                </a:solidFill>
+              </a:rPr>
+              <a:t>Step 2</a:t>
+            </a:r>
+            <a:r>
+              <a:rPr lang="en-US" sz="2000" dirty="0">
+                <a:solidFill>
+                  <a:schemeClr val="tx1">
+                    <a:lumMod val="65000"/>
+                    <a:lumOff val="35000"/>
+                  </a:schemeClr>
+                </a:solidFill>
+              </a:rPr>
+              <a:t>: Open </a:t>
+            </a:r>
+            <a:r>
+              <a:rPr lang="en-US" sz="2000" dirty="0" err="1">
+                <a:solidFill>
+                  <a:schemeClr val="tx1">
+                    <a:lumMod val="65000"/>
+                    <a:lumOff val="35000"/>
+                  </a:schemeClr>
+                </a:solidFill>
+              </a:rPr>
+              <a:t>application.properties</a:t>
+            </a:r>
+            <a:r>
+              <a:rPr lang="en-US" sz="2000" dirty="0">
+                <a:solidFill>
+                  <a:schemeClr val="tx1">
+                    <a:lumMod val="65000"/>
+                    <a:lumOff val="35000"/>
+                  </a:schemeClr>
+                </a:solidFill>
+              </a:rPr>
+              <a:t> in </a:t>
+            </a:r>
+            <a:r>
+              <a:rPr lang="en-US" sz="2000" dirty="0" err="1">
+                <a:solidFill>
+                  <a:schemeClr val="tx1">
+                    <a:lumMod val="65000"/>
+                    <a:lumOff val="35000"/>
+                  </a:schemeClr>
+                </a:solidFill>
+              </a:rPr>
+              <a:t>src</a:t>
+            </a:r>
+            <a:r>
+              <a:rPr lang="en-US" sz="2000" dirty="0">
+                <a:solidFill>
+                  <a:schemeClr val="tx1">
+                    <a:lumMod val="65000"/>
+                    <a:lumOff val="35000"/>
+                  </a:schemeClr>
+                </a:solidFill>
+              </a:rPr>
+              <a:t>/main/resources folder and add following properties for MySQL and JPA:</a:t>
+            </a:r>
+            <a:endParaRPr lang="en-IN" sz="2000" dirty="0">
+              <a:solidFill>
+                <a:schemeClr val="tx1">
+                  <a:lumMod val="65000"/>
+                  <a:lumOff val="35000"/>
+                </a:schemeClr>
+              </a:solidFill>
+            </a:endParaRPr>
+          </a:p>
+        </p:txBody>
+      </p:sp>
+      <p:sp>
+        <p:nvSpPr>
+          <p:cNvPr id="9" name="TextBox 8">
+            <a:extLst>
+              <a:ext uri="{FF2B5EF4-FFF2-40B4-BE49-F238E27FC236}">
+                <a16:creationId xmlns:a16="http://schemas.microsoft.com/office/drawing/2014/main" id="{53026A35-7631-C8D6-BF96-D6C1896070A8}"/>
+              </a:ext>
+            </a:extLst>
+          </p:cNvPr>
+          <p:cNvSpPr txBox="1"/>
+          <p:nvPr/>
+        </p:nvSpPr>
+        <p:spPr>
+          <a:xfrm>
+            <a:off x="1079369" y="3217029"/>
+            <a:ext cx="10543880" cy="2585323"/>
+          </a:xfrm>
+          <a:prstGeom prst="rect">
+            <a:avLst/>
+          </a:prstGeom>
+          <a:noFill/>
+        </p:spPr>
+        <p:txBody>
+          <a:bodyPr wrap="square">
+            <a:spAutoFit/>
+          </a:bodyPr>
+          <a:lstStyle/>
+          <a:p>
+            <a:r>
+              <a:rPr lang="en-IN" dirty="0"/>
+              <a:t># MySQL settings</a:t>
+            </a:r>
+          </a:p>
+          <a:p>
+            <a:r>
+              <a:rPr lang="en-IN" dirty="0"/>
+              <a:t>#Change these settings according to database you are using</a:t>
+            </a:r>
+          </a:p>
+          <a:p>
+            <a:r>
+              <a:rPr lang="en-IN" dirty="0"/>
+              <a:t>spring.datasource.url=</a:t>
+            </a:r>
+            <a:r>
+              <a:rPr lang="en-IN" dirty="0" err="1"/>
+              <a:t>jdbc:mysql</a:t>
+            </a:r>
+            <a:r>
+              <a:rPr lang="en-IN" dirty="0"/>
+              <a:t>://localhost:3306/</a:t>
+            </a:r>
+            <a:r>
+              <a:rPr lang="en-IN" dirty="0" err="1"/>
+              <a:t>customer_db</a:t>
+            </a:r>
+            <a:endParaRPr lang="en-IN" dirty="0"/>
+          </a:p>
+          <a:p>
+            <a:r>
+              <a:rPr lang="en-IN" dirty="0" err="1"/>
+              <a:t>spring.datasource.username</a:t>
+            </a:r>
+            <a:r>
+              <a:rPr lang="en-IN" dirty="0"/>
+              <a:t>=root</a:t>
+            </a:r>
+          </a:p>
+          <a:p>
+            <a:r>
+              <a:rPr lang="en-IN" dirty="0"/>
+              <a:t>#If MySQL installation is password </a:t>
+            </a:r>
+            <a:r>
+              <a:rPr lang="en-IN" dirty="0" err="1"/>
+              <a:t>proctored,then</a:t>
+            </a:r>
+            <a:r>
+              <a:rPr lang="en-IN" dirty="0"/>
+              <a:t> use below property to set password</a:t>
+            </a:r>
+          </a:p>
+          <a:p>
+            <a:r>
+              <a:rPr lang="en-IN" dirty="0" err="1"/>
+              <a:t>spring.datasource.password</a:t>
+            </a:r>
+            <a:r>
+              <a:rPr lang="en-IN" dirty="0"/>
+              <a:t>=root</a:t>
+            </a:r>
+          </a:p>
+          <a:p>
+            <a:r>
+              <a:rPr lang="en-IN" dirty="0"/>
+              <a:t>#JPA settings</a:t>
+            </a:r>
+          </a:p>
+          <a:p>
+            <a:r>
+              <a:rPr lang="en-IN" dirty="0" err="1"/>
+              <a:t>spring.jpa.show-sql</a:t>
+            </a:r>
+            <a:r>
+              <a:rPr lang="en-IN" dirty="0"/>
+              <a:t>=true</a:t>
+            </a:r>
+          </a:p>
+          <a:p>
+            <a:r>
+              <a:rPr lang="en-IN" dirty="0" err="1"/>
+              <a:t>spring.jpa.properties.hibernate.format_sql</a:t>
+            </a:r>
+            <a:r>
+              <a:rPr lang="en-IN" dirty="0"/>
+              <a:t>=true</a:t>
+            </a:r>
+          </a:p>
+        </p:txBody>
+      </p:sp>
+    </p:spTree>
+    <p:extLst>
+      <p:ext uri="{BB962C8B-B14F-4D97-AF65-F5344CB8AC3E}">
+        <p14:creationId xmlns:p14="http://schemas.microsoft.com/office/powerpoint/2010/main" val="4232012441"/>
+      </p:ext>
+    </p:extLst>
+  </p:cSld>
+  <p:clrMapOvr>
+    <a:masterClrMapping/>
+  </p:clrMapOvr>
+</p:sld>
+</file>
+
+<file path=ppt/slides/slide32.xml><?xml version="1.0" encoding="utf-8"?>
+<p:sld xmlns:a="http://schemas.openxmlformats.org/drawingml/2006/main" xmlns:r="http://schemas.openxmlformats.org/officeDocument/2006/relationships" xmlns:p="http://schemas.openxmlformats.org/presentationml/2006/main">
+  <p:cSld>
+    <p:spTree>
+      <p:nvGrpSpPr>
+        <p:cNvPr id="1" name=""/>
+        <p:cNvGrpSpPr/>
+        <p:nvPr/>
+      </p:nvGrpSpPr>
+      <p:grpSpPr>
+        <a:xfrm>
+          <a:off x="0" y="0"/>
+          <a:ext cx="0" cy="0"/>
+          <a:chOff x="0" y="0"/>
+          <a:chExt cx="0" cy="0"/>
+        </a:xfrm>
+      </p:grpSpPr>
+      <p:sp>
+        <p:nvSpPr>
+          <p:cNvPr id="2" name="Footer Placeholder 1">
+            <a:extLst>
+              <a:ext uri="{FF2B5EF4-FFF2-40B4-BE49-F238E27FC236}">
+                <a16:creationId xmlns:a16="http://schemas.microsoft.com/office/drawing/2014/main" id="{BB344E77-363C-022A-705B-02A2811A1AB7}"/>
+              </a:ext>
+            </a:extLst>
+          </p:cNvPr>
+          <p:cNvSpPr>
+            <a:spLocks noGrp="1"/>
+          </p:cNvSpPr>
+          <p:nvPr>
+            <p:ph type="ftr" sz="quarter" idx="11"/>
+          </p:nvPr>
+        </p:nvSpPr>
+        <p:spPr/>
+        <p:txBody>
+          <a:bodyPr/>
+          <a:lstStyle/>
+          <a:p>
+            <a:r>
+              <a:rPr lang="en-IN"/>
+              <a:t>H&amp;D IT Solution</a:t>
+            </a:r>
+            <a:endParaRPr lang="en-IN" dirty="0"/>
+          </a:p>
+        </p:txBody>
+      </p:sp>
+      <p:sp>
+        <p:nvSpPr>
+          <p:cNvPr id="3" name="Slide Number Placeholder 2">
+            <a:extLst>
+              <a:ext uri="{FF2B5EF4-FFF2-40B4-BE49-F238E27FC236}">
+                <a16:creationId xmlns:a16="http://schemas.microsoft.com/office/drawing/2014/main" id="{C71CAD10-A709-1FFD-6386-953B4154D5DF}"/>
+              </a:ext>
+            </a:extLst>
+          </p:cNvPr>
+          <p:cNvSpPr>
+            <a:spLocks noGrp="1"/>
+          </p:cNvSpPr>
+          <p:nvPr>
+            <p:ph type="sldNum" sz="quarter" idx="12"/>
+          </p:nvPr>
+        </p:nvSpPr>
+        <p:spPr/>
+        <p:txBody>
+          <a:bodyPr/>
+          <a:lstStyle/>
+          <a:p>
+            <a:fld id="{4A777409-9C5A-4B07-8E32-19F22F7D558C}" type="slidenum">
+              <a:rPr lang="en-IN" smtClean="0"/>
+              <a:t>32</a:t>
+            </a:fld>
+            <a:endParaRPr lang="en-IN" dirty="0"/>
+          </a:p>
+        </p:txBody>
+      </p:sp>
+      <p:sp>
+        <p:nvSpPr>
+          <p:cNvPr id="5" name="TextBox 4">
+            <a:extLst>
+              <a:ext uri="{FF2B5EF4-FFF2-40B4-BE49-F238E27FC236}">
+                <a16:creationId xmlns:a16="http://schemas.microsoft.com/office/drawing/2014/main" id="{F02A5B7B-0024-7ABF-7175-AE989A203C93}"/>
+              </a:ext>
+            </a:extLst>
+          </p:cNvPr>
+          <p:cNvSpPr txBox="1"/>
+          <p:nvPr/>
+        </p:nvSpPr>
+        <p:spPr>
+          <a:xfrm>
+            <a:off x="843699" y="812418"/>
+            <a:ext cx="10364771" cy="3170099"/>
+          </a:xfrm>
+          <a:prstGeom prst="rect">
+            <a:avLst/>
+          </a:prstGeom>
+          <a:noFill/>
+        </p:spPr>
+        <p:txBody>
+          <a:bodyPr wrap="square">
+            <a:spAutoFit/>
+          </a:bodyPr>
+          <a:lstStyle/>
+          <a:p>
+            <a:r>
+              <a:rPr lang="en-IN" sz="2000" b="1" dirty="0">
+                <a:solidFill>
+                  <a:schemeClr val="tx1">
+                    <a:lumMod val="65000"/>
+                    <a:lumOff val="35000"/>
+                  </a:schemeClr>
+                </a:solidFill>
+                <a:effectLst/>
+              </a:rPr>
+              <a:t>spring.datasource.url </a:t>
+            </a:r>
+            <a:r>
+              <a:rPr lang="en-IN" sz="2000" dirty="0">
+                <a:solidFill>
+                  <a:schemeClr val="tx1">
+                    <a:lumMod val="65000"/>
+                    <a:lumOff val="35000"/>
+                  </a:schemeClr>
+                </a:solidFill>
+                <a:effectLst/>
+              </a:rPr>
+              <a:t>: This property defines the JDBC URL of the database.</a:t>
+            </a:r>
+          </a:p>
+          <a:p>
+            <a:endParaRPr lang="en-IN" sz="2000" dirty="0">
+              <a:solidFill>
+                <a:schemeClr val="tx1">
+                  <a:lumMod val="65000"/>
+                  <a:lumOff val="35000"/>
+                </a:schemeClr>
+              </a:solidFill>
+              <a:effectLst/>
+            </a:endParaRPr>
+          </a:p>
+          <a:p>
+            <a:r>
+              <a:rPr lang="en-IN" sz="2000" b="1" dirty="0" err="1">
+                <a:solidFill>
+                  <a:schemeClr val="tx1">
+                    <a:lumMod val="65000"/>
+                    <a:lumOff val="35000"/>
+                  </a:schemeClr>
+                </a:solidFill>
+                <a:effectLst/>
+              </a:rPr>
+              <a:t>spring.datasource.username</a:t>
+            </a:r>
+            <a:r>
+              <a:rPr lang="en-IN" sz="2000" dirty="0">
+                <a:solidFill>
+                  <a:schemeClr val="tx1">
+                    <a:lumMod val="65000"/>
+                    <a:lumOff val="35000"/>
+                  </a:schemeClr>
+                </a:solidFill>
+                <a:effectLst/>
+              </a:rPr>
+              <a:t> : This property defines the login username of the database.</a:t>
+            </a:r>
+          </a:p>
+          <a:p>
+            <a:endParaRPr lang="en-IN" sz="2000" dirty="0">
+              <a:solidFill>
+                <a:schemeClr val="tx1">
+                  <a:lumMod val="65000"/>
+                  <a:lumOff val="35000"/>
+                </a:schemeClr>
+              </a:solidFill>
+              <a:effectLst/>
+            </a:endParaRPr>
+          </a:p>
+          <a:p>
+            <a:r>
+              <a:rPr lang="en-IN" sz="2000" b="1" dirty="0" err="1">
+                <a:solidFill>
+                  <a:schemeClr val="tx1">
+                    <a:lumMod val="65000"/>
+                    <a:lumOff val="35000"/>
+                  </a:schemeClr>
+                </a:solidFill>
+                <a:effectLst/>
+              </a:rPr>
+              <a:t>spring.datasource.password</a:t>
+            </a:r>
+            <a:r>
+              <a:rPr lang="en-IN" sz="2000" dirty="0">
+                <a:solidFill>
+                  <a:schemeClr val="tx1">
+                    <a:lumMod val="65000"/>
+                    <a:lumOff val="35000"/>
+                  </a:schemeClr>
+                </a:solidFill>
+                <a:effectLst/>
+              </a:rPr>
+              <a:t> : This property defines the login password of the database.</a:t>
+            </a:r>
+          </a:p>
+          <a:p>
+            <a:endParaRPr lang="en-IN" sz="2000" dirty="0">
+              <a:solidFill>
+                <a:schemeClr val="tx1">
+                  <a:lumMod val="65000"/>
+                  <a:lumOff val="35000"/>
+                </a:schemeClr>
+              </a:solidFill>
+              <a:effectLst/>
+            </a:endParaRPr>
+          </a:p>
+          <a:p>
+            <a:r>
+              <a:rPr lang="en-IN" sz="2000" b="1" dirty="0" err="1">
+                <a:solidFill>
+                  <a:schemeClr val="tx1">
+                    <a:lumMod val="65000"/>
+                    <a:lumOff val="35000"/>
+                  </a:schemeClr>
+                </a:solidFill>
+                <a:effectLst/>
+              </a:rPr>
+              <a:t>spring.jpa.show-sql</a:t>
+            </a:r>
+            <a:r>
+              <a:rPr lang="en-IN" sz="2000" dirty="0">
+                <a:solidFill>
+                  <a:schemeClr val="tx1">
+                    <a:lumMod val="65000"/>
+                    <a:lumOff val="35000"/>
+                  </a:schemeClr>
+                </a:solidFill>
+                <a:effectLst/>
+              </a:rPr>
+              <a:t> : This property if set to true enables logging of generated SQL statements.</a:t>
+            </a:r>
+          </a:p>
+          <a:p>
+            <a:endParaRPr lang="en-IN" sz="2000" dirty="0">
+              <a:solidFill>
+                <a:schemeClr val="tx1">
+                  <a:lumMod val="65000"/>
+                  <a:lumOff val="35000"/>
+                </a:schemeClr>
+              </a:solidFill>
+              <a:effectLst/>
+            </a:endParaRPr>
+          </a:p>
+          <a:p>
+            <a:r>
+              <a:rPr lang="en-IN" sz="2000" b="1" dirty="0" err="1">
+                <a:solidFill>
+                  <a:schemeClr val="tx1">
+                    <a:lumMod val="65000"/>
+                    <a:lumOff val="35000"/>
+                  </a:schemeClr>
+                </a:solidFill>
+                <a:effectLst/>
+              </a:rPr>
+              <a:t>spring.jpa.properties.hibernate.format_sql</a:t>
+            </a:r>
+            <a:r>
+              <a:rPr lang="en-IN" sz="2000" dirty="0">
+                <a:solidFill>
+                  <a:schemeClr val="tx1">
+                    <a:lumMod val="65000"/>
+                    <a:lumOff val="35000"/>
+                  </a:schemeClr>
+                </a:solidFill>
+                <a:effectLst/>
+              </a:rPr>
+              <a:t> : This property if set to true formats generated SQL statements in pretty format.</a:t>
+            </a:r>
+          </a:p>
+        </p:txBody>
+      </p:sp>
+    </p:spTree>
+    <p:extLst>
+      <p:ext uri="{BB962C8B-B14F-4D97-AF65-F5344CB8AC3E}">
+        <p14:creationId xmlns:p14="http://schemas.microsoft.com/office/powerpoint/2010/main" val="4200030953"/>
+      </p:ext>
+    </p:extLst>
+  </p:cSld>
+  <p:clrMapOvr>
+    <a:masterClrMapping/>
+  </p:clrMapOvr>
+</p:sld>
+</file>
+
+<file path=ppt/slides/slide33.xml><?xml version="1.0" encoding="utf-8"?>
+<p:sld xmlns:a="http://schemas.openxmlformats.org/drawingml/2006/main" xmlns:r="http://schemas.openxmlformats.org/officeDocument/2006/relationships" xmlns:p="http://schemas.openxmlformats.org/presentationml/2006/main">
+  <p:cSld>
+    <p:spTree>
+      <p:nvGrpSpPr>
+        <p:cNvPr id="1" name=""/>
+        <p:cNvGrpSpPr/>
+        <p:nvPr/>
+      </p:nvGrpSpPr>
+      <p:grpSpPr>
+        <a:xfrm>
+          <a:off x="0" y="0"/>
+          <a:ext cx="0" cy="0"/>
+          <a:chOff x="0" y="0"/>
+          <a:chExt cx="0" cy="0"/>
+        </a:xfrm>
+      </p:grpSpPr>
+      <p:sp>
+        <p:nvSpPr>
+          <p:cNvPr id="2" name="Footer Placeholder 1">
+            <a:extLst>
+              <a:ext uri="{FF2B5EF4-FFF2-40B4-BE49-F238E27FC236}">
+                <a16:creationId xmlns:a16="http://schemas.microsoft.com/office/drawing/2014/main" id="{818132E3-011C-01E0-1D71-123E52F87880}"/>
+              </a:ext>
+            </a:extLst>
+          </p:cNvPr>
+          <p:cNvSpPr>
+            <a:spLocks noGrp="1"/>
+          </p:cNvSpPr>
+          <p:nvPr>
+            <p:ph type="ftr" sz="quarter" idx="11"/>
+          </p:nvPr>
+        </p:nvSpPr>
+        <p:spPr/>
+        <p:txBody>
+          <a:bodyPr/>
+          <a:lstStyle/>
+          <a:p>
+            <a:r>
+              <a:rPr lang="en-IN"/>
+              <a:t>H&amp;D IT Solution</a:t>
+            </a:r>
+            <a:endParaRPr lang="en-IN" dirty="0"/>
+          </a:p>
+        </p:txBody>
+      </p:sp>
+      <p:sp>
+        <p:nvSpPr>
+          <p:cNvPr id="3" name="Slide Number Placeholder 2">
+            <a:extLst>
+              <a:ext uri="{FF2B5EF4-FFF2-40B4-BE49-F238E27FC236}">
+                <a16:creationId xmlns:a16="http://schemas.microsoft.com/office/drawing/2014/main" id="{1FC7F06B-5CAE-BD93-A7A3-4AD1CA5535DE}"/>
+              </a:ext>
+            </a:extLst>
+          </p:cNvPr>
+          <p:cNvSpPr>
+            <a:spLocks noGrp="1"/>
+          </p:cNvSpPr>
+          <p:nvPr>
+            <p:ph type="sldNum" sz="quarter" idx="12"/>
+          </p:nvPr>
+        </p:nvSpPr>
+        <p:spPr/>
+        <p:txBody>
+          <a:bodyPr/>
+          <a:lstStyle/>
+          <a:p>
+            <a:fld id="{4A777409-9C5A-4B07-8E32-19F22F7D558C}" type="slidenum">
+              <a:rPr lang="en-IN" smtClean="0"/>
+              <a:t>33</a:t>
+            </a:fld>
+            <a:endParaRPr lang="en-IN" dirty="0"/>
+          </a:p>
+        </p:txBody>
+      </p:sp>
+      <p:sp>
+        <p:nvSpPr>
+          <p:cNvPr id="5" name="TextBox 4">
+            <a:extLst>
+              <a:ext uri="{FF2B5EF4-FFF2-40B4-BE49-F238E27FC236}">
+                <a16:creationId xmlns:a16="http://schemas.microsoft.com/office/drawing/2014/main" id="{40DA531E-E499-C6F6-41E1-0ABBB576646B}"/>
+              </a:ext>
+            </a:extLst>
+          </p:cNvPr>
+          <p:cNvSpPr txBox="1"/>
+          <p:nvPr/>
+        </p:nvSpPr>
+        <p:spPr>
+          <a:xfrm>
+            <a:off x="989029" y="494063"/>
+            <a:ext cx="10162880" cy="461665"/>
+          </a:xfrm>
+          <a:prstGeom prst="rect">
+            <a:avLst/>
+          </a:prstGeom>
+          <a:noFill/>
+        </p:spPr>
+        <p:txBody>
+          <a:bodyPr wrap="square">
+            <a:spAutoFit/>
+          </a:bodyPr>
+          <a:lstStyle/>
+          <a:p>
+            <a:r>
+              <a:rPr lang="en-US" sz="2400" b="1" dirty="0"/>
+              <a:t>Read operation using JPA with Spring Boot - Demo </a:t>
+            </a:r>
+          </a:p>
+        </p:txBody>
+      </p:sp>
+      <p:sp>
+        <p:nvSpPr>
+          <p:cNvPr id="7" name="TextBox 6">
+            <a:extLst>
+              <a:ext uri="{FF2B5EF4-FFF2-40B4-BE49-F238E27FC236}">
+                <a16:creationId xmlns:a16="http://schemas.microsoft.com/office/drawing/2014/main" id="{F06845EA-40FA-E1CF-55F9-99D70A332887}"/>
+              </a:ext>
+            </a:extLst>
+          </p:cNvPr>
+          <p:cNvSpPr txBox="1"/>
+          <p:nvPr/>
+        </p:nvSpPr>
+        <p:spPr>
+          <a:xfrm>
+            <a:off x="230957" y="1262721"/>
+            <a:ext cx="11552548" cy="3477875"/>
+          </a:xfrm>
+          <a:prstGeom prst="rect">
+            <a:avLst/>
+          </a:prstGeom>
+          <a:noFill/>
+        </p:spPr>
+        <p:txBody>
+          <a:bodyPr wrap="square">
+            <a:spAutoFit/>
+          </a:bodyPr>
+          <a:lstStyle/>
+          <a:p>
+            <a:pPr>
+              <a:buFont typeface="Arial" panose="020B0604020202020204" pitchFamily="34" charset="0"/>
+              <a:buChar char="•"/>
+            </a:pPr>
+            <a:r>
+              <a:rPr lang="en-US" sz="2000" b="1" dirty="0">
+                <a:solidFill>
+                  <a:schemeClr val="tx1">
+                    <a:lumMod val="65000"/>
+                    <a:lumOff val="35000"/>
+                  </a:schemeClr>
+                </a:solidFill>
+                <a:effectLst/>
+              </a:rPr>
+              <a:t>Objective:</a:t>
+            </a:r>
+          </a:p>
+          <a:p>
+            <a:endParaRPr lang="en-US" sz="2000" dirty="0">
+              <a:solidFill>
+                <a:schemeClr val="tx1">
+                  <a:lumMod val="65000"/>
+                  <a:lumOff val="35000"/>
+                </a:schemeClr>
+              </a:solidFill>
+              <a:effectLst/>
+            </a:endParaRPr>
+          </a:p>
+          <a:p>
+            <a:r>
+              <a:rPr lang="en-US" sz="2000" dirty="0">
+                <a:solidFill>
+                  <a:schemeClr val="tx1">
+                    <a:lumMod val="65000"/>
+                    <a:lumOff val="35000"/>
+                  </a:schemeClr>
+                </a:solidFill>
+              </a:rPr>
+              <a:t>To perform read operation using JPA with Spring Boot.</a:t>
+            </a:r>
+          </a:p>
+          <a:p>
+            <a:endParaRPr lang="en-US" sz="2000" dirty="0">
+              <a:solidFill>
+                <a:schemeClr val="tx1">
+                  <a:lumMod val="65000"/>
+                  <a:lumOff val="35000"/>
+                </a:schemeClr>
+              </a:solidFill>
+            </a:endParaRPr>
+          </a:p>
+          <a:p>
+            <a:r>
+              <a:rPr lang="en-US" sz="2000" b="1" dirty="0">
+                <a:solidFill>
+                  <a:schemeClr val="tx1">
+                    <a:lumMod val="65000"/>
+                    <a:lumOff val="35000"/>
+                  </a:schemeClr>
+                </a:solidFill>
+              </a:rPr>
+              <a:t>Steps:</a:t>
+            </a:r>
+          </a:p>
+          <a:p>
+            <a:endParaRPr lang="en-US" sz="2000" dirty="0">
+              <a:solidFill>
+                <a:schemeClr val="tx1">
+                  <a:lumMod val="65000"/>
+                  <a:lumOff val="35000"/>
+                </a:schemeClr>
+              </a:solidFill>
+            </a:endParaRPr>
+          </a:p>
+          <a:p>
+            <a:r>
+              <a:rPr lang="en-US" sz="2000" b="1" dirty="0">
+                <a:solidFill>
+                  <a:schemeClr val="tx1">
+                    <a:lumMod val="65000"/>
+                    <a:lumOff val="35000"/>
+                  </a:schemeClr>
+                </a:solidFill>
+              </a:rPr>
+              <a:t>Step 1:</a:t>
+            </a:r>
+            <a:r>
+              <a:rPr lang="en-US" sz="2000" dirty="0">
+                <a:solidFill>
+                  <a:schemeClr val="tx1">
+                    <a:lumMod val="65000"/>
+                    <a:lumOff val="35000"/>
+                  </a:schemeClr>
+                </a:solidFill>
+              </a:rPr>
+              <a:t> Open the project created in the previous demo.</a:t>
+            </a:r>
+          </a:p>
+          <a:p>
+            <a:endParaRPr lang="en-US" sz="2000" dirty="0">
+              <a:solidFill>
+                <a:schemeClr val="tx1">
+                  <a:lumMod val="65000"/>
+                  <a:lumOff val="35000"/>
+                </a:schemeClr>
+              </a:solidFill>
+            </a:endParaRPr>
+          </a:p>
+          <a:p>
+            <a:r>
+              <a:rPr lang="en-US" sz="2000" b="1" dirty="0">
+                <a:solidFill>
+                  <a:schemeClr val="tx1">
+                    <a:lumMod val="65000"/>
+                    <a:lumOff val="35000"/>
+                  </a:schemeClr>
+                </a:solidFill>
+              </a:rPr>
+              <a:t>Step 2:</a:t>
+            </a:r>
+            <a:r>
+              <a:rPr lang="en-US" sz="2000" dirty="0">
+                <a:solidFill>
+                  <a:schemeClr val="tx1">
+                    <a:lumMod val="65000"/>
+                    <a:lumOff val="35000"/>
+                  </a:schemeClr>
+                </a:solidFill>
+              </a:rPr>
+              <a:t> Create the database and table</a:t>
+            </a:r>
+          </a:p>
+          <a:p>
+            <a:endParaRPr lang="en-US" sz="2000" dirty="0">
+              <a:solidFill>
+                <a:schemeClr val="tx1">
+                  <a:lumMod val="65000"/>
+                  <a:lumOff val="35000"/>
+                </a:schemeClr>
+              </a:solidFill>
+            </a:endParaRPr>
+          </a:p>
+          <a:p>
+            <a:r>
+              <a:rPr lang="en-US" sz="2000" dirty="0">
+                <a:solidFill>
+                  <a:schemeClr val="tx1">
+                    <a:lumMod val="65000"/>
+                    <a:lumOff val="35000"/>
+                  </a:schemeClr>
+                </a:solidFill>
+              </a:rPr>
+              <a:t>Open MySQL terminal and execute the following command:</a:t>
+            </a:r>
+          </a:p>
+        </p:txBody>
+      </p:sp>
+    </p:spTree>
+    <p:extLst>
+      <p:ext uri="{BB962C8B-B14F-4D97-AF65-F5344CB8AC3E}">
+        <p14:creationId xmlns:p14="http://schemas.microsoft.com/office/powerpoint/2010/main" val="1818205484"/>
+      </p:ext>
+    </p:extLst>
+  </p:cSld>
+  <p:clrMapOvr>
+    <a:masterClrMapping/>
+  </p:clrMapOvr>
+</p:sld>
+</file>
+
+<file path=ppt/slides/slide34.xml><?xml version="1.0" encoding="utf-8"?>
+<p:sld xmlns:a="http://schemas.openxmlformats.org/drawingml/2006/main" xmlns:r="http://schemas.openxmlformats.org/officeDocument/2006/relationships" xmlns:p="http://schemas.openxmlformats.org/presentationml/2006/main">
+  <p:cSld>
+    <p:spTree>
+      <p:nvGrpSpPr>
+        <p:cNvPr id="1" name=""/>
+        <p:cNvGrpSpPr/>
+        <p:nvPr/>
+      </p:nvGrpSpPr>
+      <p:grpSpPr>
+        <a:xfrm>
+          <a:off x="0" y="0"/>
+          <a:ext cx="0" cy="0"/>
+          <a:chOff x="0" y="0"/>
+          <a:chExt cx="0" cy="0"/>
+        </a:xfrm>
+      </p:grpSpPr>
+      <p:sp>
+        <p:nvSpPr>
+          <p:cNvPr id="2" name="Footer Placeholder 1">
+            <a:extLst>
+              <a:ext uri="{FF2B5EF4-FFF2-40B4-BE49-F238E27FC236}">
+                <a16:creationId xmlns:a16="http://schemas.microsoft.com/office/drawing/2014/main" id="{DE4D0B60-DA7E-487C-535C-F1B827FEA8B7}"/>
+              </a:ext>
+            </a:extLst>
+          </p:cNvPr>
+          <p:cNvSpPr>
+            <a:spLocks noGrp="1"/>
+          </p:cNvSpPr>
+          <p:nvPr>
+            <p:ph type="ftr" sz="quarter" idx="11"/>
+          </p:nvPr>
+        </p:nvSpPr>
+        <p:spPr/>
+        <p:txBody>
+          <a:bodyPr/>
+          <a:lstStyle/>
+          <a:p>
+            <a:r>
+              <a:rPr lang="en-IN"/>
+              <a:t>H&amp;D IT Solution</a:t>
+            </a:r>
+            <a:endParaRPr lang="en-IN" dirty="0"/>
+          </a:p>
+        </p:txBody>
+      </p:sp>
+      <p:sp>
+        <p:nvSpPr>
+          <p:cNvPr id="3" name="Slide Number Placeholder 2">
+            <a:extLst>
+              <a:ext uri="{FF2B5EF4-FFF2-40B4-BE49-F238E27FC236}">
+                <a16:creationId xmlns:a16="http://schemas.microsoft.com/office/drawing/2014/main" id="{17AD6E45-BF93-0DB7-3901-FF80D5FC1DC5}"/>
+              </a:ext>
+            </a:extLst>
+          </p:cNvPr>
+          <p:cNvSpPr>
+            <a:spLocks noGrp="1"/>
+          </p:cNvSpPr>
+          <p:nvPr>
+            <p:ph type="sldNum" sz="quarter" idx="12"/>
+          </p:nvPr>
+        </p:nvSpPr>
+        <p:spPr/>
+        <p:txBody>
+          <a:bodyPr/>
+          <a:lstStyle/>
+          <a:p>
+            <a:fld id="{4A777409-9C5A-4B07-8E32-19F22F7D558C}" type="slidenum">
+              <a:rPr lang="en-IN" smtClean="0"/>
+              <a:t>34</a:t>
+            </a:fld>
+            <a:endParaRPr lang="en-IN" dirty="0"/>
+          </a:p>
+        </p:txBody>
+      </p:sp>
+      <p:sp>
+        <p:nvSpPr>
+          <p:cNvPr id="5" name="TextBox 4">
+            <a:extLst>
+              <a:ext uri="{FF2B5EF4-FFF2-40B4-BE49-F238E27FC236}">
+                <a16:creationId xmlns:a16="http://schemas.microsoft.com/office/drawing/2014/main" id="{7B293C09-6664-6F3D-4EE6-4B71C311485E}"/>
+              </a:ext>
+            </a:extLst>
+          </p:cNvPr>
+          <p:cNvSpPr txBox="1"/>
+          <p:nvPr/>
+        </p:nvSpPr>
+        <p:spPr>
+          <a:xfrm>
+            <a:off x="267093" y="988891"/>
+            <a:ext cx="11924907" cy="4247317"/>
+          </a:xfrm>
+          <a:prstGeom prst="rect">
+            <a:avLst/>
+          </a:prstGeom>
+          <a:noFill/>
+        </p:spPr>
+        <p:txBody>
+          <a:bodyPr wrap="square">
+            <a:spAutoFit/>
+          </a:bodyPr>
+          <a:lstStyle/>
+          <a:p>
+            <a:r>
+              <a:rPr lang="en-IN" dirty="0"/>
+              <a:t>drop database if exists </a:t>
+            </a:r>
+            <a:r>
+              <a:rPr lang="en-IN" dirty="0" err="1"/>
+              <a:t>customer_db</a:t>
+            </a:r>
+            <a:r>
+              <a:rPr lang="en-IN" dirty="0"/>
+              <a:t>;</a:t>
+            </a:r>
+          </a:p>
+          <a:p>
+            <a:r>
+              <a:rPr lang="en-IN" dirty="0"/>
+              <a:t>create database </a:t>
+            </a:r>
+            <a:r>
+              <a:rPr lang="en-IN" dirty="0" err="1"/>
+              <a:t>customer_db</a:t>
+            </a:r>
+            <a:r>
+              <a:rPr lang="en-IN" dirty="0"/>
+              <a:t>;</a:t>
+            </a:r>
+          </a:p>
+          <a:p>
+            <a:r>
+              <a:rPr lang="en-IN" dirty="0"/>
+              <a:t>use  </a:t>
+            </a:r>
+            <a:r>
+              <a:rPr lang="en-IN" dirty="0" err="1"/>
+              <a:t>customer_db</a:t>
+            </a:r>
+            <a:r>
+              <a:rPr lang="en-IN" dirty="0"/>
+              <a:t>;</a:t>
+            </a:r>
+          </a:p>
+          <a:p>
+            <a:r>
+              <a:rPr lang="en-IN" dirty="0"/>
+              <a:t>create table customer(</a:t>
+            </a:r>
+          </a:p>
+          <a:p>
+            <a:r>
+              <a:rPr lang="en-IN" dirty="0"/>
+              <a:t>   </a:t>
+            </a:r>
+            <a:r>
+              <a:rPr lang="en-IN" dirty="0" err="1"/>
+              <a:t>customer_id</a:t>
+            </a:r>
+            <a:r>
+              <a:rPr lang="en-IN" dirty="0"/>
+              <a:t> int,</a:t>
+            </a:r>
+          </a:p>
+          <a:p>
+            <a:r>
+              <a:rPr lang="en-IN" dirty="0"/>
+              <a:t>   </a:t>
+            </a:r>
+            <a:r>
+              <a:rPr lang="en-IN" dirty="0" err="1"/>
+              <a:t>email_id</a:t>
+            </a:r>
+            <a:r>
+              <a:rPr lang="en-IN" dirty="0"/>
+              <a:t> varchar(50),</a:t>
+            </a:r>
+          </a:p>
+          <a:p>
+            <a:r>
+              <a:rPr lang="en-IN" dirty="0"/>
+              <a:t>   name varchar(20),</a:t>
+            </a:r>
+          </a:p>
+          <a:p>
+            <a:r>
+              <a:rPr lang="en-IN" dirty="0"/>
+              <a:t>   </a:t>
+            </a:r>
+            <a:r>
+              <a:rPr lang="en-IN" dirty="0" err="1"/>
+              <a:t>date_of_birth</a:t>
+            </a:r>
+            <a:r>
+              <a:rPr lang="en-IN" dirty="0"/>
+              <a:t> date,</a:t>
+            </a:r>
+          </a:p>
+          <a:p>
+            <a:r>
+              <a:rPr lang="en-IN" dirty="0"/>
+              <a:t>   </a:t>
+            </a:r>
+            <a:r>
+              <a:rPr lang="en-IN" dirty="0" err="1"/>
+              <a:t>customer_type</a:t>
+            </a:r>
+            <a:r>
+              <a:rPr lang="en-IN" dirty="0"/>
+              <a:t> varchar(10),</a:t>
+            </a:r>
+          </a:p>
+          <a:p>
+            <a:r>
+              <a:rPr lang="en-IN" dirty="0"/>
+              <a:t>   constraint </a:t>
+            </a:r>
+            <a:r>
+              <a:rPr lang="en-IN" dirty="0" err="1"/>
+              <a:t>ps_customer_id_pk</a:t>
+            </a:r>
+            <a:r>
+              <a:rPr lang="en-IN" dirty="0"/>
+              <a:t> primary key (</a:t>
+            </a:r>
+            <a:r>
+              <a:rPr lang="en-IN" dirty="0" err="1"/>
+              <a:t>customer_id</a:t>
+            </a:r>
+            <a:r>
+              <a:rPr lang="en-IN" dirty="0"/>
+              <a:t>)</a:t>
+            </a:r>
+          </a:p>
+          <a:p>
+            <a:r>
+              <a:rPr lang="en-IN" dirty="0"/>
+              <a:t>);</a:t>
+            </a:r>
+          </a:p>
+          <a:p>
+            <a:r>
+              <a:rPr lang="en-IN" dirty="0"/>
+              <a:t>insert into customer (</a:t>
+            </a:r>
+            <a:r>
+              <a:rPr lang="en-IN" dirty="0" err="1"/>
+              <a:t>customer_id</a:t>
+            </a:r>
+            <a:r>
+              <a:rPr lang="en-IN" dirty="0"/>
+              <a:t>, </a:t>
+            </a:r>
+            <a:r>
+              <a:rPr lang="en-IN" dirty="0" err="1"/>
+              <a:t>email_id</a:t>
+            </a:r>
+            <a:r>
+              <a:rPr lang="en-IN" dirty="0"/>
+              <a:t>, name, </a:t>
+            </a:r>
+            <a:r>
+              <a:rPr lang="en-IN" dirty="0" err="1"/>
+              <a:t>date_of_birth</a:t>
+            </a:r>
+            <a:r>
+              <a:rPr lang="en-IN" dirty="0"/>
+              <a:t>, </a:t>
+            </a:r>
+            <a:r>
+              <a:rPr lang="en-IN" dirty="0" err="1"/>
+              <a:t>customer_type</a:t>
+            </a:r>
+            <a:r>
+              <a:rPr lang="en-IN" dirty="0"/>
+              <a:t>) values (1, 'martin@hnd.com', 'martin', </a:t>
+            </a:r>
+            <a:r>
+              <a:rPr lang="en-IN" dirty="0" err="1"/>
+              <a:t>sysdate</a:t>
+            </a:r>
+            <a:r>
+              <a:rPr lang="en-IN" dirty="0"/>
+              <a:t>()- interval 9136 day, 'GOLD');</a:t>
+            </a:r>
+          </a:p>
+          <a:p>
+            <a:r>
+              <a:rPr lang="en-IN" dirty="0"/>
+              <a:t>commit;</a:t>
+            </a:r>
+          </a:p>
+          <a:p>
+            <a:r>
+              <a:rPr lang="en-IN" dirty="0"/>
+              <a:t>select * from customer;</a:t>
+            </a:r>
+          </a:p>
+        </p:txBody>
+      </p:sp>
+      <p:sp>
+        <p:nvSpPr>
+          <p:cNvPr id="7" name="TextBox 6">
+            <a:extLst>
+              <a:ext uri="{FF2B5EF4-FFF2-40B4-BE49-F238E27FC236}">
+                <a16:creationId xmlns:a16="http://schemas.microsoft.com/office/drawing/2014/main" id="{66CEE5DD-2471-EF9E-5787-54880BB6C7CE}"/>
+              </a:ext>
+            </a:extLst>
+          </p:cNvPr>
+          <p:cNvSpPr txBox="1"/>
+          <p:nvPr/>
+        </p:nvSpPr>
+        <p:spPr>
+          <a:xfrm>
+            <a:off x="141402" y="5468999"/>
+            <a:ext cx="11821212" cy="400110"/>
+          </a:xfrm>
+          <a:prstGeom prst="rect">
+            <a:avLst/>
+          </a:prstGeom>
+          <a:noFill/>
+        </p:spPr>
+        <p:txBody>
+          <a:bodyPr wrap="square">
+            <a:spAutoFit/>
+          </a:bodyPr>
+          <a:lstStyle/>
+          <a:p>
+            <a:r>
+              <a:rPr lang="en-US" sz="2000" b="1" dirty="0">
+                <a:solidFill>
+                  <a:schemeClr val="tx1">
+                    <a:lumMod val="65000"/>
+                    <a:lumOff val="35000"/>
+                  </a:schemeClr>
+                </a:solidFill>
+              </a:rPr>
+              <a:t>Step 3:</a:t>
+            </a:r>
+            <a:r>
+              <a:rPr lang="en-US" sz="2000" dirty="0">
+                <a:solidFill>
+                  <a:schemeClr val="tx1">
+                    <a:lumMod val="65000"/>
+                    <a:lumOff val="35000"/>
+                  </a:schemeClr>
+                </a:solidFill>
+              </a:rPr>
+              <a:t> Create the following </a:t>
+            </a:r>
+            <a:r>
+              <a:rPr lang="en-US" sz="2000" dirty="0" err="1">
+                <a:solidFill>
+                  <a:schemeClr val="tx1">
+                    <a:lumMod val="65000"/>
+                    <a:lumOff val="35000"/>
+                  </a:schemeClr>
+                </a:solidFill>
+              </a:rPr>
+              <a:t>CustomerType</a:t>
+            </a:r>
+            <a:r>
+              <a:rPr lang="en-US" sz="2000" dirty="0">
+                <a:solidFill>
+                  <a:schemeClr val="tx1">
+                    <a:lumMod val="65000"/>
+                    <a:lumOff val="35000"/>
+                  </a:schemeClr>
+                </a:solidFill>
+              </a:rPr>
+              <a:t> </a:t>
+            </a:r>
+            <a:r>
+              <a:rPr lang="en-US" sz="2000" dirty="0" err="1">
+                <a:solidFill>
+                  <a:schemeClr val="tx1">
+                    <a:lumMod val="65000"/>
+                    <a:lumOff val="35000"/>
+                  </a:schemeClr>
+                </a:solidFill>
+              </a:rPr>
+              <a:t>enum</a:t>
+            </a:r>
+            <a:r>
+              <a:rPr lang="en-US" sz="2000" dirty="0">
+                <a:solidFill>
+                  <a:schemeClr val="tx1">
+                    <a:lumMod val="65000"/>
+                    <a:lumOff val="35000"/>
+                  </a:schemeClr>
+                </a:solidFill>
+              </a:rPr>
+              <a:t> in </a:t>
+            </a:r>
+            <a:r>
+              <a:rPr lang="en-US" sz="2000" dirty="0" err="1">
+                <a:solidFill>
+                  <a:schemeClr val="tx1">
+                    <a:lumMod val="65000"/>
+                    <a:lumOff val="35000"/>
+                  </a:schemeClr>
+                </a:solidFill>
+              </a:rPr>
+              <a:t>com.hnd.dto</a:t>
+            </a:r>
+            <a:r>
+              <a:rPr lang="en-US" sz="2000" dirty="0">
+                <a:solidFill>
+                  <a:schemeClr val="tx1">
+                    <a:lumMod val="65000"/>
+                    <a:lumOff val="35000"/>
+                  </a:schemeClr>
+                </a:solidFill>
+              </a:rPr>
+              <a:t> package:</a:t>
+            </a:r>
+            <a:endParaRPr lang="en-IN" sz="2000" dirty="0">
+              <a:solidFill>
+                <a:schemeClr val="tx1">
+                  <a:lumMod val="65000"/>
+                  <a:lumOff val="35000"/>
+                </a:schemeClr>
+              </a:solidFill>
+            </a:endParaRPr>
+          </a:p>
+        </p:txBody>
+      </p:sp>
+    </p:spTree>
+    <p:extLst>
+      <p:ext uri="{BB962C8B-B14F-4D97-AF65-F5344CB8AC3E}">
+        <p14:creationId xmlns:p14="http://schemas.microsoft.com/office/powerpoint/2010/main" val="3295397221"/>
+      </p:ext>
+    </p:extLst>
+  </p:cSld>
+  <p:clrMapOvr>
+    <a:masterClrMapping/>
+  </p:clrMapOvr>
+</p:sld>
+</file>
+
+<file path=ppt/slides/slide35.xml><?xml version="1.0" encoding="utf-8"?>
+<p:sld xmlns:a="http://schemas.openxmlformats.org/drawingml/2006/main" xmlns:r="http://schemas.openxmlformats.org/officeDocument/2006/relationships" xmlns:p="http://schemas.openxmlformats.org/presentationml/2006/main">
+  <p:cSld>
+    <p:spTree>
+      <p:nvGrpSpPr>
+        <p:cNvPr id="1" name=""/>
+        <p:cNvGrpSpPr/>
+        <p:nvPr/>
+      </p:nvGrpSpPr>
+      <p:grpSpPr>
+        <a:xfrm>
+          <a:off x="0" y="0"/>
+          <a:ext cx="0" cy="0"/>
+          <a:chOff x="0" y="0"/>
+          <a:chExt cx="0" cy="0"/>
+        </a:xfrm>
+      </p:grpSpPr>
+      <p:sp>
+        <p:nvSpPr>
+          <p:cNvPr id="2" name="Footer Placeholder 1">
+            <a:extLst>
+              <a:ext uri="{FF2B5EF4-FFF2-40B4-BE49-F238E27FC236}">
+                <a16:creationId xmlns:a16="http://schemas.microsoft.com/office/drawing/2014/main" id="{379D8F27-B06B-5DDA-C23C-EF744EB8ECB7}"/>
+              </a:ext>
+            </a:extLst>
+          </p:cNvPr>
+          <p:cNvSpPr>
+            <a:spLocks noGrp="1"/>
+          </p:cNvSpPr>
+          <p:nvPr>
+            <p:ph type="ftr" sz="quarter" idx="11"/>
+          </p:nvPr>
+        </p:nvSpPr>
+        <p:spPr/>
+        <p:txBody>
+          <a:bodyPr/>
+          <a:lstStyle/>
+          <a:p>
+            <a:r>
+              <a:rPr lang="en-IN"/>
+              <a:t>H&amp;D IT Solution</a:t>
+            </a:r>
+            <a:endParaRPr lang="en-IN" dirty="0"/>
+          </a:p>
+        </p:txBody>
+      </p:sp>
+      <p:sp>
+        <p:nvSpPr>
+          <p:cNvPr id="3" name="Slide Number Placeholder 2">
+            <a:extLst>
+              <a:ext uri="{FF2B5EF4-FFF2-40B4-BE49-F238E27FC236}">
+                <a16:creationId xmlns:a16="http://schemas.microsoft.com/office/drawing/2014/main" id="{A51CB82B-EED7-151B-AF59-24AE6A4E56E6}"/>
+              </a:ext>
+            </a:extLst>
+          </p:cNvPr>
+          <p:cNvSpPr>
+            <a:spLocks noGrp="1"/>
+          </p:cNvSpPr>
+          <p:nvPr>
+            <p:ph type="sldNum" sz="quarter" idx="12"/>
+          </p:nvPr>
+        </p:nvSpPr>
+        <p:spPr/>
+        <p:txBody>
+          <a:bodyPr/>
+          <a:lstStyle/>
+          <a:p>
+            <a:fld id="{4A777409-9C5A-4B07-8E32-19F22F7D558C}" type="slidenum">
+              <a:rPr lang="en-IN" smtClean="0"/>
+              <a:t>35</a:t>
+            </a:fld>
+            <a:endParaRPr lang="en-IN" dirty="0"/>
+          </a:p>
+        </p:txBody>
+      </p:sp>
+      <p:sp>
+        <p:nvSpPr>
+          <p:cNvPr id="5" name="TextBox 4">
+            <a:extLst>
+              <a:ext uri="{FF2B5EF4-FFF2-40B4-BE49-F238E27FC236}">
+                <a16:creationId xmlns:a16="http://schemas.microsoft.com/office/drawing/2014/main" id="{CB684EC1-8F0F-CE89-41B1-27ECC4C2DD2A}"/>
+              </a:ext>
+            </a:extLst>
+          </p:cNvPr>
+          <p:cNvSpPr txBox="1"/>
+          <p:nvPr/>
+        </p:nvSpPr>
+        <p:spPr>
+          <a:xfrm>
+            <a:off x="909685" y="559332"/>
+            <a:ext cx="9818017" cy="1200329"/>
+          </a:xfrm>
+          <a:prstGeom prst="rect">
+            <a:avLst/>
+          </a:prstGeom>
+          <a:noFill/>
+        </p:spPr>
+        <p:txBody>
+          <a:bodyPr wrap="square">
+            <a:spAutoFit/>
+          </a:bodyPr>
+          <a:lstStyle/>
+          <a:p>
+            <a:r>
+              <a:rPr lang="en-IN" dirty="0"/>
+              <a:t>package </a:t>
+            </a:r>
+            <a:r>
+              <a:rPr lang="en-IN" dirty="0" err="1"/>
+              <a:t>com.hnd.dto</a:t>
+            </a:r>
+            <a:r>
+              <a:rPr lang="en-IN" dirty="0"/>
+              <a:t>;</a:t>
+            </a:r>
+          </a:p>
+          <a:p>
+            <a:r>
+              <a:rPr lang="en-IN" dirty="0"/>
+              <a:t>public </a:t>
+            </a:r>
+            <a:r>
+              <a:rPr lang="en-IN" dirty="0" err="1"/>
+              <a:t>enum</a:t>
+            </a:r>
+            <a:r>
+              <a:rPr lang="en-IN" dirty="0"/>
+              <a:t> </a:t>
+            </a:r>
+            <a:r>
+              <a:rPr lang="en-IN" dirty="0" err="1"/>
+              <a:t>CustomerType</a:t>
+            </a:r>
+            <a:r>
+              <a:rPr lang="en-IN" dirty="0"/>
+              <a:t> {</a:t>
+            </a:r>
+          </a:p>
+          <a:p>
+            <a:r>
+              <a:rPr lang="en-IN" dirty="0"/>
+              <a:t>	SILVER, GOLD, PLATINUM;</a:t>
+            </a:r>
+          </a:p>
+          <a:p>
+            <a:r>
+              <a:rPr lang="en-IN" dirty="0"/>
+              <a:t>}</a:t>
+            </a:r>
+          </a:p>
+        </p:txBody>
+      </p:sp>
+      <p:sp>
+        <p:nvSpPr>
+          <p:cNvPr id="7" name="TextBox 6">
+            <a:extLst>
+              <a:ext uri="{FF2B5EF4-FFF2-40B4-BE49-F238E27FC236}">
+                <a16:creationId xmlns:a16="http://schemas.microsoft.com/office/drawing/2014/main" id="{EA9B9DA2-243C-F75D-CE6D-D42D30CCDE02}"/>
+              </a:ext>
+            </a:extLst>
+          </p:cNvPr>
+          <p:cNvSpPr txBox="1"/>
+          <p:nvPr/>
+        </p:nvSpPr>
+        <p:spPr>
+          <a:xfrm>
+            <a:off x="212103" y="2090096"/>
+            <a:ext cx="11712804" cy="400110"/>
+          </a:xfrm>
+          <a:prstGeom prst="rect">
+            <a:avLst/>
+          </a:prstGeom>
+          <a:noFill/>
+        </p:spPr>
+        <p:txBody>
+          <a:bodyPr wrap="square">
+            <a:spAutoFit/>
+          </a:bodyPr>
+          <a:lstStyle/>
+          <a:p>
+            <a:r>
+              <a:rPr lang="en-US" sz="2000" b="1" dirty="0">
+                <a:solidFill>
+                  <a:schemeClr val="tx1">
+                    <a:lumMod val="65000"/>
+                    <a:lumOff val="35000"/>
+                  </a:schemeClr>
+                </a:solidFill>
+              </a:rPr>
+              <a:t>Step 4:</a:t>
+            </a:r>
+            <a:r>
+              <a:rPr lang="en-US" sz="2000" dirty="0">
+                <a:solidFill>
+                  <a:schemeClr val="tx1">
+                    <a:lumMod val="65000"/>
+                    <a:lumOff val="35000"/>
+                  </a:schemeClr>
+                </a:solidFill>
+              </a:rPr>
+              <a:t> Create the following </a:t>
+            </a:r>
+            <a:r>
+              <a:rPr lang="en-US" sz="2000" dirty="0" err="1">
+                <a:solidFill>
+                  <a:schemeClr val="tx1">
+                    <a:lumMod val="65000"/>
+                    <a:lumOff val="35000"/>
+                  </a:schemeClr>
+                </a:solidFill>
+              </a:rPr>
+              <a:t>CustomerDTO</a:t>
+            </a:r>
+            <a:r>
+              <a:rPr lang="en-US" sz="2000" dirty="0">
+                <a:solidFill>
+                  <a:schemeClr val="tx1">
+                    <a:lumMod val="65000"/>
+                    <a:lumOff val="35000"/>
+                  </a:schemeClr>
+                </a:solidFill>
+              </a:rPr>
+              <a:t> class in </a:t>
+            </a:r>
+            <a:r>
+              <a:rPr lang="en-US" sz="2000" dirty="0" err="1">
+                <a:solidFill>
+                  <a:schemeClr val="tx1">
+                    <a:lumMod val="65000"/>
+                    <a:lumOff val="35000"/>
+                  </a:schemeClr>
+                </a:solidFill>
+              </a:rPr>
+              <a:t>com.hnd.dto</a:t>
+            </a:r>
+            <a:r>
+              <a:rPr lang="en-US" sz="2000" dirty="0">
+                <a:solidFill>
+                  <a:schemeClr val="tx1">
+                    <a:lumMod val="65000"/>
+                    <a:lumOff val="35000"/>
+                  </a:schemeClr>
+                </a:solidFill>
+              </a:rPr>
+              <a:t> package</a:t>
+            </a:r>
+            <a:endParaRPr lang="en-IN" sz="2000" dirty="0">
+              <a:solidFill>
+                <a:schemeClr val="tx1">
+                  <a:lumMod val="65000"/>
+                  <a:lumOff val="35000"/>
+                </a:schemeClr>
+              </a:solidFill>
+            </a:endParaRPr>
+          </a:p>
+        </p:txBody>
+      </p:sp>
+      <p:sp>
+        <p:nvSpPr>
+          <p:cNvPr id="9" name="TextBox 8">
+            <a:extLst>
+              <a:ext uri="{FF2B5EF4-FFF2-40B4-BE49-F238E27FC236}">
+                <a16:creationId xmlns:a16="http://schemas.microsoft.com/office/drawing/2014/main" id="{A76D2B05-7901-1D6A-F992-20BE118F5C04}"/>
+              </a:ext>
+            </a:extLst>
+          </p:cNvPr>
+          <p:cNvSpPr txBox="1"/>
+          <p:nvPr/>
+        </p:nvSpPr>
+        <p:spPr>
+          <a:xfrm>
+            <a:off x="212103" y="2820641"/>
+            <a:ext cx="11538408" cy="3416320"/>
+          </a:xfrm>
+          <a:prstGeom prst="rect">
+            <a:avLst/>
+          </a:prstGeom>
+          <a:noFill/>
+        </p:spPr>
+        <p:txBody>
+          <a:bodyPr wrap="square">
+            <a:spAutoFit/>
+          </a:bodyPr>
+          <a:lstStyle/>
+          <a:p>
+            <a:r>
+              <a:rPr lang="en-IN" dirty="0"/>
+              <a:t>package </a:t>
+            </a:r>
+            <a:r>
+              <a:rPr lang="en-IN" dirty="0" err="1"/>
+              <a:t>com.hnd.dto</a:t>
+            </a:r>
+            <a:r>
+              <a:rPr lang="en-IN" dirty="0"/>
+              <a:t>;</a:t>
+            </a:r>
+          </a:p>
+          <a:p>
+            <a:r>
+              <a:rPr lang="en-IN" dirty="0"/>
+              <a:t>import </a:t>
+            </a:r>
+            <a:r>
+              <a:rPr lang="en-IN" dirty="0" err="1"/>
+              <a:t>java.time.LocalDate</a:t>
+            </a:r>
+            <a:r>
+              <a:rPr lang="en-IN" dirty="0"/>
+              <a:t>;</a:t>
+            </a:r>
+          </a:p>
+          <a:p>
+            <a:r>
+              <a:rPr lang="en-IN" dirty="0"/>
+              <a:t>public class </a:t>
+            </a:r>
+            <a:r>
+              <a:rPr lang="en-IN" dirty="0" err="1"/>
+              <a:t>CustomerDTO</a:t>
+            </a:r>
+            <a:r>
+              <a:rPr lang="en-IN" dirty="0"/>
+              <a:t> {</a:t>
+            </a:r>
+          </a:p>
+          <a:p>
+            <a:r>
+              <a:rPr lang="en-IN" dirty="0"/>
+              <a:t>	private Integer </a:t>
+            </a:r>
+            <a:r>
+              <a:rPr lang="en-IN" dirty="0" err="1"/>
+              <a:t>customerId</a:t>
+            </a:r>
+            <a:r>
+              <a:rPr lang="en-IN" dirty="0"/>
+              <a:t>;</a:t>
+            </a:r>
+          </a:p>
+          <a:p>
+            <a:r>
+              <a:rPr lang="en-IN" dirty="0"/>
+              <a:t>	private String </a:t>
+            </a:r>
+            <a:r>
+              <a:rPr lang="en-IN" dirty="0" err="1"/>
+              <a:t>emailId</a:t>
+            </a:r>
+            <a:r>
+              <a:rPr lang="en-IN" dirty="0"/>
+              <a:t>;</a:t>
+            </a:r>
+          </a:p>
+          <a:p>
+            <a:r>
+              <a:rPr lang="en-IN" dirty="0"/>
+              <a:t>	private String name;</a:t>
+            </a:r>
+          </a:p>
+          <a:p>
+            <a:r>
+              <a:rPr lang="en-IN" dirty="0"/>
+              <a:t>	private </a:t>
+            </a:r>
+            <a:r>
+              <a:rPr lang="en-IN" dirty="0" err="1"/>
+              <a:t>LocalDate</a:t>
+            </a:r>
+            <a:r>
+              <a:rPr lang="en-IN" dirty="0"/>
+              <a:t> </a:t>
+            </a:r>
+            <a:r>
+              <a:rPr lang="en-IN" dirty="0" err="1"/>
+              <a:t>dateOfBirth</a:t>
+            </a:r>
+            <a:r>
+              <a:rPr lang="en-IN" dirty="0"/>
+              <a:t>;</a:t>
+            </a:r>
+          </a:p>
+          <a:p>
+            <a:r>
+              <a:rPr lang="en-IN" dirty="0"/>
+              <a:t>	private </a:t>
+            </a:r>
+            <a:r>
+              <a:rPr lang="en-IN" dirty="0" err="1"/>
+              <a:t>CustomerType</a:t>
+            </a:r>
+            <a:r>
+              <a:rPr lang="en-IN" dirty="0"/>
+              <a:t> </a:t>
+            </a:r>
+            <a:r>
+              <a:rPr lang="en-IN" dirty="0" err="1"/>
+              <a:t>customerType</a:t>
+            </a:r>
+            <a:r>
+              <a:rPr lang="en-IN" dirty="0"/>
+              <a:t>;</a:t>
+            </a:r>
+          </a:p>
+          <a:p>
+            <a:r>
+              <a:rPr lang="en-IN" dirty="0"/>
+              <a:t>	public Integer </a:t>
+            </a:r>
+            <a:r>
+              <a:rPr lang="en-IN" dirty="0" err="1"/>
+              <a:t>getCustomerId</a:t>
+            </a:r>
+            <a:r>
+              <a:rPr lang="en-IN" dirty="0"/>
+              <a:t>() {</a:t>
+            </a:r>
+          </a:p>
+          <a:p>
+            <a:r>
+              <a:rPr lang="en-IN" dirty="0"/>
+              <a:t>		return </a:t>
+            </a:r>
+            <a:r>
+              <a:rPr lang="en-IN" dirty="0" err="1"/>
+              <a:t>customerId</a:t>
+            </a:r>
+            <a:r>
+              <a:rPr lang="en-IN" dirty="0"/>
+              <a:t>;</a:t>
+            </a:r>
+          </a:p>
+          <a:p>
+            <a:r>
+              <a:rPr lang="en-IN" dirty="0"/>
+              <a:t>	}</a:t>
+            </a:r>
+          </a:p>
+          <a:p>
+            <a:r>
+              <a:rPr lang="en-IN" dirty="0"/>
+              <a:t>	</a:t>
+            </a:r>
+          </a:p>
+        </p:txBody>
+      </p:sp>
+    </p:spTree>
+    <p:extLst>
+      <p:ext uri="{BB962C8B-B14F-4D97-AF65-F5344CB8AC3E}">
+        <p14:creationId xmlns:p14="http://schemas.microsoft.com/office/powerpoint/2010/main" val="3861271722"/>
+      </p:ext>
+    </p:extLst>
+  </p:cSld>
+  <p:clrMapOvr>
+    <a:masterClrMapping/>
+  </p:clrMapOvr>
+</p:sld>
+</file>
+
+<file path=ppt/slides/slide36.xml><?xml version="1.0" encoding="utf-8"?>
+<p:sld xmlns:a="http://schemas.openxmlformats.org/drawingml/2006/main" xmlns:r="http://schemas.openxmlformats.org/officeDocument/2006/relationships" xmlns:p="http://schemas.openxmlformats.org/presentationml/2006/main">
+  <p:cSld>
+    <p:spTree>
+      <p:nvGrpSpPr>
+        <p:cNvPr id="1" name=""/>
+        <p:cNvGrpSpPr/>
+        <p:nvPr/>
+      </p:nvGrpSpPr>
+      <p:grpSpPr>
+        <a:xfrm>
+          <a:off x="0" y="0"/>
+          <a:ext cx="0" cy="0"/>
+          <a:chOff x="0" y="0"/>
+          <a:chExt cx="0" cy="0"/>
+        </a:xfrm>
+      </p:grpSpPr>
+      <p:sp>
+        <p:nvSpPr>
+          <p:cNvPr id="2" name="Footer Placeholder 1">
+            <a:extLst>
+              <a:ext uri="{FF2B5EF4-FFF2-40B4-BE49-F238E27FC236}">
+                <a16:creationId xmlns:a16="http://schemas.microsoft.com/office/drawing/2014/main" id="{2D521B4C-D612-4A26-E442-6BCB2E5107E7}"/>
+              </a:ext>
+            </a:extLst>
+          </p:cNvPr>
+          <p:cNvSpPr>
+            <a:spLocks noGrp="1"/>
+          </p:cNvSpPr>
+          <p:nvPr>
+            <p:ph type="ftr" sz="quarter" idx="11"/>
+          </p:nvPr>
+        </p:nvSpPr>
+        <p:spPr/>
+        <p:txBody>
+          <a:bodyPr/>
+          <a:lstStyle/>
+          <a:p>
+            <a:r>
+              <a:rPr lang="en-IN"/>
+              <a:t>H&amp;D IT Solution</a:t>
+            </a:r>
+            <a:endParaRPr lang="en-IN" dirty="0"/>
+          </a:p>
+        </p:txBody>
+      </p:sp>
+      <p:sp>
+        <p:nvSpPr>
+          <p:cNvPr id="3" name="Slide Number Placeholder 2">
+            <a:extLst>
+              <a:ext uri="{FF2B5EF4-FFF2-40B4-BE49-F238E27FC236}">
+                <a16:creationId xmlns:a16="http://schemas.microsoft.com/office/drawing/2014/main" id="{F56D5B00-FF78-A289-8672-30E8C5527677}"/>
+              </a:ext>
+            </a:extLst>
+          </p:cNvPr>
+          <p:cNvSpPr>
+            <a:spLocks noGrp="1"/>
+          </p:cNvSpPr>
+          <p:nvPr>
+            <p:ph type="sldNum" sz="quarter" idx="12"/>
+          </p:nvPr>
+        </p:nvSpPr>
+        <p:spPr/>
+        <p:txBody>
+          <a:bodyPr/>
+          <a:lstStyle/>
+          <a:p>
+            <a:fld id="{4A777409-9C5A-4B07-8E32-19F22F7D558C}" type="slidenum">
+              <a:rPr lang="en-IN" smtClean="0"/>
+              <a:t>36</a:t>
+            </a:fld>
+            <a:endParaRPr lang="en-IN" dirty="0"/>
+          </a:p>
+        </p:txBody>
+      </p:sp>
+      <p:sp>
+        <p:nvSpPr>
+          <p:cNvPr id="5" name="TextBox 4">
+            <a:extLst>
+              <a:ext uri="{FF2B5EF4-FFF2-40B4-BE49-F238E27FC236}">
+                <a16:creationId xmlns:a16="http://schemas.microsoft.com/office/drawing/2014/main" id="{92F30499-9D11-BBA9-B031-F12387484DDE}"/>
+              </a:ext>
+            </a:extLst>
+          </p:cNvPr>
+          <p:cNvSpPr txBox="1"/>
+          <p:nvPr/>
+        </p:nvSpPr>
+        <p:spPr>
+          <a:xfrm>
+            <a:off x="838200" y="557947"/>
+            <a:ext cx="11353800" cy="6186309"/>
+          </a:xfrm>
+          <a:prstGeom prst="rect">
+            <a:avLst/>
+          </a:prstGeom>
+          <a:noFill/>
+        </p:spPr>
+        <p:txBody>
+          <a:bodyPr wrap="square">
+            <a:spAutoFit/>
+          </a:bodyPr>
+          <a:lstStyle/>
+          <a:p>
+            <a:r>
+              <a:rPr lang="en-IN" dirty="0"/>
+              <a:t>public void </a:t>
+            </a:r>
+            <a:r>
+              <a:rPr lang="en-IN" dirty="0" err="1"/>
+              <a:t>setCustomerId</a:t>
+            </a:r>
+            <a:r>
+              <a:rPr lang="en-IN" dirty="0"/>
+              <a:t>(Integer </a:t>
+            </a:r>
+            <a:r>
+              <a:rPr lang="en-IN" dirty="0" err="1"/>
+              <a:t>customerId</a:t>
+            </a:r>
+            <a:r>
+              <a:rPr lang="en-IN" dirty="0"/>
+              <a:t>) {</a:t>
+            </a:r>
+          </a:p>
+          <a:p>
+            <a:r>
+              <a:rPr lang="en-IN" dirty="0"/>
+              <a:t>		</a:t>
+            </a:r>
+            <a:r>
+              <a:rPr lang="en-IN" dirty="0" err="1"/>
+              <a:t>this.customerId</a:t>
+            </a:r>
+            <a:r>
+              <a:rPr lang="en-IN" dirty="0"/>
+              <a:t> = </a:t>
+            </a:r>
+            <a:r>
+              <a:rPr lang="en-IN" dirty="0" err="1"/>
+              <a:t>customerId</a:t>
+            </a:r>
+            <a:r>
+              <a:rPr lang="en-IN" dirty="0"/>
+              <a:t>;</a:t>
+            </a:r>
+          </a:p>
+          <a:p>
+            <a:r>
+              <a:rPr lang="en-IN" dirty="0"/>
+              <a:t>	}</a:t>
+            </a:r>
+          </a:p>
+          <a:p>
+            <a:r>
+              <a:rPr lang="en-IN" dirty="0"/>
+              <a:t>	public String </a:t>
+            </a:r>
+            <a:r>
+              <a:rPr lang="en-IN" dirty="0" err="1"/>
+              <a:t>getEmailId</a:t>
+            </a:r>
+            <a:r>
+              <a:rPr lang="en-IN" dirty="0"/>
+              <a:t>() {</a:t>
+            </a:r>
+          </a:p>
+          <a:p>
+            <a:r>
+              <a:rPr lang="en-IN" dirty="0"/>
+              <a:t>		return </a:t>
+            </a:r>
+            <a:r>
+              <a:rPr lang="en-IN" dirty="0" err="1"/>
+              <a:t>emailId</a:t>
+            </a:r>
+            <a:r>
+              <a:rPr lang="en-IN" dirty="0"/>
+              <a:t>;</a:t>
+            </a:r>
+          </a:p>
+          <a:p>
+            <a:r>
+              <a:rPr lang="en-IN" dirty="0"/>
+              <a:t>	}</a:t>
+            </a:r>
+          </a:p>
+          <a:p>
+            <a:r>
+              <a:rPr lang="en-IN" dirty="0"/>
+              <a:t>	public void </a:t>
+            </a:r>
+            <a:r>
+              <a:rPr lang="en-IN" dirty="0" err="1"/>
+              <a:t>setEmailId</a:t>
+            </a:r>
+            <a:r>
+              <a:rPr lang="en-IN" dirty="0"/>
+              <a:t>(String </a:t>
+            </a:r>
+            <a:r>
+              <a:rPr lang="en-IN" dirty="0" err="1"/>
+              <a:t>emailId</a:t>
+            </a:r>
+            <a:r>
+              <a:rPr lang="en-IN" dirty="0"/>
+              <a:t>) {</a:t>
+            </a:r>
+          </a:p>
+          <a:p>
+            <a:r>
+              <a:rPr lang="en-IN" dirty="0"/>
+              <a:t>		</a:t>
+            </a:r>
+            <a:r>
+              <a:rPr lang="en-IN" dirty="0" err="1"/>
+              <a:t>this.emailId</a:t>
+            </a:r>
+            <a:r>
+              <a:rPr lang="en-IN" dirty="0"/>
+              <a:t> = </a:t>
+            </a:r>
+            <a:r>
+              <a:rPr lang="en-IN" dirty="0" err="1"/>
+              <a:t>emailId</a:t>
+            </a:r>
+            <a:r>
+              <a:rPr lang="en-IN" dirty="0"/>
+              <a:t>;</a:t>
+            </a:r>
+          </a:p>
+          <a:p>
+            <a:r>
+              <a:rPr lang="en-IN" dirty="0"/>
+              <a:t>	}</a:t>
+            </a:r>
+          </a:p>
+          <a:p>
+            <a:r>
+              <a:rPr lang="en-IN" dirty="0"/>
+              <a:t>	public String </a:t>
+            </a:r>
+            <a:r>
+              <a:rPr lang="en-IN" dirty="0" err="1"/>
+              <a:t>getName</a:t>
+            </a:r>
+            <a:r>
+              <a:rPr lang="en-IN" dirty="0"/>
+              <a:t>() {</a:t>
+            </a:r>
+          </a:p>
+          <a:p>
+            <a:r>
+              <a:rPr lang="en-IN" dirty="0"/>
+              <a:t>		return name;</a:t>
+            </a:r>
+          </a:p>
+          <a:p>
+            <a:r>
+              <a:rPr lang="en-IN" dirty="0"/>
+              <a:t>	}</a:t>
+            </a:r>
+          </a:p>
+          <a:p>
+            <a:r>
+              <a:rPr lang="en-IN" dirty="0"/>
+              <a:t>	public void </a:t>
+            </a:r>
+            <a:r>
+              <a:rPr lang="en-IN" dirty="0" err="1"/>
+              <a:t>setName</a:t>
+            </a:r>
+            <a:r>
+              <a:rPr lang="en-IN" dirty="0"/>
+              <a:t>(String name) {</a:t>
+            </a:r>
+          </a:p>
+          <a:p>
+            <a:r>
+              <a:rPr lang="en-IN" dirty="0"/>
+              <a:t>		this.name = name;</a:t>
+            </a:r>
+          </a:p>
+          <a:p>
+            <a:r>
+              <a:rPr lang="en-IN" dirty="0"/>
+              <a:t>	}</a:t>
+            </a:r>
+          </a:p>
+          <a:p>
+            <a:r>
+              <a:rPr lang="en-IN" dirty="0"/>
+              <a:t>	public </a:t>
+            </a:r>
+            <a:r>
+              <a:rPr lang="en-IN" dirty="0" err="1"/>
+              <a:t>LocalDate</a:t>
+            </a:r>
+            <a:r>
+              <a:rPr lang="en-IN" dirty="0"/>
+              <a:t> </a:t>
+            </a:r>
+            <a:r>
+              <a:rPr lang="en-IN" dirty="0" err="1"/>
+              <a:t>getDateOfBirth</a:t>
+            </a:r>
+            <a:r>
+              <a:rPr lang="en-IN" dirty="0"/>
+              <a:t>() {</a:t>
+            </a:r>
+          </a:p>
+          <a:p>
+            <a:r>
+              <a:rPr lang="en-IN" dirty="0"/>
+              <a:t>		return </a:t>
+            </a:r>
+            <a:r>
+              <a:rPr lang="en-IN" dirty="0" err="1"/>
+              <a:t>dateOfBirth</a:t>
+            </a:r>
+            <a:r>
+              <a:rPr lang="en-IN" dirty="0"/>
+              <a:t>;</a:t>
+            </a:r>
+          </a:p>
+          <a:p>
+            <a:r>
+              <a:rPr lang="en-IN" dirty="0"/>
+              <a:t>	}</a:t>
+            </a:r>
+          </a:p>
+          <a:p>
+            <a:r>
+              <a:rPr lang="en-IN" dirty="0"/>
+              <a:t>	public void </a:t>
+            </a:r>
+            <a:r>
+              <a:rPr lang="en-IN" dirty="0" err="1"/>
+              <a:t>setDateOfBirth</a:t>
+            </a:r>
+            <a:r>
+              <a:rPr lang="en-IN" dirty="0"/>
+              <a:t>(</a:t>
+            </a:r>
+            <a:r>
+              <a:rPr lang="en-IN" dirty="0" err="1"/>
+              <a:t>LocalDate</a:t>
+            </a:r>
+            <a:r>
+              <a:rPr lang="en-IN" dirty="0"/>
+              <a:t> </a:t>
+            </a:r>
+            <a:r>
+              <a:rPr lang="en-IN" dirty="0" err="1"/>
+              <a:t>dateOfBirth</a:t>
+            </a:r>
+            <a:r>
+              <a:rPr lang="en-IN" dirty="0"/>
+              <a:t>) {</a:t>
+            </a:r>
+          </a:p>
+          <a:p>
+            <a:r>
+              <a:rPr lang="en-IN" dirty="0"/>
+              <a:t>		</a:t>
+            </a:r>
+            <a:r>
+              <a:rPr lang="en-IN" dirty="0" err="1"/>
+              <a:t>this.dateOfBirth</a:t>
+            </a:r>
+            <a:r>
+              <a:rPr lang="en-IN" dirty="0"/>
+              <a:t> = </a:t>
+            </a:r>
+            <a:r>
+              <a:rPr lang="en-IN" dirty="0" err="1"/>
+              <a:t>dateOfBirth</a:t>
+            </a:r>
+            <a:r>
+              <a:rPr lang="en-IN" dirty="0"/>
+              <a:t>;</a:t>
+            </a:r>
+          </a:p>
+          <a:p>
+            <a:r>
+              <a:rPr lang="en-IN" dirty="0"/>
+              <a:t>	}</a:t>
+            </a:r>
+          </a:p>
+          <a:p>
+            <a:r>
+              <a:rPr lang="en-IN" dirty="0"/>
+              <a:t>	</a:t>
+            </a:r>
+          </a:p>
+        </p:txBody>
+      </p:sp>
+    </p:spTree>
+    <p:extLst>
+      <p:ext uri="{BB962C8B-B14F-4D97-AF65-F5344CB8AC3E}">
+        <p14:creationId xmlns:p14="http://schemas.microsoft.com/office/powerpoint/2010/main" val="2539258294"/>
+      </p:ext>
+    </p:extLst>
+  </p:cSld>
+  <p:clrMapOvr>
+    <a:masterClrMapping/>
+  </p:clrMapOvr>
+</p:sld>
+</file>
+
+<file path=ppt/slides/slide37.xml><?xml version="1.0" encoding="utf-8"?>
+<p:sld xmlns:a="http://schemas.openxmlformats.org/drawingml/2006/main" xmlns:r="http://schemas.openxmlformats.org/officeDocument/2006/relationships" xmlns:p="http://schemas.openxmlformats.org/presentationml/2006/main">
+  <p:cSld>
+    <p:spTree>
+      <p:nvGrpSpPr>
+        <p:cNvPr id="1" name=""/>
+        <p:cNvGrpSpPr/>
+        <p:nvPr/>
+      </p:nvGrpSpPr>
+      <p:grpSpPr>
+        <a:xfrm>
+          <a:off x="0" y="0"/>
+          <a:ext cx="0" cy="0"/>
+          <a:chOff x="0" y="0"/>
+          <a:chExt cx="0" cy="0"/>
+        </a:xfrm>
+      </p:grpSpPr>
+      <p:sp>
+        <p:nvSpPr>
+          <p:cNvPr id="2" name="Footer Placeholder 1">
+            <a:extLst>
+              <a:ext uri="{FF2B5EF4-FFF2-40B4-BE49-F238E27FC236}">
+                <a16:creationId xmlns:a16="http://schemas.microsoft.com/office/drawing/2014/main" id="{339D376B-7BCE-EA19-5344-FEEAAE8E91B4}"/>
+              </a:ext>
+            </a:extLst>
+          </p:cNvPr>
+          <p:cNvSpPr>
+            <a:spLocks noGrp="1"/>
+          </p:cNvSpPr>
+          <p:nvPr>
+            <p:ph type="ftr" sz="quarter" idx="11"/>
+          </p:nvPr>
+        </p:nvSpPr>
+        <p:spPr/>
+        <p:txBody>
+          <a:bodyPr/>
+          <a:lstStyle/>
+          <a:p>
+            <a:r>
+              <a:rPr lang="en-IN"/>
+              <a:t>H&amp;D IT Solution</a:t>
+            </a:r>
+            <a:endParaRPr lang="en-IN" dirty="0"/>
+          </a:p>
+        </p:txBody>
+      </p:sp>
+      <p:sp>
+        <p:nvSpPr>
+          <p:cNvPr id="3" name="Slide Number Placeholder 2">
+            <a:extLst>
+              <a:ext uri="{FF2B5EF4-FFF2-40B4-BE49-F238E27FC236}">
+                <a16:creationId xmlns:a16="http://schemas.microsoft.com/office/drawing/2014/main" id="{28D9C5B5-F6A3-1A6B-FFF9-3EDB3E774EAA}"/>
+              </a:ext>
+            </a:extLst>
+          </p:cNvPr>
+          <p:cNvSpPr>
+            <a:spLocks noGrp="1"/>
+          </p:cNvSpPr>
+          <p:nvPr>
+            <p:ph type="sldNum" sz="quarter" idx="12"/>
+          </p:nvPr>
+        </p:nvSpPr>
+        <p:spPr/>
+        <p:txBody>
+          <a:bodyPr/>
+          <a:lstStyle/>
+          <a:p>
+            <a:fld id="{4A777409-9C5A-4B07-8E32-19F22F7D558C}" type="slidenum">
+              <a:rPr lang="en-IN" smtClean="0"/>
+              <a:t>37</a:t>
+            </a:fld>
+            <a:endParaRPr lang="en-IN" dirty="0"/>
+          </a:p>
+        </p:txBody>
+      </p:sp>
+      <p:sp>
+        <p:nvSpPr>
+          <p:cNvPr id="5" name="TextBox 4">
+            <a:extLst>
+              <a:ext uri="{FF2B5EF4-FFF2-40B4-BE49-F238E27FC236}">
+                <a16:creationId xmlns:a16="http://schemas.microsoft.com/office/drawing/2014/main" id="{914D21D3-9D2C-F025-9093-14E5AE6FD750}"/>
+              </a:ext>
+            </a:extLst>
+          </p:cNvPr>
+          <p:cNvSpPr txBox="1"/>
+          <p:nvPr/>
+        </p:nvSpPr>
+        <p:spPr>
+          <a:xfrm>
+            <a:off x="824844" y="742090"/>
+            <a:ext cx="11175477" cy="3693319"/>
+          </a:xfrm>
+          <a:prstGeom prst="rect">
+            <a:avLst/>
+          </a:prstGeom>
+          <a:noFill/>
+        </p:spPr>
+        <p:txBody>
+          <a:bodyPr wrap="square">
+            <a:spAutoFit/>
+          </a:bodyPr>
+          <a:lstStyle/>
+          <a:p>
+            <a:r>
+              <a:rPr lang="en-IN" dirty="0"/>
+              <a:t>public </a:t>
+            </a:r>
+            <a:r>
+              <a:rPr lang="en-IN" dirty="0" err="1"/>
+              <a:t>CustomerType</a:t>
+            </a:r>
+            <a:r>
+              <a:rPr lang="en-IN" dirty="0"/>
+              <a:t> </a:t>
+            </a:r>
+            <a:r>
+              <a:rPr lang="en-IN" dirty="0" err="1"/>
+              <a:t>getCustomerType</a:t>
+            </a:r>
+            <a:r>
+              <a:rPr lang="en-IN" dirty="0"/>
+              <a:t>() {</a:t>
+            </a:r>
+          </a:p>
+          <a:p>
+            <a:r>
+              <a:rPr lang="en-IN" dirty="0"/>
+              <a:t>		return </a:t>
+            </a:r>
+            <a:r>
+              <a:rPr lang="en-IN" dirty="0" err="1"/>
+              <a:t>customerType</a:t>
+            </a:r>
+            <a:r>
+              <a:rPr lang="en-IN" dirty="0"/>
+              <a:t>;</a:t>
+            </a:r>
+          </a:p>
+          <a:p>
+            <a:r>
+              <a:rPr lang="en-IN" dirty="0"/>
+              <a:t>	}</a:t>
+            </a:r>
+          </a:p>
+          <a:p>
+            <a:r>
+              <a:rPr lang="en-IN" dirty="0"/>
+              <a:t>	public void </a:t>
+            </a:r>
+            <a:r>
+              <a:rPr lang="en-IN" dirty="0" err="1"/>
+              <a:t>setCustomerType</a:t>
+            </a:r>
+            <a:r>
+              <a:rPr lang="en-IN" dirty="0"/>
+              <a:t>(</a:t>
+            </a:r>
+            <a:r>
+              <a:rPr lang="en-IN" dirty="0" err="1"/>
+              <a:t>CustomerType</a:t>
+            </a:r>
+            <a:r>
+              <a:rPr lang="en-IN" dirty="0"/>
+              <a:t> </a:t>
+            </a:r>
+            <a:r>
+              <a:rPr lang="en-IN" dirty="0" err="1"/>
+              <a:t>customerType</a:t>
+            </a:r>
+            <a:r>
+              <a:rPr lang="en-IN" dirty="0"/>
+              <a:t>) {</a:t>
+            </a:r>
+          </a:p>
+          <a:p>
+            <a:r>
+              <a:rPr lang="en-IN" dirty="0"/>
+              <a:t>		</a:t>
+            </a:r>
+            <a:r>
+              <a:rPr lang="en-IN" dirty="0" err="1"/>
+              <a:t>this.customerType</a:t>
+            </a:r>
+            <a:r>
+              <a:rPr lang="en-IN" dirty="0"/>
+              <a:t> = </a:t>
+            </a:r>
+            <a:r>
+              <a:rPr lang="en-IN" dirty="0" err="1"/>
+              <a:t>customerType</a:t>
+            </a:r>
+            <a:r>
+              <a:rPr lang="en-IN" dirty="0"/>
+              <a:t>;</a:t>
+            </a:r>
+          </a:p>
+          <a:p>
+            <a:r>
+              <a:rPr lang="en-IN" dirty="0"/>
+              <a:t>	}</a:t>
+            </a:r>
+          </a:p>
+          <a:p>
+            <a:r>
+              <a:rPr lang="en-IN" dirty="0"/>
+              <a:t>	@Override</a:t>
+            </a:r>
+          </a:p>
+          <a:p>
+            <a:r>
+              <a:rPr lang="en-IN" dirty="0"/>
+              <a:t>	public String </a:t>
+            </a:r>
+            <a:r>
+              <a:rPr lang="en-IN" dirty="0" err="1"/>
+              <a:t>toString</a:t>
+            </a:r>
+            <a:r>
+              <a:rPr lang="en-IN" dirty="0"/>
+              <a:t>() {</a:t>
+            </a:r>
+          </a:p>
+          <a:p>
+            <a:r>
+              <a:rPr lang="en-IN" dirty="0"/>
+              <a:t>		return "</a:t>
+            </a:r>
+            <a:r>
+              <a:rPr lang="en-IN" dirty="0" err="1"/>
+              <a:t>CustomerDTO</a:t>
+            </a:r>
+            <a:r>
+              <a:rPr lang="en-IN" dirty="0"/>
+              <a:t> [</a:t>
+            </a:r>
+            <a:r>
+              <a:rPr lang="en-IN" dirty="0" err="1"/>
+              <a:t>customerId</a:t>
+            </a:r>
+            <a:r>
+              <a:rPr lang="en-IN" dirty="0"/>
+              <a:t>=" + </a:t>
+            </a:r>
+            <a:r>
+              <a:rPr lang="en-IN" dirty="0" err="1"/>
+              <a:t>customerId</a:t>
+            </a:r>
+            <a:r>
+              <a:rPr lang="en-IN" dirty="0"/>
+              <a:t> + ", </a:t>
+            </a:r>
+            <a:r>
+              <a:rPr lang="en-IN" dirty="0" err="1"/>
+              <a:t>emailId</a:t>
+            </a:r>
+            <a:r>
+              <a:rPr lang="en-IN" dirty="0"/>
+              <a:t>=" + </a:t>
+            </a:r>
+            <a:r>
+              <a:rPr lang="en-IN" dirty="0" err="1"/>
+              <a:t>emailId</a:t>
+            </a:r>
+            <a:r>
+              <a:rPr lang="en-IN" dirty="0"/>
+              <a:t> + ", name=" + name + ", </a:t>
+            </a:r>
+            <a:r>
+              <a:rPr lang="en-IN" dirty="0" err="1"/>
+              <a:t>dateOfBirth</a:t>
+            </a:r>
+            <a:r>
+              <a:rPr lang="en-IN" dirty="0"/>
+              <a:t>="</a:t>
+            </a:r>
+          </a:p>
+          <a:p>
+            <a:r>
+              <a:rPr lang="en-IN" dirty="0"/>
+              <a:t>				+ </a:t>
+            </a:r>
+            <a:r>
+              <a:rPr lang="en-IN" dirty="0" err="1"/>
+              <a:t>dateOfBirth</a:t>
+            </a:r>
+            <a:r>
+              <a:rPr lang="en-IN" dirty="0"/>
+              <a:t> + "]";</a:t>
+            </a:r>
+          </a:p>
+          <a:p>
+            <a:r>
+              <a:rPr lang="en-IN" dirty="0"/>
+              <a:t>	}</a:t>
+            </a:r>
+          </a:p>
+          <a:p>
+            <a:r>
+              <a:rPr lang="en-IN" dirty="0"/>
+              <a:t>}</a:t>
+            </a:r>
+          </a:p>
+        </p:txBody>
+      </p:sp>
+      <p:sp>
+        <p:nvSpPr>
+          <p:cNvPr id="7" name="TextBox 6">
+            <a:extLst>
+              <a:ext uri="{FF2B5EF4-FFF2-40B4-BE49-F238E27FC236}">
+                <a16:creationId xmlns:a16="http://schemas.microsoft.com/office/drawing/2014/main" id="{B2D33C99-C9BC-3E2B-8909-37DC5D09B940}"/>
+              </a:ext>
+            </a:extLst>
+          </p:cNvPr>
+          <p:cNvSpPr txBox="1"/>
+          <p:nvPr/>
+        </p:nvSpPr>
+        <p:spPr>
+          <a:xfrm>
+            <a:off x="428918" y="5072714"/>
+            <a:ext cx="11298025" cy="400110"/>
+          </a:xfrm>
+          <a:prstGeom prst="rect">
+            <a:avLst/>
+          </a:prstGeom>
+          <a:noFill/>
+        </p:spPr>
+        <p:txBody>
+          <a:bodyPr wrap="square">
+            <a:spAutoFit/>
+          </a:bodyPr>
+          <a:lstStyle/>
+          <a:p>
+            <a:r>
+              <a:rPr lang="en-US" sz="2000" b="1" dirty="0">
+                <a:solidFill>
+                  <a:schemeClr val="tx1">
+                    <a:lumMod val="65000"/>
+                    <a:lumOff val="35000"/>
+                  </a:schemeClr>
+                </a:solidFill>
+              </a:rPr>
+              <a:t>Step 5:</a:t>
+            </a:r>
+            <a:r>
+              <a:rPr lang="en-US" sz="2000" dirty="0">
+                <a:solidFill>
+                  <a:schemeClr val="tx1">
+                    <a:lumMod val="65000"/>
+                    <a:lumOff val="35000"/>
+                  </a:schemeClr>
+                </a:solidFill>
+              </a:rPr>
+              <a:t> Create the following Customer entity class in </a:t>
+            </a:r>
+            <a:r>
+              <a:rPr lang="en-US" sz="2000" dirty="0" err="1">
+                <a:solidFill>
+                  <a:schemeClr val="tx1">
+                    <a:lumMod val="65000"/>
+                    <a:lumOff val="35000"/>
+                  </a:schemeClr>
+                </a:solidFill>
+              </a:rPr>
+              <a:t>com.hnd.entity</a:t>
+            </a:r>
+            <a:r>
+              <a:rPr lang="en-US" sz="2000" dirty="0">
+                <a:solidFill>
+                  <a:schemeClr val="tx1">
+                    <a:lumMod val="65000"/>
+                    <a:lumOff val="35000"/>
+                  </a:schemeClr>
+                </a:solidFill>
+              </a:rPr>
+              <a:t> package:</a:t>
+            </a:r>
+            <a:endParaRPr lang="en-IN" sz="2000" dirty="0">
+              <a:solidFill>
+                <a:schemeClr val="tx1">
+                  <a:lumMod val="65000"/>
+                  <a:lumOff val="35000"/>
+                </a:schemeClr>
+              </a:solidFill>
+            </a:endParaRPr>
+          </a:p>
+        </p:txBody>
+      </p:sp>
+    </p:spTree>
+    <p:extLst>
+      <p:ext uri="{BB962C8B-B14F-4D97-AF65-F5344CB8AC3E}">
+        <p14:creationId xmlns:p14="http://schemas.microsoft.com/office/powerpoint/2010/main" val="2130582332"/>
+      </p:ext>
+    </p:extLst>
+  </p:cSld>
+  <p:clrMapOvr>
+    <a:masterClrMapping/>
+  </p:clrMapOvr>
+</p:sld>
+</file>
+
+<file path=ppt/slides/slide38.xml><?xml version="1.0" encoding="utf-8"?>
+<p:sld xmlns:a="http://schemas.openxmlformats.org/drawingml/2006/main" xmlns:r="http://schemas.openxmlformats.org/officeDocument/2006/relationships" xmlns:p="http://schemas.openxmlformats.org/presentationml/2006/main">
+  <p:cSld>
+    <p:spTree>
+      <p:nvGrpSpPr>
+        <p:cNvPr id="1" name=""/>
+        <p:cNvGrpSpPr/>
+        <p:nvPr/>
+      </p:nvGrpSpPr>
+      <p:grpSpPr>
+        <a:xfrm>
+          <a:off x="0" y="0"/>
+          <a:ext cx="0" cy="0"/>
+          <a:chOff x="0" y="0"/>
+          <a:chExt cx="0" cy="0"/>
+        </a:xfrm>
+      </p:grpSpPr>
+      <p:sp>
+        <p:nvSpPr>
+          <p:cNvPr id="2" name="Footer Placeholder 1">
+            <a:extLst>
+              <a:ext uri="{FF2B5EF4-FFF2-40B4-BE49-F238E27FC236}">
+                <a16:creationId xmlns:a16="http://schemas.microsoft.com/office/drawing/2014/main" id="{3A9C710F-5D3C-0705-4C66-05702BF0554E}"/>
+              </a:ext>
+            </a:extLst>
+          </p:cNvPr>
+          <p:cNvSpPr>
+            <a:spLocks noGrp="1"/>
+          </p:cNvSpPr>
+          <p:nvPr>
+            <p:ph type="ftr" sz="quarter" idx="11"/>
+          </p:nvPr>
+        </p:nvSpPr>
+        <p:spPr/>
+        <p:txBody>
+          <a:bodyPr/>
+          <a:lstStyle/>
+          <a:p>
+            <a:r>
+              <a:rPr lang="en-IN"/>
+              <a:t>H&amp;D IT Solution</a:t>
+            </a:r>
+            <a:endParaRPr lang="en-IN" dirty="0"/>
+          </a:p>
+        </p:txBody>
+      </p:sp>
+      <p:sp>
+        <p:nvSpPr>
+          <p:cNvPr id="3" name="Slide Number Placeholder 2">
+            <a:extLst>
+              <a:ext uri="{FF2B5EF4-FFF2-40B4-BE49-F238E27FC236}">
+                <a16:creationId xmlns:a16="http://schemas.microsoft.com/office/drawing/2014/main" id="{D8B0D218-75D9-7EE4-3712-FEB0F96D475A}"/>
+              </a:ext>
+            </a:extLst>
+          </p:cNvPr>
+          <p:cNvSpPr>
+            <a:spLocks noGrp="1"/>
+          </p:cNvSpPr>
+          <p:nvPr>
+            <p:ph type="sldNum" sz="quarter" idx="12"/>
+          </p:nvPr>
+        </p:nvSpPr>
+        <p:spPr/>
+        <p:txBody>
+          <a:bodyPr/>
+          <a:lstStyle/>
+          <a:p>
+            <a:fld id="{4A777409-9C5A-4B07-8E32-19F22F7D558C}" type="slidenum">
+              <a:rPr lang="en-IN" smtClean="0"/>
+              <a:t>38</a:t>
+            </a:fld>
+            <a:endParaRPr lang="en-IN" dirty="0"/>
+          </a:p>
+        </p:txBody>
+      </p:sp>
+      <p:sp>
+        <p:nvSpPr>
+          <p:cNvPr id="5" name="TextBox 4">
+            <a:extLst>
+              <a:ext uri="{FF2B5EF4-FFF2-40B4-BE49-F238E27FC236}">
+                <a16:creationId xmlns:a16="http://schemas.microsoft.com/office/drawing/2014/main" id="{B5FC3E5D-534F-57C3-301C-D55D0009A65C}"/>
+              </a:ext>
+            </a:extLst>
+          </p:cNvPr>
+          <p:cNvSpPr txBox="1"/>
+          <p:nvPr/>
+        </p:nvSpPr>
+        <p:spPr>
+          <a:xfrm>
+            <a:off x="555396" y="891615"/>
+            <a:ext cx="11086707" cy="5355312"/>
+          </a:xfrm>
+          <a:prstGeom prst="rect">
+            <a:avLst/>
+          </a:prstGeom>
+          <a:noFill/>
+        </p:spPr>
+        <p:txBody>
+          <a:bodyPr wrap="square">
+            <a:spAutoFit/>
+          </a:bodyPr>
+          <a:lstStyle/>
+          <a:p>
+            <a:r>
+              <a:rPr lang="en-IN" dirty="0"/>
+              <a:t>package </a:t>
+            </a:r>
+            <a:r>
+              <a:rPr lang="en-IN" dirty="0" err="1"/>
+              <a:t>com.hnd.entity</a:t>
+            </a:r>
+            <a:r>
+              <a:rPr lang="en-IN" dirty="0"/>
+              <a:t>;</a:t>
+            </a:r>
+          </a:p>
+          <a:p>
+            <a:r>
+              <a:rPr lang="en-IN" dirty="0"/>
+              <a:t>import </a:t>
+            </a:r>
+            <a:r>
+              <a:rPr lang="en-IN" dirty="0" err="1"/>
+              <a:t>java.time.LocalDate</a:t>
+            </a:r>
+            <a:r>
+              <a:rPr lang="en-IN" dirty="0"/>
+              <a:t>;</a:t>
+            </a:r>
+          </a:p>
+          <a:p>
+            <a:r>
+              <a:rPr lang="en-IN" dirty="0"/>
+              <a:t>import </a:t>
+            </a:r>
+            <a:r>
+              <a:rPr lang="en-IN" dirty="0" err="1"/>
+              <a:t>javax.persistence.Column</a:t>
+            </a:r>
+            <a:r>
+              <a:rPr lang="en-IN" dirty="0"/>
+              <a:t>;</a:t>
+            </a:r>
+          </a:p>
+          <a:p>
+            <a:r>
+              <a:rPr lang="en-IN" dirty="0"/>
+              <a:t>import </a:t>
+            </a:r>
+            <a:r>
+              <a:rPr lang="en-IN" dirty="0" err="1"/>
+              <a:t>javax.persistence.Entity</a:t>
+            </a:r>
+            <a:r>
+              <a:rPr lang="en-IN" dirty="0"/>
+              <a:t>;</a:t>
+            </a:r>
+          </a:p>
+          <a:p>
+            <a:r>
+              <a:rPr lang="en-IN" dirty="0"/>
+              <a:t>import </a:t>
+            </a:r>
+            <a:r>
+              <a:rPr lang="en-IN" dirty="0" err="1"/>
+              <a:t>javax.persistence.EnumType</a:t>
+            </a:r>
+            <a:r>
+              <a:rPr lang="en-IN" dirty="0"/>
+              <a:t>;</a:t>
+            </a:r>
+          </a:p>
+          <a:p>
+            <a:r>
+              <a:rPr lang="en-IN" dirty="0"/>
+              <a:t>import </a:t>
+            </a:r>
+            <a:r>
+              <a:rPr lang="en-IN" dirty="0" err="1"/>
+              <a:t>javax.persistence.Enumerated</a:t>
+            </a:r>
+            <a:r>
+              <a:rPr lang="en-IN" dirty="0"/>
+              <a:t>;</a:t>
+            </a:r>
+          </a:p>
+          <a:p>
+            <a:r>
+              <a:rPr lang="en-IN" dirty="0"/>
+              <a:t>import </a:t>
+            </a:r>
+            <a:r>
+              <a:rPr lang="en-IN" dirty="0" err="1"/>
+              <a:t>javax.persistence.Id</a:t>
+            </a:r>
+            <a:r>
+              <a:rPr lang="en-IN" dirty="0"/>
+              <a:t>;</a:t>
+            </a:r>
+          </a:p>
+          <a:p>
+            <a:r>
+              <a:rPr lang="en-IN" dirty="0"/>
+              <a:t>import </a:t>
+            </a:r>
+            <a:r>
+              <a:rPr lang="en-IN" dirty="0" err="1"/>
+              <a:t>com.hnd.dto.CustomerType</a:t>
+            </a:r>
+            <a:r>
+              <a:rPr lang="en-IN" dirty="0"/>
+              <a:t>;</a:t>
+            </a:r>
+          </a:p>
+          <a:p>
+            <a:r>
+              <a:rPr lang="en-IN" dirty="0"/>
+              <a:t>@Entity</a:t>
+            </a:r>
+          </a:p>
+          <a:p>
+            <a:r>
+              <a:rPr lang="en-IN" dirty="0"/>
+              <a:t>public class Customer {</a:t>
+            </a:r>
+          </a:p>
+          <a:p>
+            <a:r>
+              <a:rPr lang="en-IN" dirty="0"/>
+              <a:t>	@Id</a:t>
+            </a:r>
+          </a:p>
+          <a:p>
+            <a:r>
+              <a:rPr lang="en-IN" dirty="0"/>
+              <a:t>	private Integer </a:t>
+            </a:r>
+            <a:r>
+              <a:rPr lang="en-IN" dirty="0" err="1"/>
+              <a:t>customerId</a:t>
+            </a:r>
+            <a:r>
+              <a:rPr lang="en-IN" dirty="0"/>
+              <a:t>;</a:t>
+            </a:r>
+          </a:p>
+          <a:p>
+            <a:r>
+              <a:rPr lang="en-IN" dirty="0"/>
+              <a:t>	private String </a:t>
+            </a:r>
+            <a:r>
+              <a:rPr lang="en-IN" dirty="0" err="1"/>
+              <a:t>emailId</a:t>
+            </a:r>
+            <a:r>
+              <a:rPr lang="en-IN" dirty="0"/>
+              <a:t>;</a:t>
+            </a:r>
+          </a:p>
+          <a:p>
+            <a:r>
+              <a:rPr lang="en-IN" dirty="0"/>
+              <a:t>	private String name;</a:t>
+            </a:r>
+          </a:p>
+          <a:p>
+            <a:r>
+              <a:rPr lang="en-IN" dirty="0"/>
+              <a:t>	private </a:t>
+            </a:r>
+            <a:r>
+              <a:rPr lang="en-IN" dirty="0" err="1"/>
+              <a:t>LocalDate</a:t>
+            </a:r>
+            <a:r>
+              <a:rPr lang="en-IN" dirty="0"/>
+              <a:t> </a:t>
+            </a:r>
+            <a:r>
+              <a:rPr lang="en-IN" dirty="0" err="1"/>
+              <a:t>dateOfBirth</a:t>
+            </a:r>
+            <a:r>
+              <a:rPr lang="en-IN" dirty="0"/>
+              <a:t>;</a:t>
+            </a:r>
+          </a:p>
+          <a:p>
+            <a:r>
+              <a:rPr lang="en-IN" dirty="0"/>
+              <a:t>    @Enumerated(value=EnumType.STRING)</a:t>
+            </a:r>
+          </a:p>
+          <a:p>
+            <a:r>
+              <a:rPr lang="en-IN" dirty="0"/>
+              <a:t>    private </a:t>
+            </a:r>
+            <a:r>
+              <a:rPr lang="en-IN" dirty="0" err="1"/>
+              <a:t>CustomerType</a:t>
+            </a:r>
+            <a:r>
+              <a:rPr lang="en-IN" dirty="0"/>
+              <a:t> </a:t>
+            </a:r>
+            <a:r>
+              <a:rPr lang="en-IN" dirty="0" err="1"/>
+              <a:t>customerType</a:t>
+            </a:r>
+            <a:r>
+              <a:rPr lang="en-IN" dirty="0"/>
+              <a:t>;</a:t>
+            </a:r>
+          </a:p>
+          <a:p>
+            <a:r>
+              <a:rPr lang="en-IN" dirty="0"/>
+              <a:t>    </a:t>
+            </a:r>
+          </a:p>
+          <a:p>
+            <a:r>
+              <a:rPr lang="en-IN" dirty="0"/>
+              <a:t>	</a:t>
+            </a:r>
+          </a:p>
+        </p:txBody>
+      </p:sp>
+    </p:spTree>
+    <p:extLst>
+      <p:ext uri="{BB962C8B-B14F-4D97-AF65-F5344CB8AC3E}">
+        <p14:creationId xmlns:p14="http://schemas.microsoft.com/office/powerpoint/2010/main" val="3055994849"/>
+      </p:ext>
+    </p:extLst>
+  </p:cSld>
+  <p:clrMapOvr>
+    <a:masterClrMapping/>
+  </p:clrMapOvr>
+</p:sld>
+</file>
+
+<file path=ppt/slides/slide39.xml><?xml version="1.0" encoding="utf-8"?>
+<p:sld xmlns:a="http://schemas.openxmlformats.org/drawingml/2006/main" xmlns:r="http://schemas.openxmlformats.org/officeDocument/2006/relationships" xmlns:p="http://schemas.openxmlformats.org/presentationml/2006/main">
+  <p:cSld>
+    <p:spTree>
+      <p:nvGrpSpPr>
+        <p:cNvPr id="1" name=""/>
+        <p:cNvGrpSpPr/>
+        <p:nvPr/>
+      </p:nvGrpSpPr>
+      <p:grpSpPr>
+        <a:xfrm>
+          <a:off x="0" y="0"/>
+          <a:ext cx="0" cy="0"/>
+          <a:chOff x="0" y="0"/>
+          <a:chExt cx="0" cy="0"/>
+        </a:xfrm>
+      </p:grpSpPr>
+      <p:sp>
+        <p:nvSpPr>
+          <p:cNvPr id="2" name="Footer Placeholder 1">
+            <a:extLst>
+              <a:ext uri="{FF2B5EF4-FFF2-40B4-BE49-F238E27FC236}">
+                <a16:creationId xmlns:a16="http://schemas.microsoft.com/office/drawing/2014/main" id="{0F6FA8C3-1112-D318-9E68-0BC64EF18055}"/>
+              </a:ext>
+            </a:extLst>
+          </p:cNvPr>
+          <p:cNvSpPr>
+            <a:spLocks noGrp="1"/>
+          </p:cNvSpPr>
+          <p:nvPr>
+            <p:ph type="ftr" sz="quarter" idx="11"/>
+          </p:nvPr>
+        </p:nvSpPr>
+        <p:spPr/>
+        <p:txBody>
+          <a:bodyPr/>
+          <a:lstStyle/>
+          <a:p>
+            <a:r>
+              <a:rPr lang="en-IN"/>
+              <a:t>H&amp;D IT Solution</a:t>
+            </a:r>
+            <a:endParaRPr lang="en-IN" dirty="0"/>
+          </a:p>
+        </p:txBody>
+      </p:sp>
+      <p:sp>
+        <p:nvSpPr>
+          <p:cNvPr id="3" name="Slide Number Placeholder 2">
+            <a:extLst>
+              <a:ext uri="{FF2B5EF4-FFF2-40B4-BE49-F238E27FC236}">
+                <a16:creationId xmlns:a16="http://schemas.microsoft.com/office/drawing/2014/main" id="{DF8545EE-D34F-7C65-5841-21AB9776B4A2}"/>
+              </a:ext>
+            </a:extLst>
+          </p:cNvPr>
+          <p:cNvSpPr>
+            <a:spLocks noGrp="1"/>
+          </p:cNvSpPr>
+          <p:nvPr>
+            <p:ph type="sldNum" sz="quarter" idx="12"/>
+          </p:nvPr>
+        </p:nvSpPr>
+        <p:spPr/>
+        <p:txBody>
+          <a:bodyPr/>
+          <a:lstStyle/>
+          <a:p>
+            <a:fld id="{4A777409-9C5A-4B07-8E32-19F22F7D558C}" type="slidenum">
+              <a:rPr lang="en-IN" smtClean="0"/>
+              <a:t>39</a:t>
+            </a:fld>
+            <a:endParaRPr lang="en-IN" dirty="0"/>
+          </a:p>
+        </p:txBody>
+      </p:sp>
+      <p:sp>
+        <p:nvSpPr>
+          <p:cNvPr id="5" name="TextBox 4">
+            <a:extLst>
+              <a:ext uri="{FF2B5EF4-FFF2-40B4-BE49-F238E27FC236}">
+                <a16:creationId xmlns:a16="http://schemas.microsoft.com/office/drawing/2014/main" id="{D5FAA47E-6D3A-9E1A-CD29-C64EA076AC88}"/>
+              </a:ext>
+            </a:extLst>
+          </p:cNvPr>
+          <p:cNvSpPr txBox="1"/>
+          <p:nvPr/>
+        </p:nvSpPr>
+        <p:spPr>
+          <a:xfrm>
+            <a:off x="904974" y="528283"/>
+            <a:ext cx="10699422" cy="6186309"/>
+          </a:xfrm>
+          <a:prstGeom prst="rect">
+            <a:avLst/>
+          </a:prstGeom>
+          <a:noFill/>
+        </p:spPr>
+        <p:txBody>
+          <a:bodyPr wrap="square">
+            <a:spAutoFit/>
+          </a:bodyPr>
+          <a:lstStyle/>
+          <a:p>
+            <a:r>
+              <a:rPr lang="en-IN" dirty="0"/>
+              <a:t>public Integer </a:t>
+            </a:r>
+            <a:r>
+              <a:rPr lang="en-IN" dirty="0" err="1"/>
+              <a:t>getCustomerId</a:t>
+            </a:r>
+            <a:r>
+              <a:rPr lang="en-IN" dirty="0"/>
+              <a:t>() {</a:t>
+            </a:r>
+          </a:p>
+          <a:p>
+            <a:r>
+              <a:rPr lang="en-IN" dirty="0"/>
+              <a:t>		return </a:t>
+            </a:r>
+            <a:r>
+              <a:rPr lang="en-IN" dirty="0" err="1"/>
+              <a:t>customerId</a:t>
+            </a:r>
+            <a:r>
+              <a:rPr lang="en-IN" dirty="0"/>
+              <a:t>;</a:t>
+            </a:r>
+          </a:p>
+          <a:p>
+            <a:r>
+              <a:rPr lang="en-IN" dirty="0"/>
+              <a:t>	}</a:t>
+            </a:r>
+          </a:p>
+          <a:p>
+            <a:r>
+              <a:rPr lang="en-IN" dirty="0"/>
+              <a:t>	public void </a:t>
+            </a:r>
+            <a:r>
+              <a:rPr lang="en-IN" dirty="0" err="1"/>
+              <a:t>setCustomerId</a:t>
+            </a:r>
+            <a:r>
+              <a:rPr lang="en-IN" dirty="0"/>
+              <a:t>(Integer </a:t>
+            </a:r>
+            <a:r>
+              <a:rPr lang="en-IN" dirty="0" err="1"/>
+              <a:t>customerId</a:t>
+            </a:r>
+            <a:r>
+              <a:rPr lang="en-IN" dirty="0"/>
+              <a:t>) {</a:t>
+            </a:r>
+          </a:p>
+          <a:p>
+            <a:r>
+              <a:rPr lang="en-IN" dirty="0"/>
+              <a:t>		</a:t>
+            </a:r>
+            <a:r>
+              <a:rPr lang="en-IN" dirty="0" err="1"/>
+              <a:t>this.customerId</a:t>
+            </a:r>
+            <a:r>
+              <a:rPr lang="en-IN" dirty="0"/>
+              <a:t> = </a:t>
+            </a:r>
+            <a:r>
+              <a:rPr lang="en-IN" dirty="0" err="1"/>
+              <a:t>customerId</a:t>
+            </a:r>
+            <a:r>
+              <a:rPr lang="en-IN" dirty="0"/>
+              <a:t>;</a:t>
+            </a:r>
+          </a:p>
+          <a:p>
+            <a:r>
+              <a:rPr lang="en-IN" dirty="0"/>
+              <a:t>	}</a:t>
+            </a:r>
+          </a:p>
+          <a:p>
+            <a:r>
+              <a:rPr lang="en-IN" dirty="0"/>
+              <a:t>	public String </a:t>
+            </a:r>
+            <a:r>
+              <a:rPr lang="en-IN" dirty="0" err="1"/>
+              <a:t>getEmailId</a:t>
+            </a:r>
+            <a:r>
+              <a:rPr lang="en-IN" dirty="0"/>
+              <a:t>() {</a:t>
+            </a:r>
+          </a:p>
+          <a:p>
+            <a:r>
+              <a:rPr lang="en-IN" dirty="0"/>
+              <a:t>		return </a:t>
+            </a:r>
+            <a:r>
+              <a:rPr lang="en-IN" dirty="0" err="1"/>
+              <a:t>emailId</a:t>
+            </a:r>
+            <a:r>
+              <a:rPr lang="en-IN" dirty="0"/>
+              <a:t>;</a:t>
+            </a:r>
+          </a:p>
+          <a:p>
+            <a:r>
+              <a:rPr lang="en-IN" dirty="0"/>
+              <a:t>	}</a:t>
+            </a:r>
+          </a:p>
+          <a:p>
+            <a:r>
+              <a:rPr lang="en-IN" dirty="0"/>
+              <a:t>	public void </a:t>
+            </a:r>
+            <a:r>
+              <a:rPr lang="en-IN" dirty="0" err="1"/>
+              <a:t>setEmailId</a:t>
+            </a:r>
+            <a:r>
+              <a:rPr lang="en-IN" dirty="0"/>
+              <a:t>(String </a:t>
+            </a:r>
+            <a:r>
+              <a:rPr lang="en-IN" dirty="0" err="1"/>
+              <a:t>emailId</a:t>
+            </a:r>
+            <a:r>
+              <a:rPr lang="en-IN" dirty="0"/>
+              <a:t>) {</a:t>
+            </a:r>
+          </a:p>
+          <a:p>
+            <a:r>
+              <a:rPr lang="en-IN" dirty="0"/>
+              <a:t>		</a:t>
+            </a:r>
+            <a:r>
+              <a:rPr lang="en-IN" dirty="0" err="1"/>
+              <a:t>this.emailId</a:t>
+            </a:r>
+            <a:r>
+              <a:rPr lang="en-IN" dirty="0"/>
+              <a:t> = </a:t>
+            </a:r>
+            <a:r>
+              <a:rPr lang="en-IN" dirty="0" err="1"/>
+              <a:t>emailId</a:t>
+            </a:r>
+            <a:r>
+              <a:rPr lang="en-IN" dirty="0"/>
+              <a:t>;</a:t>
+            </a:r>
+          </a:p>
+          <a:p>
+            <a:r>
+              <a:rPr lang="en-IN" dirty="0"/>
+              <a:t>	}</a:t>
+            </a:r>
+          </a:p>
+          <a:p>
+            <a:r>
+              <a:rPr lang="en-IN" dirty="0"/>
+              <a:t>	public String </a:t>
+            </a:r>
+            <a:r>
+              <a:rPr lang="en-IN" dirty="0" err="1"/>
+              <a:t>getName</a:t>
+            </a:r>
+            <a:r>
+              <a:rPr lang="en-IN" dirty="0"/>
+              <a:t>() {</a:t>
+            </a:r>
+          </a:p>
+          <a:p>
+            <a:r>
+              <a:rPr lang="en-IN" dirty="0"/>
+              <a:t>		return name;</a:t>
+            </a:r>
+          </a:p>
+          <a:p>
+            <a:r>
+              <a:rPr lang="en-IN" dirty="0"/>
+              <a:t>	}</a:t>
+            </a:r>
+          </a:p>
+          <a:p>
+            <a:r>
+              <a:rPr lang="en-IN" dirty="0"/>
+              <a:t>	public void </a:t>
+            </a:r>
+            <a:r>
+              <a:rPr lang="en-IN" dirty="0" err="1"/>
+              <a:t>setName</a:t>
+            </a:r>
+            <a:r>
+              <a:rPr lang="en-IN" dirty="0"/>
+              <a:t>(String name) {</a:t>
+            </a:r>
+          </a:p>
+          <a:p>
+            <a:r>
+              <a:rPr lang="en-IN" dirty="0"/>
+              <a:t>		this.name = name;</a:t>
+            </a:r>
+          </a:p>
+          <a:p>
+            <a:r>
+              <a:rPr lang="en-IN" dirty="0"/>
+              <a:t>	}</a:t>
+            </a:r>
+          </a:p>
+          <a:p>
+            <a:r>
+              <a:rPr lang="en-IN" dirty="0"/>
+              <a:t>	public </a:t>
+            </a:r>
+            <a:r>
+              <a:rPr lang="en-IN" dirty="0" err="1"/>
+              <a:t>LocalDate</a:t>
+            </a:r>
+            <a:r>
+              <a:rPr lang="en-IN" dirty="0"/>
+              <a:t> </a:t>
+            </a:r>
+            <a:r>
+              <a:rPr lang="en-IN" dirty="0" err="1"/>
+              <a:t>getDateOfBirth</a:t>
+            </a:r>
+            <a:r>
+              <a:rPr lang="en-IN" dirty="0"/>
+              <a:t>() {</a:t>
+            </a:r>
+          </a:p>
+          <a:p>
+            <a:r>
+              <a:rPr lang="en-IN" dirty="0"/>
+              <a:t>		return </a:t>
+            </a:r>
+            <a:r>
+              <a:rPr lang="en-IN" dirty="0" err="1"/>
+              <a:t>dateOfBirth</a:t>
+            </a:r>
+            <a:r>
+              <a:rPr lang="en-IN" dirty="0"/>
+              <a:t>;</a:t>
+            </a:r>
+          </a:p>
+          <a:p>
+            <a:r>
+              <a:rPr lang="en-IN" dirty="0"/>
+              <a:t>	}</a:t>
+            </a:r>
+          </a:p>
+          <a:p>
+            <a:r>
+              <a:rPr lang="en-IN" dirty="0"/>
+              <a:t>	</a:t>
+            </a:r>
+          </a:p>
+        </p:txBody>
+      </p:sp>
+    </p:spTree>
+    <p:extLst>
+      <p:ext uri="{BB962C8B-B14F-4D97-AF65-F5344CB8AC3E}">
+        <p14:creationId xmlns:p14="http://schemas.microsoft.com/office/powerpoint/2010/main" val="2122319650"/>
       </p:ext>
     </p:extLst>
   </p:cSld>
@@ -9478,6 +14925,3790 @@
     <p:extLst>
       <p:ext uri="{BB962C8B-B14F-4D97-AF65-F5344CB8AC3E}">
         <p14:creationId xmlns:p14="http://schemas.microsoft.com/office/powerpoint/2010/main" val="3425123652"/>
+      </p:ext>
+    </p:extLst>
+  </p:cSld>
+  <p:clrMapOvr>
+    <a:masterClrMapping/>
+  </p:clrMapOvr>
+</p:sld>
+</file>
+
+<file path=ppt/slides/slide40.xml><?xml version="1.0" encoding="utf-8"?>
+<p:sld xmlns:a="http://schemas.openxmlformats.org/drawingml/2006/main" xmlns:r="http://schemas.openxmlformats.org/officeDocument/2006/relationships" xmlns:p="http://schemas.openxmlformats.org/presentationml/2006/main">
+  <p:cSld>
+    <p:spTree>
+      <p:nvGrpSpPr>
+        <p:cNvPr id="1" name=""/>
+        <p:cNvGrpSpPr/>
+        <p:nvPr/>
+      </p:nvGrpSpPr>
+      <p:grpSpPr>
+        <a:xfrm>
+          <a:off x="0" y="0"/>
+          <a:ext cx="0" cy="0"/>
+          <a:chOff x="0" y="0"/>
+          <a:chExt cx="0" cy="0"/>
+        </a:xfrm>
+      </p:grpSpPr>
+      <p:sp>
+        <p:nvSpPr>
+          <p:cNvPr id="2" name="Footer Placeholder 1">
+            <a:extLst>
+              <a:ext uri="{FF2B5EF4-FFF2-40B4-BE49-F238E27FC236}">
+                <a16:creationId xmlns:a16="http://schemas.microsoft.com/office/drawing/2014/main" id="{59B72580-E750-9111-BA9E-95ADB4027706}"/>
+              </a:ext>
+            </a:extLst>
+          </p:cNvPr>
+          <p:cNvSpPr>
+            <a:spLocks noGrp="1"/>
+          </p:cNvSpPr>
+          <p:nvPr>
+            <p:ph type="ftr" sz="quarter" idx="11"/>
+          </p:nvPr>
+        </p:nvSpPr>
+        <p:spPr/>
+        <p:txBody>
+          <a:bodyPr/>
+          <a:lstStyle/>
+          <a:p>
+            <a:r>
+              <a:rPr lang="en-IN"/>
+              <a:t>H&amp;D IT Solution</a:t>
+            </a:r>
+            <a:endParaRPr lang="en-IN" dirty="0"/>
+          </a:p>
+        </p:txBody>
+      </p:sp>
+      <p:sp>
+        <p:nvSpPr>
+          <p:cNvPr id="3" name="Slide Number Placeholder 2">
+            <a:extLst>
+              <a:ext uri="{FF2B5EF4-FFF2-40B4-BE49-F238E27FC236}">
+                <a16:creationId xmlns:a16="http://schemas.microsoft.com/office/drawing/2014/main" id="{9AA809B8-D33F-ACD1-871E-D7F9B58A7D2E}"/>
+              </a:ext>
+            </a:extLst>
+          </p:cNvPr>
+          <p:cNvSpPr>
+            <a:spLocks noGrp="1"/>
+          </p:cNvSpPr>
+          <p:nvPr>
+            <p:ph type="sldNum" sz="quarter" idx="12"/>
+          </p:nvPr>
+        </p:nvSpPr>
+        <p:spPr/>
+        <p:txBody>
+          <a:bodyPr/>
+          <a:lstStyle/>
+          <a:p>
+            <a:fld id="{4A777409-9C5A-4B07-8E32-19F22F7D558C}" type="slidenum">
+              <a:rPr lang="en-IN" smtClean="0"/>
+              <a:t>40</a:t>
+            </a:fld>
+            <a:endParaRPr lang="en-IN" dirty="0"/>
+          </a:p>
+        </p:txBody>
+      </p:sp>
+      <p:sp>
+        <p:nvSpPr>
+          <p:cNvPr id="5" name="TextBox 4">
+            <a:extLst>
+              <a:ext uri="{FF2B5EF4-FFF2-40B4-BE49-F238E27FC236}">
+                <a16:creationId xmlns:a16="http://schemas.microsoft.com/office/drawing/2014/main" id="{ADFA2190-E02D-2BBD-5110-9BE4A0D1A029}"/>
+              </a:ext>
+            </a:extLst>
+          </p:cNvPr>
+          <p:cNvSpPr txBox="1"/>
+          <p:nvPr/>
+        </p:nvSpPr>
+        <p:spPr>
+          <a:xfrm>
+            <a:off x="754143" y="631706"/>
+            <a:ext cx="11437857" cy="6463308"/>
+          </a:xfrm>
+          <a:prstGeom prst="rect">
+            <a:avLst/>
+          </a:prstGeom>
+          <a:noFill/>
+        </p:spPr>
+        <p:txBody>
+          <a:bodyPr wrap="square">
+            <a:spAutoFit/>
+          </a:bodyPr>
+          <a:lstStyle/>
+          <a:p>
+            <a:r>
+              <a:rPr lang="en-IN" dirty="0"/>
+              <a:t>public void </a:t>
+            </a:r>
+            <a:r>
+              <a:rPr lang="en-IN" dirty="0" err="1"/>
+              <a:t>setDateOfBirth</a:t>
+            </a:r>
+            <a:r>
+              <a:rPr lang="en-IN" dirty="0"/>
+              <a:t>(</a:t>
+            </a:r>
+            <a:r>
+              <a:rPr lang="en-IN" dirty="0" err="1"/>
+              <a:t>LocalDate</a:t>
+            </a:r>
+            <a:r>
+              <a:rPr lang="en-IN" dirty="0"/>
+              <a:t> </a:t>
+            </a:r>
+            <a:r>
+              <a:rPr lang="en-IN" dirty="0" err="1"/>
+              <a:t>dateOfBirth</a:t>
+            </a:r>
+            <a:r>
+              <a:rPr lang="en-IN" dirty="0"/>
+              <a:t>) {</a:t>
+            </a:r>
+          </a:p>
+          <a:p>
+            <a:r>
+              <a:rPr lang="en-IN" dirty="0"/>
+              <a:t>		</a:t>
+            </a:r>
+            <a:r>
+              <a:rPr lang="en-IN" dirty="0" err="1"/>
+              <a:t>this.dateOfBirth</a:t>
+            </a:r>
+            <a:r>
+              <a:rPr lang="en-IN" dirty="0"/>
+              <a:t> = </a:t>
+            </a:r>
+            <a:r>
+              <a:rPr lang="en-IN" dirty="0" err="1"/>
+              <a:t>dateOfBirth</a:t>
+            </a:r>
+            <a:r>
+              <a:rPr lang="en-IN" dirty="0"/>
+              <a:t>;</a:t>
+            </a:r>
+          </a:p>
+          <a:p>
+            <a:r>
+              <a:rPr lang="en-IN" dirty="0"/>
+              <a:t>	}</a:t>
+            </a:r>
+          </a:p>
+          <a:p>
+            <a:r>
+              <a:rPr lang="en-IN" dirty="0"/>
+              <a:t>	public </a:t>
+            </a:r>
+            <a:r>
+              <a:rPr lang="en-IN" dirty="0" err="1"/>
+              <a:t>CustomerType</a:t>
+            </a:r>
+            <a:r>
+              <a:rPr lang="en-IN" dirty="0"/>
+              <a:t> </a:t>
+            </a:r>
+            <a:r>
+              <a:rPr lang="en-IN" dirty="0" err="1"/>
+              <a:t>getCustomerType</a:t>
+            </a:r>
+            <a:r>
+              <a:rPr lang="en-IN" dirty="0"/>
+              <a:t>() {</a:t>
+            </a:r>
+          </a:p>
+          <a:p>
+            <a:r>
+              <a:rPr lang="en-IN" dirty="0"/>
+              <a:t>		return </a:t>
+            </a:r>
+            <a:r>
+              <a:rPr lang="en-IN" dirty="0" err="1"/>
+              <a:t>customerType</a:t>
+            </a:r>
+            <a:r>
+              <a:rPr lang="en-IN" dirty="0"/>
+              <a:t>;</a:t>
+            </a:r>
+          </a:p>
+          <a:p>
+            <a:r>
+              <a:rPr lang="en-IN" dirty="0"/>
+              <a:t>	}</a:t>
+            </a:r>
+          </a:p>
+          <a:p>
+            <a:r>
+              <a:rPr lang="en-IN" dirty="0"/>
+              <a:t>	public void </a:t>
+            </a:r>
+            <a:r>
+              <a:rPr lang="en-IN" dirty="0" err="1"/>
+              <a:t>setCustomerType</a:t>
+            </a:r>
+            <a:r>
+              <a:rPr lang="en-IN" dirty="0"/>
+              <a:t>(</a:t>
+            </a:r>
+            <a:r>
+              <a:rPr lang="en-IN" dirty="0" err="1"/>
+              <a:t>CustomerType</a:t>
+            </a:r>
+            <a:r>
+              <a:rPr lang="en-IN" dirty="0"/>
+              <a:t> </a:t>
+            </a:r>
+            <a:r>
+              <a:rPr lang="en-IN" dirty="0" err="1"/>
+              <a:t>customerType</a:t>
+            </a:r>
+            <a:r>
+              <a:rPr lang="en-IN" dirty="0"/>
+              <a:t>) {</a:t>
+            </a:r>
+          </a:p>
+          <a:p>
+            <a:r>
+              <a:rPr lang="en-IN" dirty="0"/>
+              <a:t>		</a:t>
+            </a:r>
+            <a:r>
+              <a:rPr lang="en-IN" dirty="0" err="1"/>
+              <a:t>this.customerType</a:t>
+            </a:r>
+            <a:r>
+              <a:rPr lang="en-IN" dirty="0"/>
+              <a:t> = </a:t>
+            </a:r>
+            <a:r>
+              <a:rPr lang="en-IN" dirty="0" err="1"/>
+              <a:t>customerType</a:t>
+            </a:r>
+            <a:r>
+              <a:rPr lang="en-IN" dirty="0"/>
+              <a:t>;</a:t>
+            </a:r>
+          </a:p>
+          <a:p>
+            <a:r>
+              <a:rPr lang="en-IN" dirty="0"/>
+              <a:t>	}</a:t>
+            </a:r>
+          </a:p>
+          <a:p>
+            <a:r>
+              <a:rPr lang="en-IN" dirty="0"/>
+              <a:t>	@Override</a:t>
+            </a:r>
+          </a:p>
+          <a:p>
+            <a:r>
+              <a:rPr lang="en-IN" dirty="0"/>
+              <a:t>	public String </a:t>
+            </a:r>
+            <a:r>
+              <a:rPr lang="en-IN" dirty="0" err="1"/>
+              <a:t>toString</a:t>
+            </a:r>
+            <a:r>
+              <a:rPr lang="en-IN" dirty="0"/>
+              <a:t>() {</a:t>
+            </a:r>
+          </a:p>
+          <a:p>
+            <a:r>
+              <a:rPr lang="en-IN" dirty="0"/>
+              <a:t>		return "Customer [</a:t>
+            </a:r>
+            <a:r>
+              <a:rPr lang="en-IN" dirty="0" err="1"/>
+              <a:t>customerId</a:t>
+            </a:r>
+            <a:r>
+              <a:rPr lang="en-IN" dirty="0"/>
+              <a:t>=" + </a:t>
+            </a:r>
+            <a:r>
+              <a:rPr lang="en-IN" dirty="0" err="1"/>
+              <a:t>customerId</a:t>
+            </a:r>
+            <a:r>
+              <a:rPr lang="en-IN" dirty="0"/>
+              <a:t> + ", </a:t>
+            </a:r>
+            <a:r>
+              <a:rPr lang="en-IN" dirty="0" err="1"/>
+              <a:t>emailId</a:t>
+            </a:r>
+            <a:r>
+              <a:rPr lang="en-IN" dirty="0"/>
+              <a:t>=" + </a:t>
+            </a:r>
+            <a:r>
+              <a:rPr lang="en-IN" dirty="0" err="1"/>
+              <a:t>emailId</a:t>
+            </a:r>
+            <a:r>
+              <a:rPr lang="en-IN" dirty="0"/>
+              <a:t> + ", name=" + name + ", </a:t>
+            </a:r>
+            <a:r>
+              <a:rPr lang="en-IN" dirty="0" err="1"/>
+              <a:t>dateOfBirth</a:t>
+            </a:r>
+            <a:r>
+              <a:rPr lang="en-IN" dirty="0"/>
+              <a:t>="</a:t>
+            </a:r>
+          </a:p>
+          <a:p>
+            <a:r>
+              <a:rPr lang="en-IN" dirty="0"/>
+              <a:t>				+ </a:t>
+            </a:r>
+            <a:r>
+              <a:rPr lang="en-IN" dirty="0" err="1"/>
+              <a:t>dateOfBirth</a:t>
+            </a:r>
+            <a:r>
+              <a:rPr lang="en-IN" dirty="0"/>
+              <a:t> + ", </a:t>
+            </a:r>
+            <a:r>
+              <a:rPr lang="en-IN" dirty="0" err="1"/>
+              <a:t>customerType</a:t>
+            </a:r>
+            <a:r>
+              <a:rPr lang="en-IN" dirty="0"/>
+              <a:t>=" + </a:t>
+            </a:r>
+            <a:r>
+              <a:rPr lang="en-IN" dirty="0" err="1"/>
+              <a:t>customerType</a:t>
+            </a:r>
+            <a:r>
+              <a:rPr lang="en-IN" dirty="0"/>
+              <a:t> + "]";</a:t>
+            </a:r>
+          </a:p>
+          <a:p>
+            <a:r>
+              <a:rPr lang="en-IN" dirty="0"/>
+              <a:t>	}</a:t>
+            </a:r>
+          </a:p>
+          <a:p>
+            <a:r>
+              <a:rPr lang="en-IN" dirty="0"/>
+              <a:t>	@Override</a:t>
+            </a:r>
+          </a:p>
+          <a:p>
+            <a:r>
+              <a:rPr lang="en-IN" dirty="0"/>
+              <a:t>	public int </a:t>
+            </a:r>
+            <a:r>
+              <a:rPr lang="en-IN" dirty="0" err="1"/>
+              <a:t>hashCode</a:t>
+            </a:r>
+            <a:r>
+              <a:rPr lang="en-IN" dirty="0"/>
+              <a:t>() {</a:t>
+            </a:r>
+          </a:p>
+          <a:p>
+            <a:r>
+              <a:rPr lang="en-IN" dirty="0"/>
+              <a:t>		final int prime = 31;</a:t>
+            </a:r>
+          </a:p>
+          <a:p>
+            <a:r>
+              <a:rPr lang="en-IN" dirty="0"/>
+              <a:t>		int result = 1;</a:t>
+            </a:r>
+          </a:p>
+          <a:p>
+            <a:r>
+              <a:rPr lang="en-IN" dirty="0"/>
+              <a:t>		result = prime * result + ((</a:t>
+            </a:r>
+            <a:r>
+              <a:rPr lang="en-IN" dirty="0" err="1"/>
+              <a:t>this.getCustomerId</a:t>
+            </a:r>
+            <a:r>
+              <a:rPr lang="en-IN" dirty="0"/>
+              <a:t>() == null) ? 0 : </a:t>
+            </a:r>
+            <a:r>
+              <a:rPr lang="en-IN" dirty="0" err="1"/>
+              <a:t>this.getCustomerId</a:t>
+            </a:r>
+            <a:r>
+              <a:rPr lang="en-IN" dirty="0"/>
+              <a:t>().</a:t>
+            </a:r>
+            <a:r>
+              <a:rPr lang="en-IN" dirty="0" err="1"/>
+              <a:t>hashCode</a:t>
+            </a:r>
+            <a:r>
+              <a:rPr lang="en-IN" dirty="0"/>
+              <a:t>());</a:t>
+            </a:r>
+          </a:p>
+          <a:p>
+            <a:r>
+              <a:rPr lang="en-IN" dirty="0"/>
+              <a:t>		return result;</a:t>
+            </a:r>
+          </a:p>
+          <a:p>
+            <a:r>
+              <a:rPr lang="en-IN" dirty="0"/>
+              <a:t>	}</a:t>
+            </a:r>
+          </a:p>
+          <a:p>
+            <a:r>
+              <a:rPr lang="en-IN" dirty="0"/>
+              <a:t>	</a:t>
+            </a:r>
+          </a:p>
+        </p:txBody>
+      </p:sp>
+    </p:spTree>
+    <p:extLst>
+      <p:ext uri="{BB962C8B-B14F-4D97-AF65-F5344CB8AC3E}">
+        <p14:creationId xmlns:p14="http://schemas.microsoft.com/office/powerpoint/2010/main" val="1509044765"/>
+      </p:ext>
+    </p:extLst>
+  </p:cSld>
+  <p:clrMapOvr>
+    <a:masterClrMapping/>
+  </p:clrMapOvr>
+</p:sld>
+</file>
+
+<file path=ppt/slides/slide41.xml><?xml version="1.0" encoding="utf-8"?>
+<p:sld xmlns:a="http://schemas.openxmlformats.org/drawingml/2006/main" xmlns:r="http://schemas.openxmlformats.org/officeDocument/2006/relationships" xmlns:p="http://schemas.openxmlformats.org/presentationml/2006/main">
+  <p:cSld>
+    <p:spTree>
+      <p:nvGrpSpPr>
+        <p:cNvPr id="1" name=""/>
+        <p:cNvGrpSpPr/>
+        <p:nvPr/>
+      </p:nvGrpSpPr>
+      <p:grpSpPr>
+        <a:xfrm>
+          <a:off x="0" y="0"/>
+          <a:ext cx="0" cy="0"/>
+          <a:chOff x="0" y="0"/>
+          <a:chExt cx="0" cy="0"/>
+        </a:xfrm>
+      </p:grpSpPr>
+      <p:sp>
+        <p:nvSpPr>
+          <p:cNvPr id="2" name="Footer Placeholder 1">
+            <a:extLst>
+              <a:ext uri="{FF2B5EF4-FFF2-40B4-BE49-F238E27FC236}">
+                <a16:creationId xmlns:a16="http://schemas.microsoft.com/office/drawing/2014/main" id="{F0A79510-E9ED-9D0D-E94B-17E59E8BBC9C}"/>
+              </a:ext>
+            </a:extLst>
+          </p:cNvPr>
+          <p:cNvSpPr>
+            <a:spLocks noGrp="1"/>
+          </p:cNvSpPr>
+          <p:nvPr>
+            <p:ph type="ftr" sz="quarter" idx="11"/>
+          </p:nvPr>
+        </p:nvSpPr>
+        <p:spPr/>
+        <p:txBody>
+          <a:bodyPr/>
+          <a:lstStyle/>
+          <a:p>
+            <a:r>
+              <a:rPr lang="en-IN"/>
+              <a:t>H&amp;D IT Solution</a:t>
+            </a:r>
+            <a:endParaRPr lang="en-IN" dirty="0"/>
+          </a:p>
+        </p:txBody>
+      </p:sp>
+      <p:sp>
+        <p:nvSpPr>
+          <p:cNvPr id="3" name="Slide Number Placeholder 2">
+            <a:extLst>
+              <a:ext uri="{FF2B5EF4-FFF2-40B4-BE49-F238E27FC236}">
+                <a16:creationId xmlns:a16="http://schemas.microsoft.com/office/drawing/2014/main" id="{DCD5C63F-AD23-7CC0-B79F-B63A20134A7F}"/>
+              </a:ext>
+            </a:extLst>
+          </p:cNvPr>
+          <p:cNvSpPr>
+            <a:spLocks noGrp="1"/>
+          </p:cNvSpPr>
+          <p:nvPr>
+            <p:ph type="sldNum" sz="quarter" idx="12"/>
+          </p:nvPr>
+        </p:nvSpPr>
+        <p:spPr/>
+        <p:txBody>
+          <a:bodyPr/>
+          <a:lstStyle/>
+          <a:p>
+            <a:fld id="{4A777409-9C5A-4B07-8E32-19F22F7D558C}" type="slidenum">
+              <a:rPr lang="en-IN" smtClean="0"/>
+              <a:t>41</a:t>
+            </a:fld>
+            <a:endParaRPr lang="en-IN" dirty="0"/>
+          </a:p>
+        </p:txBody>
+      </p:sp>
+      <p:sp>
+        <p:nvSpPr>
+          <p:cNvPr id="5" name="TextBox 4">
+            <a:extLst>
+              <a:ext uri="{FF2B5EF4-FFF2-40B4-BE49-F238E27FC236}">
+                <a16:creationId xmlns:a16="http://schemas.microsoft.com/office/drawing/2014/main" id="{D97D5301-6ECB-948F-AAA1-3505480F104C}"/>
+              </a:ext>
+            </a:extLst>
+          </p:cNvPr>
+          <p:cNvSpPr txBox="1"/>
+          <p:nvPr/>
+        </p:nvSpPr>
+        <p:spPr>
+          <a:xfrm>
+            <a:off x="760428" y="724039"/>
+            <a:ext cx="11013649" cy="5355312"/>
+          </a:xfrm>
+          <a:prstGeom prst="rect">
+            <a:avLst/>
+          </a:prstGeom>
+          <a:noFill/>
+        </p:spPr>
+        <p:txBody>
+          <a:bodyPr wrap="square">
+            <a:spAutoFit/>
+          </a:bodyPr>
+          <a:lstStyle/>
+          <a:p>
+            <a:r>
+              <a:rPr lang="en-IN" dirty="0"/>
+              <a:t>@Override</a:t>
+            </a:r>
+          </a:p>
+          <a:p>
+            <a:r>
+              <a:rPr lang="en-IN" dirty="0"/>
+              <a:t>	public </a:t>
+            </a:r>
+            <a:r>
+              <a:rPr lang="en-IN" dirty="0" err="1"/>
+              <a:t>boolean</a:t>
+            </a:r>
+            <a:r>
+              <a:rPr lang="en-IN" dirty="0"/>
+              <a:t> equals(Object </a:t>
+            </a:r>
+            <a:r>
+              <a:rPr lang="en-IN" dirty="0" err="1"/>
+              <a:t>obj</a:t>
+            </a:r>
+            <a:r>
+              <a:rPr lang="en-IN" dirty="0"/>
+              <a:t>) {</a:t>
+            </a:r>
+          </a:p>
+          <a:p>
+            <a:r>
+              <a:rPr lang="en-IN" dirty="0"/>
+              <a:t>		if (this == </a:t>
+            </a:r>
+            <a:r>
+              <a:rPr lang="en-IN" dirty="0" err="1"/>
+              <a:t>obj</a:t>
+            </a:r>
+            <a:r>
+              <a:rPr lang="en-IN" dirty="0"/>
+              <a:t>)</a:t>
+            </a:r>
+          </a:p>
+          <a:p>
+            <a:r>
+              <a:rPr lang="en-IN" dirty="0"/>
+              <a:t>			return true;</a:t>
+            </a:r>
+          </a:p>
+          <a:p>
+            <a:r>
+              <a:rPr lang="en-IN" dirty="0"/>
+              <a:t>		if (</a:t>
+            </a:r>
+            <a:r>
+              <a:rPr lang="en-IN" dirty="0" err="1"/>
+              <a:t>obj</a:t>
+            </a:r>
+            <a:r>
+              <a:rPr lang="en-IN" dirty="0"/>
+              <a:t> == null)</a:t>
+            </a:r>
+          </a:p>
+          <a:p>
+            <a:r>
+              <a:rPr lang="en-IN" dirty="0"/>
+              <a:t>			return false;</a:t>
+            </a:r>
+          </a:p>
+          <a:p>
+            <a:r>
+              <a:rPr lang="en-IN" dirty="0"/>
+              <a:t>		if (</a:t>
+            </a:r>
+            <a:r>
+              <a:rPr lang="en-IN" dirty="0" err="1"/>
+              <a:t>getClass</a:t>
+            </a:r>
+            <a:r>
+              <a:rPr lang="en-IN" dirty="0"/>
+              <a:t>() != </a:t>
+            </a:r>
+            <a:r>
+              <a:rPr lang="en-IN" dirty="0" err="1"/>
+              <a:t>obj.getClass</a:t>
+            </a:r>
+            <a:r>
+              <a:rPr lang="en-IN" dirty="0"/>
+              <a:t>())</a:t>
+            </a:r>
+          </a:p>
+          <a:p>
+            <a:r>
+              <a:rPr lang="en-IN" dirty="0"/>
+              <a:t>			return false;</a:t>
+            </a:r>
+          </a:p>
+          <a:p>
+            <a:r>
+              <a:rPr lang="en-IN" dirty="0"/>
+              <a:t>		Customer other = (Customer) </a:t>
+            </a:r>
+            <a:r>
+              <a:rPr lang="en-IN" dirty="0" err="1"/>
+              <a:t>obj</a:t>
+            </a:r>
+            <a:r>
+              <a:rPr lang="en-IN" dirty="0"/>
+              <a:t>;</a:t>
+            </a:r>
+          </a:p>
+          <a:p>
+            <a:r>
+              <a:rPr lang="en-IN" dirty="0"/>
+              <a:t>		if (</a:t>
+            </a:r>
+            <a:r>
+              <a:rPr lang="en-IN" dirty="0" err="1"/>
+              <a:t>this.getCustomerId</a:t>
+            </a:r>
+            <a:r>
+              <a:rPr lang="en-IN" dirty="0"/>
+              <a:t>() == null) {</a:t>
+            </a:r>
+          </a:p>
+          <a:p>
+            <a:r>
+              <a:rPr lang="en-IN" dirty="0"/>
+              <a:t>			if (</a:t>
+            </a:r>
+            <a:r>
+              <a:rPr lang="en-IN" dirty="0" err="1"/>
+              <a:t>other.getCustomerId</a:t>
+            </a:r>
+            <a:r>
+              <a:rPr lang="en-IN" dirty="0"/>
+              <a:t>() != null)</a:t>
+            </a:r>
+          </a:p>
+          <a:p>
+            <a:r>
+              <a:rPr lang="en-IN" dirty="0"/>
+              <a:t>				return false;</a:t>
+            </a:r>
+          </a:p>
+          <a:p>
+            <a:r>
+              <a:rPr lang="en-IN" dirty="0"/>
+              <a:t>		} </a:t>
+            </a:r>
+          </a:p>
+          <a:p>
+            <a:r>
+              <a:rPr lang="en-IN" dirty="0"/>
+              <a:t>		else if (!</a:t>
+            </a:r>
+            <a:r>
+              <a:rPr lang="en-IN" dirty="0" err="1"/>
+              <a:t>this.getCustomerId</a:t>
+            </a:r>
+            <a:r>
+              <a:rPr lang="en-IN" dirty="0"/>
+              <a:t>().equals(</a:t>
+            </a:r>
+            <a:r>
+              <a:rPr lang="en-IN" dirty="0" err="1"/>
+              <a:t>other.getCustomerId</a:t>
+            </a:r>
+            <a:r>
+              <a:rPr lang="en-IN" dirty="0"/>
+              <a:t>()))</a:t>
+            </a:r>
+          </a:p>
+          <a:p>
+            <a:r>
+              <a:rPr lang="en-IN" dirty="0"/>
+              <a:t>			return false;</a:t>
+            </a:r>
+          </a:p>
+          <a:p>
+            <a:r>
+              <a:rPr lang="en-IN" dirty="0"/>
+              <a:t>		return true;</a:t>
+            </a:r>
+          </a:p>
+          <a:p>
+            <a:r>
+              <a:rPr lang="en-IN" dirty="0"/>
+              <a:t>	}</a:t>
+            </a:r>
+          </a:p>
+          <a:p>
+            <a:r>
+              <a:rPr lang="en-IN" dirty="0"/>
+              <a:t> 	</a:t>
+            </a:r>
+          </a:p>
+          <a:p>
+            <a:r>
+              <a:rPr lang="en-IN" dirty="0"/>
+              <a:t>}</a:t>
+            </a:r>
+          </a:p>
+        </p:txBody>
+      </p:sp>
+    </p:spTree>
+    <p:extLst>
+      <p:ext uri="{BB962C8B-B14F-4D97-AF65-F5344CB8AC3E}">
+        <p14:creationId xmlns:p14="http://schemas.microsoft.com/office/powerpoint/2010/main" val="3483162884"/>
+      </p:ext>
+    </p:extLst>
+  </p:cSld>
+  <p:clrMapOvr>
+    <a:masterClrMapping/>
+  </p:clrMapOvr>
+</p:sld>
+</file>
+
+<file path=ppt/slides/slide42.xml><?xml version="1.0" encoding="utf-8"?>
+<p:sld xmlns:a="http://schemas.openxmlformats.org/drawingml/2006/main" xmlns:r="http://schemas.openxmlformats.org/officeDocument/2006/relationships" xmlns:p="http://schemas.openxmlformats.org/presentationml/2006/main">
+  <p:cSld>
+    <p:spTree>
+      <p:nvGrpSpPr>
+        <p:cNvPr id="1" name=""/>
+        <p:cNvGrpSpPr/>
+        <p:nvPr/>
+      </p:nvGrpSpPr>
+      <p:grpSpPr>
+        <a:xfrm>
+          <a:off x="0" y="0"/>
+          <a:ext cx="0" cy="0"/>
+          <a:chOff x="0" y="0"/>
+          <a:chExt cx="0" cy="0"/>
+        </a:xfrm>
+      </p:grpSpPr>
+      <p:sp>
+        <p:nvSpPr>
+          <p:cNvPr id="2" name="Footer Placeholder 1">
+            <a:extLst>
+              <a:ext uri="{FF2B5EF4-FFF2-40B4-BE49-F238E27FC236}">
+                <a16:creationId xmlns:a16="http://schemas.microsoft.com/office/drawing/2014/main" id="{AD4A4662-7118-D8DC-EE0A-E066F6B03142}"/>
+              </a:ext>
+            </a:extLst>
+          </p:cNvPr>
+          <p:cNvSpPr>
+            <a:spLocks noGrp="1"/>
+          </p:cNvSpPr>
+          <p:nvPr>
+            <p:ph type="ftr" sz="quarter" idx="11"/>
+          </p:nvPr>
+        </p:nvSpPr>
+        <p:spPr/>
+        <p:txBody>
+          <a:bodyPr/>
+          <a:lstStyle/>
+          <a:p>
+            <a:r>
+              <a:rPr lang="en-IN"/>
+              <a:t>H&amp;D IT Solution</a:t>
+            </a:r>
+            <a:endParaRPr lang="en-IN" dirty="0"/>
+          </a:p>
+        </p:txBody>
+      </p:sp>
+      <p:sp>
+        <p:nvSpPr>
+          <p:cNvPr id="3" name="Slide Number Placeholder 2">
+            <a:extLst>
+              <a:ext uri="{FF2B5EF4-FFF2-40B4-BE49-F238E27FC236}">
+                <a16:creationId xmlns:a16="http://schemas.microsoft.com/office/drawing/2014/main" id="{D969B08A-0CB5-40A2-4996-E8850D905FA9}"/>
+              </a:ext>
+            </a:extLst>
+          </p:cNvPr>
+          <p:cNvSpPr>
+            <a:spLocks noGrp="1"/>
+          </p:cNvSpPr>
+          <p:nvPr>
+            <p:ph type="sldNum" sz="quarter" idx="12"/>
+          </p:nvPr>
+        </p:nvSpPr>
+        <p:spPr/>
+        <p:txBody>
+          <a:bodyPr/>
+          <a:lstStyle/>
+          <a:p>
+            <a:fld id="{4A777409-9C5A-4B07-8E32-19F22F7D558C}" type="slidenum">
+              <a:rPr lang="en-IN" smtClean="0"/>
+              <a:t>42</a:t>
+            </a:fld>
+            <a:endParaRPr lang="en-IN" dirty="0"/>
+          </a:p>
+        </p:txBody>
+      </p:sp>
+      <p:sp>
+        <p:nvSpPr>
+          <p:cNvPr id="5" name="TextBox 4">
+            <a:extLst>
+              <a:ext uri="{FF2B5EF4-FFF2-40B4-BE49-F238E27FC236}">
+                <a16:creationId xmlns:a16="http://schemas.microsoft.com/office/drawing/2014/main" id="{33370C11-8DD7-5599-E659-8A2E6A62BF05}"/>
+              </a:ext>
+            </a:extLst>
+          </p:cNvPr>
+          <p:cNvSpPr txBox="1"/>
+          <p:nvPr/>
+        </p:nvSpPr>
+        <p:spPr>
+          <a:xfrm>
+            <a:off x="598601" y="696393"/>
+            <a:ext cx="10920953" cy="1938992"/>
+          </a:xfrm>
+          <a:prstGeom prst="rect">
+            <a:avLst/>
+          </a:prstGeom>
+          <a:noFill/>
+        </p:spPr>
+        <p:txBody>
+          <a:bodyPr wrap="square">
+            <a:spAutoFit/>
+          </a:bodyPr>
+          <a:lstStyle/>
+          <a:p>
+            <a:r>
+              <a:rPr lang="en-US" sz="2000" dirty="0">
+                <a:solidFill>
+                  <a:schemeClr val="tx1">
+                    <a:lumMod val="65000"/>
+                    <a:lumOff val="35000"/>
+                  </a:schemeClr>
+                </a:solidFill>
+                <a:effectLst/>
+              </a:rPr>
+              <a:t>Note: Spring Boot uses </a:t>
+            </a:r>
+            <a:r>
+              <a:rPr lang="en-US" sz="2000" dirty="0" err="1">
+                <a:solidFill>
+                  <a:schemeClr val="tx1">
+                    <a:lumMod val="65000"/>
+                    <a:lumOff val="35000"/>
+                  </a:schemeClr>
+                </a:solidFill>
+                <a:effectLst/>
+              </a:rPr>
+              <a:t>SpringPhysicalNamingStrategy</a:t>
+            </a:r>
+            <a:r>
+              <a:rPr lang="en-US" sz="2000" dirty="0">
+                <a:solidFill>
+                  <a:schemeClr val="tx1">
+                    <a:lumMod val="65000"/>
+                    <a:lumOff val="35000"/>
+                  </a:schemeClr>
+                </a:solidFill>
+                <a:effectLst/>
+              </a:rPr>
+              <a:t> for physical naming. So while naming, camel casing is replaced by underscores and all table names are generated in lower case. So in the above entity class, @Column is not used for </a:t>
+            </a:r>
+            <a:r>
+              <a:rPr lang="en-US" sz="2000" dirty="0" err="1">
+                <a:solidFill>
+                  <a:schemeClr val="tx1">
+                    <a:lumMod val="65000"/>
+                    <a:lumOff val="35000"/>
+                  </a:schemeClr>
+                </a:solidFill>
+                <a:effectLst/>
+              </a:rPr>
+              <a:t>customerId</a:t>
+            </a:r>
+            <a:r>
+              <a:rPr lang="en-US" sz="2000" dirty="0">
+                <a:solidFill>
+                  <a:schemeClr val="tx1">
+                    <a:lumMod val="65000"/>
+                    <a:lumOff val="35000"/>
+                  </a:schemeClr>
+                </a:solidFill>
+                <a:effectLst/>
+              </a:rPr>
+              <a:t> because it will by default be mapped to </a:t>
+            </a:r>
+            <a:r>
+              <a:rPr lang="en-US" sz="2000" dirty="0" err="1">
+                <a:solidFill>
+                  <a:schemeClr val="tx1">
+                    <a:lumMod val="65000"/>
+                    <a:lumOff val="35000"/>
+                  </a:schemeClr>
+                </a:solidFill>
+                <a:effectLst/>
+              </a:rPr>
+              <a:t>customer_id</a:t>
+            </a:r>
+            <a:r>
+              <a:rPr lang="en-US" sz="2000" dirty="0">
+                <a:solidFill>
+                  <a:schemeClr val="tx1">
+                    <a:lumMod val="65000"/>
+                    <a:lumOff val="35000"/>
+                  </a:schemeClr>
+                </a:solidFill>
+                <a:effectLst/>
+              </a:rPr>
+              <a:t> column. Similarly, @Column is not used for  </a:t>
+            </a:r>
+            <a:r>
+              <a:rPr lang="en-US" sz="2000" dirty="0" err="1">
+                <a:solidFill>
+                  <a:schemeClr val="tx1">
+                    <a:lumMod val="65000"/>
+                    <a:lumOff val="35000"/>
+                  </a:schemeClr>
+                </a:solidFill>
+                <a:effectLst/>
+              </a:rPr>
+              <a:t>emailId</a:t>
+            </a:r>
+            <a:r>
+              <a:rPr lang="en-US" sz="2000" dirty="0">
+                <a:solidFill>
+                  <a:schemeClr val="tx1">
+                    <a:lumMod val="65000"/>
+                    <a:lumOff val="35000"/>
+                  </a:schemeClr>
+                </a:solidFill>
+                <a:effectLst/>
+              </a:rPr>
+              <a:t> and </a:t>
+            </a:r>
+            <a:r>
+              <a:rPr lang="en-US" sz="2000" dirty="0" err="1">
+                <a:solidFill>
+                  <a:schemeClr val="tx1">
+                    <a:lumMod val="65000"/>
+                    <a:lumOff val="35000"/>
+                  </a:schemeClr>
+                </a:solidFill>
+                <a:effectLst/>
+              </a:rPr>
+              <a:t>dateOfBirth</a:t>
+            </a:r>
+            <a:r>
+              <a:rPr lang="en-US" sz="2000" dirty="0">
+                <a:solidFill>
+                  <a:schemeClr val="tx1">
+                    <a:lumMod val="65000"/>
+                    <a:lumOff val="35000"/>
+                  </a:schemeClr>
+                </a:solidFill>
+                <a:effectLst/>
+              </a:rPr>
+              <a:t> attributes.</a:t>
+            </a:r>
+          </a:p>
+          <a:p>
+            <a:endParaRPr lang="en-US" sz="2000" dirty="0">
+              <a:solidFill>
+                <a:schemeClr val="tx1">
+                  <a:lumMod val="65000"/>
+                  <a:lumOff val="35000"/>
+                </a:schemeClr>
+              </a:solidFill>
+              <a:effectLst/>
+            </a:endParaRPr>
+          </a:p>
+          <a:p>
+            <a:r>
+              <a:rPr lang="en-US" sz="2000" b="1" dirty="0">
+                <a:solidFill>
+                  <a:schemeClr val="tx1">
+                    <a:lumMod val="65000"/>
+                    <a:lumOff val="35000"/>
+                  </a:schemeClr>
+                </a:solidFill>
+                <a:effectLst/>
+              </a:rPr>
+              <a:t>Step 6:</a:t>
+            </a:r>
+            <a:r>
+              <a:rPr lang="en-US" sz="2000" dirty="0">
+                <a:solidFill>
+                  <a:schemeClr val="tx1">
+                    <a:lumMod val="65000"/>
+                    <a:lumOff val="35000"/>
+                  </a:schemeClr>
+                </a:solidFill>
+                <a:effectLst/>
+              </a:rPr>
+              <a:t> Create an </a:t>
+            </a:r>
+            <a:r>
+              <a:rPr lang="en-US" sz="2000" dirty="0" err="1">
+                <a:solidFill>
+                  <a:schemeClr val="tx1">
+                    <a:lumMod val="65000"/>
+                    <a:lumOff val="35000"/>
+                  </a:schemeClr>
+                </a:solidFill>
+                <a:effectLst/>
+              </a:rPr>
+              <a:t>hndBankException</a:t>
+            </a:r>
+            <a:r>
+              <a:rPr lang="en-US" sz="2000" dirty="0">
+                <a:solidFill>
+                  <a:schemeClr val="tx1">
+                    <a:lumMod val="65000"/>
+                    <a:lumOff val="35000"/>
+                  </a:schemeClr>
+                </a:solidFill>
+                <a:effectLst/>
+              </a:rPr>
+              <a:t> class in </a:t>
+            </a:r>
+            <a:r>
+              <a:rPr lang="en-US" sz="2000" dirty="0" err="1">
+                <a:solidFill>
+                  <a:schemeClr val="tx1">
+                    <a:lumMod val="65000"/>
+                    <a:lumOff val="35000"/>
+                  </a:schemeClr>
+                </a:solidFill>
+                <a:effectLst/>
+              </a:rPr>
+              <a:t>com.hnd.exception</a:t>
+            </a:r>
+            <a:r>
+              <a:rPr lang="en-US" sz="2000" dirty="0">
+                <a:solidFill>
+                  <a:schemeClr val="tx1">
+                    <a:lumMod val="65000"/>
+                    <a:lumOff val="35000"/>
+                  </a:schemeClr>
+                </a:solidFill>
+                <a:effectLst/>
+              </a:rPr>
+              <a:t> package:</a:t>
+            </a:r>
+          </a:p>
+        </p:txBody>
+      </p:sp>
+      <p:sp>
+        <p:nvSpPr>
+          <p:cNvPr id="7" name="TextBox 6">
+            <a:extLst>
+              <a:ext uri="{FF2B5EF4-FFF2-40B4-BE49-F238E27FC236}">
+                <a16:creationId xmlns:a16="http://schemas.microsoft.com/office/drawing/2014/main" id="{7F51424C-E02D-B1E6-377A-E0E677B9C589}"/>
+              </a:ext>
+            </a:extLst>
+          </p:cNvPr>
+          <p:cNvSpPr txBox="1"/>
+          <p:nvPr/>
+        </p:nvSpPr>
+        <p:spPr>
+          <a:xfrm>
+            <a:off x="598601" y="2915315"/>
+            <a:ext cx="10920952" cy="1754326"/>
+          </a:xfrm>
+          <a:prstGeom prst="rect">
+            <a:avLst/>
+          </a:prstGeom>
+          <a:noFill/>
+        </p:spPr>
+        <p:txBody>
+          <a:bodyPr wrap="square">
+            <a:spAutoFit/>
+          </a:bodyPr>
+          <a:lstStyle/>
+          <a:p>
+            <a:r>
+              <a:rPr lang="en-IN" dirty="0"/>
+              <a:t>package </a:t>
+            </a:r>
+            <a:r>
+              <a:rPr lang="en-IN" dirty="0" err="1"/>
+              <a:t>com.hnd.exception</a:t>
+            </a:r>
+            <a:r>
+              <a:rPr lang="en-IN" dirty="0"/>
+              <a:t>;</a:t>
+            </a:r>
+          </a:p>
+          <a:p>
+            <a:r>
+              <a:rPr lang="en-IN" dirty="0"/>
+              <a:t>public class </a:t>
+            </a:r>
+            <a:r>
+              <a:rPr lang="en-IN" dirty="0" err="1"/>
+              <a:t>hndBankException</a:t>
+            </a:r>
+            <a:r>
+              <a:rPr lang="en-IN" dirty="0"/>
+              <a:t> extends Exception {</a:t>
+            </a:r>
+          </a:p>
+          <a:p>
+            <a:r>
+              <a:rPr lang="en-IN" dirty="0"/>
+              <a:t>		public </a:t>
+            </a:r>
+            <a:r>
+              <a:rPr lang="en-IN" dirty="0" err="1"/>
+              <a:t>hndBankException</a:t>
+            </a:r>
+            <a:r>
+              <a:rPr lang="en-IN" dirty="0"/>
+              <a:t>(String message) {</a:t>
+            </a:r>
+          </a:p>
+          <a:p>
+            <a:r>
+              <a:rPr lang="en-IN" dirty="0"/>
+              <a:t>		super(message);</a:t>
+            </a:r>
+          </a:p>
+          <a:p>
+            <a:r>
+              <a:rPr lang="en-IN" dirty="0"/>
+              <a:t>	}</a:t>
+            </a:r>
+          </a:p>
+          <a:p>
+            <a:r>
+              <a:rPr lang="en-IN" dirty="0"/>
+              <a:t>}</a:t>
+            </a:r>
+          </a:p>
+        </p:txBody>
+      </p:sp>
+      <p:sp>
+        <p:nvSpPr>
+          <p:cNvPr id="9" name="TextBox 8">
+            <a:extLst>
+              <a:ext uri="{FF2B5EF4-FFF2-40B4-BE49-F238E27FC236}">
+                <a16:creationId xmlns:a16="http://schemas.microsoft.com/office/drawing/2014/main" id="{FE130A19-A03D-A559-D136-8BE39873C51A}"/>
+              </a:ext>
+            </a:extLst>
+          </p:cNvPr>
+          <p:cNvSpPr txBox="1"/>
+          <p:nvPr/>
+        </p:nvSpPr>
+        <p:spPr>
+          <a:xfrm>
+            <a:off x="683442" y="5226570"/>
+            <a:ext cx="11222611" cy="400110"/>
+          </a:xfrm>
+          <a:prstGeom prst="rect">
+            <a:avLst/>
+          </a:prstGeom>
+          <a:noFill/>
+        </p:spPr>
+        <p:txBody>
+          <a:bodyPr wrap="square">
+            <a:spAutoFit/>
+          </a:bodyPr>
+          <a:lstStyle/>
+          <a:p>
+            <a:r>
+              <a:rPr lang="en-US" sz="2000" b="1" dirty="0">
+                <a:solidFill>
+                  <a:schemeClr val="tx1">
+                    <a:lumMod val="65000"/>
+                    <a:lumOff val="35000"/>
+                  </a:schemeClr>
+                </a:solidFill>
+              </a:rPr>
+              <a:t>Step 7:</a:t>
+            </a:r>
+            <a:r>
+              <a:rPr lang="en-US" sz="2000" dirty="0">
+                <a:solidFill>
+                  <a:schemeClr val="tx1">
+                    <a:lumMod val="65000"/>
+                    <a:lumOff val="35000"/>
+                  </a:schemeClr>
+                </a:solidFill>
+              </a:rPr>
+              <a:t> Create the </a:t>
+            </a:r>
+            <a:r>
+              <a:rPr lang="en-US" sz="2000" dirty="0" err="1">
+                <a:solidFill>
+                  <a:schemeClr val="tx1">
+                    <a:lumMod val="65000"/>
+                    <a:lumOff val="35000"/>
+                  </a:schemeClr>
+                </a:solidFill>
+              </a:rPr>
+              <a:t>LoggingAspect</a:t>
+            </a:r>
+            <a:r>
+              <a:rPr lang="en-US" sz="2000" dirty="0">
+                <a:solidFill>
+                  <a:schemeClr val="tx1">
+                    <a:lumMod val="65000"/>
+                    <a:lumOff val="35000"/>
+                  </a:schemeClr>
+                </a:solidFill>
+              </a:rPr>
+              <a:t> class in </a:t>
+            </a:r>
+            <a:r>
+              <a:rPr lang="en-US" sz="2000" dirty="0" err="1">
+                <a:solidFill>
+                  <a:schemeClr val="tx1">
+                    <a:lumMod val="65000"/>
+                    <a:lumOff val="35000"/>
+                  </a:schemeClr>
+                </a:solidFill>
+              </a:rPr>
+              <a:t>com.hnd.utility</a:t>
+            </a:r>
+            <a:r>
+              <a:rPr lang="en-US" sz="2000" dirty="0">
+                <a:solidFill>
+                  <a:schemeClr val="tx1">
+                    <a:lumMod val="65000"/>
+                    <a:lumOff val="35000"/>
+                  </a:schemeClr>
+                </a:solidFill>
+              </a:rPr>
+              <a:t> package as shown below:</a:t>
+            </a:r>
+            <a:endParaRPr lang="en-IN" sz="2000" dirty="0">
+              <a:solidFill>
+                <a:schemeClr val="tx1">
+                  <a:lumMod val="65000"/>
+                  <a:lumOff val="35000"/>
+                </a:schemeClr>
+              </a:solidFill>
+            </a:endParaRPr>
+          </a:p>
+        </p:txBody>
+      </p:sp>
+    </p:spTree>
+    <p:extLst>
+      <p:ext uri="{BB962C8B-B14F-4D97-AF65-F5344CB8AC3E}">
+        <p14:creationId xmlns:p14="http://schemas.microsoft.com/office/powerpoint/2010/main" val="2916202694"/>
+      </p:ext>
+    </p:extLst>
+  </p:cSld>
+  <p:clrMapOvr>
+    <a:masterClrMapping/>
+  </p:clrMapOvr>
+</p:sld>
+</file>
+
+<file path=ppt/slides/slide43.xml><?xml version="1.0" encoding="utf-8"?>
+<p:sld xmlns:a="http://schemas.openxmlformats.org/drawingml/2006/main" xmlns:r="http://schemas.openxmlformats.org/officeDocument/2006/relationships" xmlns:p="http://schemas.openxmlformats.org/presentationml/2006/main">
+  <p:cSld>
+    <p:spTree>
+      <p:nvGrpSpPr>
+        <p:cNvPr id="1" name=""/>
+        <p:cNvGrpSpPr/>
+        <p:nvPr/>
+      </p:nvGrpSpPr>
+      <p:grpSpPr>
+        <a:xfrm>
+          <a:off x="0" y="0"/>
+          <a:ext cx="0" cy="0"/>
+          <a:chOff x="0" y="0"/>
+          <a:chExt cx="0" cy="0"/>
+        </a:xfrm>
+      </p:grpSpPr>
+      <p:sp>
+        <p:nvSpPr>
+          <p:cNvPr id="2" name="Footer Placeholder 1">
+            <a:extLst>
+              <a:ext uri="{FF2B5EF4-FFF2-40B4-BE49-F238E27FC236}">
+                <a16:creationId xmlns:a16="http://schemas.microsoft.com/office/drawing/2014/main" id="{109A43DE-3CCA-7228-FF6B-BA9F3333FFA1}"/>
+              </a:ext>
+            </a:extLst>
+          </p:cNvPr>
+          <p:cNvSpPr>
+            <a:spLocks noGrp="1"/>
+          </p:cNvSpPr>
+          <p:nvPr>
+            <p:ph type="ftr" sz="quarter" idx="11"/>
+          </p:nvPr>
+        </p:nvSpPr>
+        <p:spPr/>
+        <p:txBody>
+          <a:bodyPr/>
+          <a:lstStyle/>
+          <a:p>
+            <a:r>
+              <a:rPr lang="en-IN"/>
+              <a:t>H&amp;D IT Solution</a:t>
+            </a:r>
+            <a:endParaRPr lang="en-IN" dirty="0"/>
+          </a:p>
+        </p:txBody>
+      </p:sp>
+      <p:sp>
+        <p:nvSpPr>
+          <p:cNvPr id="3" name="Slide Number Placeholder 2">
+            <a:extLst>
+              <a:ext uri="{FF2B5EF4-FFF2-40B4-BE49-F238E27FC236}">
+                <a16:creationId xmlns:a16="http://schemas.microsoft.com/office/drawing/2014/main" id="{7BA001B5-6D4C-B4ED-86BC-3A40EE64D77B}"/>
+              </a:ext>
+            </a:extLst>
+          </p:cNvPr>
+          <p:cNvSpPr>
+            <a:spLocks noGrp="1"/>
+          </p:cNvSpPr>
+          <p:nvPr>
+            <p:ph type="sldNum" sz="quarter" idx="12"/>
+          </p:nvPr>
+        </p:nvSpPr>
+        <p:spPr/>
+        <p:txBody>
+          <a:bodyPr/>
+          <a:lstStyle/>
+          <a:p>
+            <a:fld id="{4A777409-9C5A-4B07-8E32-19F22F7D558C}" type="slidenum">
+              <a:rPr lang="en-IN" smtClean="0"/>
+              <a:t>43</a:t>
+            </a:fld>
+            <a:endParaRPr lang="en-IN" dirty="0"/>
+          </a:p>
+        </p:txBody>
+      </p:sp>
+      <p:sp>
+        <p:nvSpPr>
+          <p:cNvPr id="5" name="TextBox 4">
+            <a:extLst>
+              <a:ext uri="{FF2B5EF4-FFF2-40B4-BE49-F238E27FC236}">
+                <a16:creationId xmlns:a16="http://schemas.microsoft.com/office/drawing/2014/main" id="{41625F12-B86F-08C0-DB3F-7008373876B8}"/>
+              </a:ext>
+            </a:extLst>
+          </p:cNvPr>
+          <p:cNvSpPr txBox="1"/>
+          <p:nvPr/>
+        </p:nvSpPr>
+        <p:spPr>
+          <a:xfrm>
+            <a:off x="725864" y="612844"/>
+            <a:ext cx="11208470" cy="5632311"/>
+          </a:xfrm>
+          <a:prstGeom prst="rect">
+            <a:avLst/>
+          </a:prstGeom>
+          <a:noFill/>
+        </p:spPr>
+        <p:txBody>
+          <a:bodyPr wrap="square">
+            <a:spAutoFit/>
+          </a:bodyPr>
+          <a:lstStyle/>
+          <a:p>
+            <a:r>
+              <a:rPr lang="en-IN" dirty="0"/>
+              <a:t>package </a:t>
+            </a:r>
+            <a:r>
+              <a:rPr lang="en-IN" dirty="0" err="1"/>
+              <a:t>com.hnd.utility</a:t>
+            </a:r>
+            <a:r>
+              <a:rPr lang="en-IN" dirty="0"/>
+              <a:t>;</a:t>
+            </a:r>
+          </a:p>
+          <a:p>
+            <a:r>
+              <a:rPr lang="en-IN" dirty="0"/>
+              <a:t>import </a:t>
+            </a:r>
+            <a:r>
+              <a:rPr lang="en-IN" dirty="0" err="1"/>
+              <a:t>org.aspectj.lang.annotation.AfterThrowing</a:t>
+            </a:r>
+            <a:r>
+              <a:rPr lang="en-IN" dirty="0"/>
+              <a:t>;</a:t>
+            </a:r>
+          </a:p>
+          <a:p>
+            <a:r>
+              <a:rPr lang="en-IN" dirty="0"/>
+              <a:t>import </a:t>
+            </a:r>
+            <a:r>
+              <a:rPr lang="en-IN" dirty="0" err="1"/>
+              <a:t>org.aspectj.lang.annotation.Aspect</a:t>
+            </a:r>
+            <a:r>
+              <a:rPr lang="en-IN" dirty="0"/>
+              <a:t>;</a:t>
+            </a:r>
+          </a:p>
+          <a:p>
+            <a:r>
+              <a:rPr lang="en-IN" dirty="0"/>
+              <a:t>import </a:t>
+            </a:r>
+            <a:r>
+              <a:rPr lang="en-IN" dirty="0" err="1"/>
+              <a:t>org.springframework.stereotype.Component</a:t>
+            </a:r>
+            <a:r>
+              <a:rPr lang="en-IN" dirty="0"/>
+              <a:t>;</a:t>
+            </a:r>
+          </a:p>
+          <a:p>
+            <a:r>
+              <a:rPr lang="en-IN" dirty="0"/>
+              <a:t>import </a:t>
+            </a:r>
+            <a:r>
+              <a:rPr lang="en-IN" dirty="0" err="1"/>
+              <a:t>org.apache.commons.logging.Log</a:t>
+            </a:r>
+            <a:r>
+              <a:rPr lang="en-IN" dirty="0"/>
+              <a:t>;</a:t>
+            </a:r>
+          </a:p>
+          <a:p>
+            <a:r>
+              <a:rPr lang="en-IN" dirty="0"/>
+              <a:t>import </a:t>
+            </a:r>
+            <a:r>
+              <a:rPr lang="en-IN" dirty="0" err="1"/>
+              <a:t>org.apache.commons.logging.LogFactory</a:t>
+            </a:r>
+            <a:r>
+              <a:rPr lang="en-IN" dirty="0"/>
+              <a:t>;</a:t>
+            </a:r>
+          </a:p>
+          <a:p>
+            <a:r>
+              <a:rPr lang="en-IN" dirty="0"/>
+              <a:t>@Component</a:t>
+            </a:r>
+          </a:p>
+          <a:p>
+            <a:r>
+              <a:rPr lang="en-IN" dirty="0"/>
+              <a:t>@Aspect</a:t>
+            </a:r>
+          </a:p>
+          <a:p>
+            <a:r>
+              <a:rPr lang="en-IN" dirty="0"/>
+              <a:t>public class </a:t>
+            </a:r>
+            <a:r>
+              <a:rPr lang="en-IN" dirty="0" err="1"/>
+              <a:t>LoggingAspect</a:t>
+            </a:r>
+            <a:r>
+              <a:rPr lang="en-IN" dirty="0"/>
+              <a:t> {</a:t>
+            </a:r>
+          </a:p>
+          <a:p>
+            <a:r>
+              <a:rPr lang="en-IN" dirty="0"/>
+              <a:t>	public static final Log LOGGER = </a:t>
+            </a:r>
+            <a:r>
+              <a:rPr lang="en-IN" dirty="0" err="1"/>
+              <a:t>LogFactory.getLog</a:t>
+            </a:r>
+            <a:r>
+              <a:rPr lang="en-IN" dirty="0"/>
+              <a:t>(</a:t>
+            </a:r>
+            <a:r>
+              <a:rPr lang="en-IN" dirty="0" err="1"/>
+              <a:t>LoggingAspect.class</a:t>
+            </a:r>
+            <a:r>
+              <a:rPr lang="en-IN" dirty="0"/>
+              <a:t>);</a:t>
+            </a:r>
+          </a:p>
+          <a:p>
+            <a:r>
+              <a:rPr lang="en-IN" dirty="0"/>
+              <a:t>	@AfterThrowing(pointcut = "execution(* </a:t>
+            </a:r>
+            <a:r>
+              <a:rPr lang="en-IN" dirty="0" err="1"/>
+              <a:t>com.hnd.service</a:t>
+            </a:r>
+            <a:r>
+              <a:rPr lang="en-IN" dirty="0"/>
+              <a:t>.*</a:t>
+            </a:r>
+            <a:r>
+              <a:rPr lang="en-IN" dirty="0" err="1"/>
+              <a:t>Impl</a:t>
+            </a:r>
+            <a:r>
+              <a:rPr lang="en-IN" dirty="0"/>
+              <a:t>.*(..))", throwing = "exception")</a:t>
+            </a:r>
+          </a:p>
+          <a:p>
+            <a:r>
+              <a:rPr lang="en-IN" dirty="0"/>
+              <a:t>	public void </a:t>
+            </a:r>
+            <a:r>
+              <a:rPr lang="en-IN" dirty="0" err="1"/>
+              <a:t>logServiceException</a:t>
+            </a:r>
+            <a:r>
+              <a:rPr lang="en-IN" dirty="0"/>
+              <a:t>(Exception exception) {</a:t>
+            </a:r>
+          </a:p>
+          <a:p>
+            <a:r>
+              <a:rPr lang="en-IN" dirty="0"/>
+              <a:t>		</a:t>
+            </a:r>
+            <a:r>
+              <a:rPr lang="en-IN" dirty="0" err="1"/>
+              <a:t>LOGGER.error</a:t>
+            </a:r>
+            <a:r>
+              <a:rPr lang="en-IN" dirty="0"/>
+              <a:t>(</a:t>
+            </a:r>
+            <a:r>
+              <a:rPr lang="en-IN" dirty="0" err="1"/>
+              <a:t>exception.getMessage</a:t>
+            </a:r>
+            <a:r>
+              <a:rPr lang="en-IN" dirty="0"/>
+              <a:t>(), exception);</a:t>
+            </a:r>
+          </a:p>
+          <a:p>
+            <a:r>
+              <a:rPr lang="en-IN" dirty="0"/>
+              <a:t>	}</a:t>
+            </a:r>
+          </a:p>
+          <a:p>
+            <a:r>
+              <a:rPr lang="en-IN" dirty="0"/>
+              <a:t>	</a:t>
+            </a:r>
+          </a:p>
+          <a:p>
+            <a:r>
+              <a:rPr lang="en-IN" dirty="0"/>
+              <a:t>	@AfterThrowing(pointcut = "execution(* </a:t>
+            </a:r>
+            <a:r>
+              <a:rPr lang="en-IN" dirty="0" err="1"/>
+              <a:t>com.hnd.repository</a:t>
+            </a:r>
+            <a:r>
+              <a:rPr lang="en-IN" dirty="0"/>
+              <a:t>.*</a:t>
+            </a:r>
+            <a:r>
+              <a:rPr lang="en-IN" dirty="0" err="1"/>
+              <a:t>Impl</a:t>
+            </a:r>
+            <a:r>
+              <a:rPr lang="en-IN" dirty="0"/>
+              <a:t>.*(..))", throwing = "exception")</a:t>
+            </a:r>
+          </a:p>
+          <a:p>
+            <a:r>
+              <a:rPr lang="en-IN" dirty="0"/>
+              <a:t>	public void </a:t>
+            </a:r>
+            <a:r>
+              <a:rPr lang="en-IN" dirty="0" err="1"/>
+              <a:t>logRepositoryException</a:t>
+            </a:r>
+            <a:r>
+              <a:rPr lang="en-IN" dirty="0"/>
+              <a:t>(Exception exception) {</a:t>
+            </a:r>
+          </a:p>
+          <a:p>
+            <a:r>
+              <a:rPr lang="en-IN" dirty="0"/>
+              <a:t>		</a:t>
+            </a:r>
+            <a:r>
+              <a:rPr lang="en-IN" dirty="0" err="1"/>
+              <a:t>LOGGER.error</a:t>
+            </a:r>
+            <a:r>
+              <a:rPr lang="en-IN" dirty="0"/>
+              <a:t>(</a:t>
+            </a:r>
+            <a:r>
+              <a:rPr lang="en-IN" dirty="0" err="1"/>
+              <a:t>exception.getMessage</a:t>
+            </a:r>
+            <a:r>
+              <a:rPr lang="en-IN" dirty="0"/>
+              <a:t>(), exception);</a:t>
+            </a:r>
+          </a:p>
+          <a:p>
+            <a:r>
+              <a:rPr lang="en-IN" dirty="0"/>
+              <a:t>	}</a:t>
+            </a:r>
+          </a:p>
+          <a:p>
+            <a:r>
+              <a:rPr lang="en-IN" dirty="0"/>
+              <a:t>}</a:t>
+            </a:r>
+          </a:p>
+        </p:txBody>
+      </p:sp>
+    </p:spTree>
+    <p:extLst>
+      <p:ext uri="{BB962C8B-B14F-4D97-AF65-F5344CB8AC3E}">
+        <p14:creationId xmlns:p14="http://schemas.microsoft.com/office/powerpoint/2010/main" val="3064709091"/>
+      </p:ext>
+    </p:extLst>
+  </p:cSld>
+  <p:clrMapOvr>
+    <a:masterClrMapping/>
+  </p:clrMapOvr>
+</p:sld>
+</file>
+
+<file path=ppt/slides/slide44.xml><?xml version="1.0" encoding="utf-8"?>
+<p:sld xmlns:a="http://schemas.openxmlformats.org/drawingml/2006/main" xmlns:r="http://schemas.openxmlformats.org/officeDocument/2006/relationships" xmlns:p="http://schemas.openxmlformats.org/presentationml/2006/main">
+  <p:cSld>
+    <p:spTree>
+      <p:nvGrpSpPr>
+        <p:cNvPr id="1" name=""/>
+        <p:cNvGrpSpPr/>
+        <p:nvPr/>
+      </p:nvGrpSpPr>
+      <p:grpSpPr>
+        <a:xfrm>
+          <a:off x="0" y="0"/>
+          <a:ext cx="0" cy="0"/>
+          <a:chOff x="0" y="0"/>
+          <a:chExt cx="0" cy="0"/>
+        </a:xfrm>
+      </p:grpSpPr>
+      <p:sp>
+        <p:nvSpPr>
+          <p:cNvPr id="2" name="Footer Placeholder 1">
+            <a:extLst>
+              <a:ext uri="{FF2B5EF4-FFF2-40B4-BE49-F238E27FC236}">
+                <a16:creationId xmlns:a16="http://schemas.microsoft.com/office/drawing/2014/main" id="{52F20137-D8C0-3962-0A83-25E7B146026A}"/>
+              </a:ext>
+            </a:extLst>
+          </p:cNvPr>
+          <p:cNvSpPr>
+            <a:spLocks noGrp="1"/>
+          </p:cNvSpPr>
+          <p:nvPr>
+            <p:ph type="ftr" sz="quarter" idx="11"/>
+          </p:nvPr>
+        </p:nvSpPr>
+        <p:spPr/>
+        <p:txBody>
+          <a:bodyPr/>
+          <a:lstStyle/>
+          <a:p>
+            <a:r>
+              <a:rPr lang="en-IN"/>
+              <a:t>H&amp;D IT Solution</a:t>
+            </a:r>
+            <a:endParaRPr lang="en-IN" dirty="0"/>
+          </a:p>
+        </p:txBody>
+      </p:sp>
+      <p:sp>
+        <p:nvSpPr>
+          <p:cNvPr id="3" name="Slide Number Placeholder 2">
+            <a:extLst>
+              <a:ext uri="{FF2B5EF4-FFF2-40B4-BE49-F238E27FC236}">
+                <a16:creationId xmlns:a16="http://schemas.microsoft.com/office/drawing/2014/main" id="{FF36A707-8C66-DB55-172D-0EC0225ADB04}"/>
+              </a:ext>
+            </a:extLst>
+          </p:cNvPr>
+          <p:cNvSpPr>
+            <a:spLocks noGrp="1"/>
+          </p:cNvSpPr>
+          <p:nvPr>
+            <p:ph type="sldNum" sz="quarter" idx="12"/>
+          </p:nvPr>
+        </p:nvSpPr>
+        <p:spPr/>
+        <p:txBody>
+          <a:bodyPr/>
+          <a:lstStyle/>
+          <a:p>
+            <a:fld id="{4A777409-9C5A-4B07-8E32-19F22F7D558C}" type="slidenum">
+              <a:rPr lang="en-IN" smtClean="0"/>
+              <a:t>44</a:t>
+            </a:fld>
+            <a:endParaRPr lang="en-IN" dirty="0"/>
+          </a:p>
+        </p:txBody>
+      </p:sp>
+      <p:sp>
+        <p:nvSpPr>
+          <p:cNvPr id="5" name="TextBox 4">
+            <a:extLst>
+              <a:ext uri="{FF2B5EF4-FFF2-40B4-BE49-F238E27FC236}">
+                <a16:creationId xmlns:a16="http://schemas.microsoft.com/office/drawing/2014/main" id="{BA8FDAB8-CD83-532E-7207-6F2E1EAA8BF0}"/>
+              </a:ext>
+            </a:extLst>
+          </p:cNvPr>
+          <p:cNvSpPr txBox="1"/>
+          <p:nvPr/>
+        </p:nvSpPr>
+        <p:spPr>
+          <a:xfrm>
+            <a:off x="881406" y="553527"/>
+            <a:ext cx="10628722" cy="707886"/>
+          </a:xfrm>
+          <a:prstGeom prst="rect">
+            <a:avLst/>
+          </a:prstGeom>
+          <a:noFill/>
+        </p:spPr>
+        <p:txBody>
+          <a:bodyPr wrap="square">
+            <a:spAutoFit/>
+          </a:bodyPr>
+          <a:lstStyle/>
+          <a:p>
+            <a:r>
+              <a:rPr lang="en-US" sz="2000" dirty="0">
+                <a:solidFill>
+                  <a:schemeClr val="tx1">
+                    <a:lumMod val="65000"/>
+                    <a:lumOff val="35000"/>
+                  </a:schemeClr>
+                </a:solidFill>
+              </a:rPr>
+              <a:t>Step 8: Create the following </a:t>
+            </a:r>
+            <a:r>
+              <a:rPr lang="en-US" sz="2000" dirty="0" err="1">
+                <a:solidFill>
+                  <a:schemeClr val="tx1">
+                    <a:lumMod val="65000"/>
+                    <a:lumOff val="35000"/>
+                  </a:schemeClr>
+                </a:solidFill>
+              </a:rPr>
+              <a:t>CustomerRepository</a:t>
+            </a:r>
+            <a:r>
+              <a:rPr lang="en-US" sz="2000" dirty="0">
+                <a:solidFill>
+                  <a:schemeClr val="tx1">
+                    <a:lumMod val="65000"/>
+                    <a:lumOff val="35000"/>
+                  </a:schemeClr>
+                </a:solidFill>
+              </a:rPr>
+              <a:t> interface in </a:t>
+            </a:r>
+            <a:r>
+              <a:rPr lang="en-US" sz="2000" dirty="0" err="1">
+                <a:solidFill>
+                  <a:schemeClr val="tx1">
+                    <a:lumMod val="65000"/>
+                    <a:lumOff val="35000"/>
+                  </a:schemeClr>
+                </a:solidFill>
+              </a:rPr>
+              <a:t>com.hnd.repository</a:t>
+            </a:r>
+            <a:r>
+              <a:rPr lang="en-US" sz="2000" dirty="0">
+                <a:solidFill>
+                  <a:schemeClr val="tx1">
+                    <a:lumMod val="65000"/>
+                    <a:lumOff val="35000"/>
+                  </a:schemeClr>
+                </a:solidFill>
+              </a:rPr>
+              <a:t> package as shown below:</a:t>
+            </a:r>
+            <a:endParaRPr lang="en-IN" sz="2000" dirty="0">
+              <a:solidFill>
+                <a:schemeClr val="tx1">
+                  <a:lumMod val="65000"/>
+                  <a:lumOff val="35000"/>
+                </a:schemeClr>
+              </a:solidFill>
+            </a:endParaRPr>
+          </a:p>
+        </p:txBody>
+      </p:sp>
+      <p:sp>
+        <p:nvSpPr>
+          <p:cNvPr id="7" name="TextBox 6">
+            <a:extLst>
+              <a:ext uri="{FF2B5EF4-FFF2-40B4-BE49-F238E27FC236}">
+                <a16:creationId xmlns:a16="http://schemas.microsoft.com/office/drawing/2014/main" id="{8DE93662-2AB1-29A1-2509-9A266B8EDE12}"/>
+              </a:ext>
+            </a:extLst>
+          </p:cNvPr>
+          <p:cNvSpPr txBox="1"/>
+          <p:nvPr/>
+        </p:nvSpPr>
+        <p:spPr>
+          <a:xfrm>
+            <a:off x="278090" y="1605708"/>
+            <a:ext cx="11486562" cy="923330"/>
+          </a:xfrm>
+          <a:prstGeom prst="rect">
+            <a:avLst/>
+          </a:prstGeom>
+          <a:noFill/>
+        </p:spPr>
+        <p:txBody>
+          <a:bodyPr wrap="square">
+            <a:spAutoFit/>
+          </a:bodyPr>
+          <a:lstStyle/>
+          <a:p>
+            <a:r>
+              <a:rPr lang="en-IN" dirty="0"/>
+              <a:t>public interface </a:t>
+            </a:r>
+            <a:r>
+              <a:rPr lang="en-IN" dirty="0" err="1"/>
+              <a:t>CustomerRepository</a:t>
+            </a:r>
+            <a:r>
+              <a:rPr lang="en-IN" dirty="0"/>
+              <a:t>{</a:t>
+            </a:r>
+          </a:p>
+          <a:p>
+            <a:r>
+              <a:rPr lang="en-IN" dirty="0"/>
+              <a:t>	public </a:t>
+            </a:r>
+            <a:r>
+              <a:rPr lang="en-IN" dirty="0" err="1"/>
+              <a:t>CustomerDTO</a:t>
+            </a:r>
+            <a:r>
+              <a:rPr lang="en-IN" dirty="0"/>
+              <a:t> </a:t>
+            </a:r>
+            <a:r>
+              <a:rPr lang="en-IN" dirty="0" err="1"/>
+              <a:t>getCustomer</a:t>
+            </a:r>
+            <a:r>
+              <a:rPr lang="en-IN" dirty="0"/>
+              <a:t>(Integer </a:t>
+            </a:r>
+            <a:r>
+              <a:rPr lang="en-IN" dirty="0" err="1"/>
+              <a:t>customerId</a:t>
+            </a:r>
+            <a:r>
+              <a:rPr lang="en-IN" dirty="0"/>
+              <a:t>);</a:t>
+            </a:r>
+          </a:p>
+          <a:p>
+            <a:r>
+              <a:rPr lang="en-IN" dirty="0"/>
+              <a:t>}</a:t>
+            </a:r>
+          </a:p>
+        </p:txBody>
+      </p:sp>
+      <p:sp>
+        <p:nvSpPr>
+          <p:cNvPr id="11" name="TextBox 10">
+            <a:extLst>
+              <a:ext uri="{FF2B5EF4-FFF2-40B4-BE49-F238E27FC236}">
+                <a16:creationId xmlns:a16="http://schemas.microsoft.com/office/drawing/2014/main" id="{3277ACF0-193C-83B2-46D4-5736F92FB3D1}"/>
+              </a:ext>
+            </a:extLst>
+          </p:cNvPr>
+          <p:cNvSpPr txBox="1"/>
+          <p:nvPr/>
+        </p:nvSpPr>
+        <p:spPr>
+          <a:xfrm>
+            <a:off x="881406" y="2782669"/>
+            <a:ext cx="10883246" cy="707886"/>
+          </a:xfrm>
+          <a:prstGeom prst="rect">
+            <a:avLst/>
+          </a:prstGeom>
+          <a:noFill/>
+        </p:spPr>
+        <p:txBody>
+          <a:bodyPr wrap="square">
+            <a:spAutoFit/>
+          </a:bodyPr>
+          <a:lstStyle/>
+          <a:p>
+            <a:r>
+              <a:rPr lang="en-US" sz="2000" b="1" dirty="0">
+                <a:solidFill>
+                  <a:schemeClr val="tx1">
+                    <a:lumMod val="65000"/>
+                    <a:lumOff val="35000"/>
+                  </a:schemeClr>
+                </a:solidFill>
+              </a:rPr>
+              <a:t>Step 9:</a:t>
+            </a:r>
+            <a:r>
+              <a:rPr lang="en-US" sz="2000" dirty="0">
+                <a:solidFill>
+                  <a:schemeClr val="tx1">
+                    <a:lumMod val="65000"/>
+                    <a:lumOff val="35000"/>
+                  </a:schemeClr>
+                </a:solidFill>
+              </a:rPr>
+              <a:t> Create the following </a:t>
+            </a:r>
+            <a:r>
+              <a:rPr lang="en-US" sz="2000" dirty="0" err="1">
+                <a:solidFill>
+                  <a:schemeClr val="tx1">
+                    <a:lumMod val="65000"/>
+                    <a:lumOff val="35000"/>
+                  </a:schemeClr>
+                </a:solidFill>
+              </a:rPr>
+              <a:t>CustomerRepositoryImpl</a:t>
+            </a:r>
+            <a:r>
+              <a:rPr lang="en-US" sz="2000" dirty="0">
+                <a:solidFill>
+                  <a:schemeClr val="tx1">
+                    <a:lumMod val="65000"/>
+                    <a:lumOff val="35000"/>
+                  </a:schemeClr>
+                </a:solidFill>
+              </a:rPr>
+              <a:t> class in </a:t>
+            </a:r>
+            <a:r>
+              <a:rPr lang="en-US" sz="2000" dirty="0" err="1">
+                <a:solidFill>
+                  <a:schemeClr val="tx1">
+                    <a:lumMod val="65000"/>
+                    <a:lumOff val="35000"/>
+                  </a:schemeClr>
+                </a:solidFill>
+              </a:rPr>
+              <a:t>com.hnd.repository</a:t>
+            </a:r>
+            <a:r>
+              <a:rPr lang="en-US" sz="2000" dirty="0">
+                <a:solidFill>
+                  <a:schemeClr val="tx1">
+                    <a:lumMod val="65000"/>
+                    <a:lumOff val="35000"/>
+                  </a:schemeClr>
+                </a:solidFill>
+              </a:rPr>
+              <a:t> package as shown below:</a:t>
+            </a:r>
+            <a:endParaRPr lang="en-IN" sz="2000" dirty="0">
+              <a:solidFill>
+                <a:schemeClr val="tx1">
+                  <a:lumMod val="65000"/>
+                  <a:lumOff val="35000"/>
+                </a:schemeClr>
+              </a:solidFill>
+            </a:endParaRPr>
+          </a:p>
+        </p:txBody>
+      </p:sp>
+      <p:sp>
+        <p:nvSpPr>
+          <p:cNvPr id="13" name="TextBox 12">
+            <a:extLst>
+              <a:ext uri="{FF2B5EF4-FFF2-40B4-BE49-F238E27FC236}">
+                <a16:creationId xmlns:a16="http://schemas.microsoft.com/office/drawing/2014/main" id="{B9220FF7-5922-582D-ECC5-CA18375C6D44}"/>
+              </a:ext>
+            </a:extLst>
+          </p:cNvPr>
+          <p:cNvSpPr txBox="1"/>
+          <p:nvPr/>
+        </p:nvSpPr>
+        <p:spPr>
+          <a:xfrm>
+            <a:off x="290659" y="3490555"/>
+            <a:ext cx="12064739" cy="2585323"/>
+          </a:xfrm>
+          <a:prstGeom prst="rect">
+            <a:avLst/>
+          </a:prstGeom>
+          <a:noFill/>
+        </p:spPr>
+        <p:txBody>
+          <a:bodyPr wrap="square">
+            <a:spAutoFit/>
+          </a:bodyPr>
+          <a:lstStyle/>
+          <a:p>
+            <a:r>
+              <a:rPr lang="en-IN" dirty="0"/>
+              <a:t>@Repository(value = "</a:t>
+            </a:r>
+            <a:r>
+              <a:rPr lang="en-IN" dirty="0" err="1"/>
+              <a:t>customerRepository</a:t>
+            </a:r>
+            <a:r>
+              <a:rPr lang="en-IN" dirty="0"/>
+              <a:t>")</a:t>
+            </a:r>
+          </a:p>
+          <a:p>
+            <a:r>
+              <a:rPr lang="en-IN" dirty="0"/>
+              <a:t>public class </a:t>
+            </a:r>
+            <a:r>
+              <a:rPr lang="en-IN" dirty="0" err="1"/>
+              <a:t>CustomerRepositoryImpl</a:t>
+            </a:r>
+            <a:r>
+              <a:rPr lang="en-IN" dirty="0"/>
+              <a:t> implements </a:t>
+            </a:r>
+            <a:r>
+              <a:rPr lang="en-IN" dirty="0" err="1"/>
+              <a:t>CustomerRepository</a:t>
+            </a:r>
+            <a:r>
+              <a:rPr lang="en-IN" dirty="0"/>
+              <a:t> {</a:t>
+            </a:r>
+          </a:p>
+          <a:p>
+            <a:r>
+              <a:rPr lang="en-IN" dirty="0"/>
+              <a:t>	@PersistenceContext</a:t>
+            </a:r>
+          </a:p>
+          <a:p>
+            <a:r>
+              <a:rPr lang="en-IN" dirty="0"/>
+              <a:t>	private </a:t>
+            </a:r>
+            <a:r>
+              <a:rPr lang="en-IN" dirty="0" err="1"/>
+              <a:t>EntityManager</a:t>
+            </a:r>
+            <a:r>
+              <a:rPr lang="en-IN" dirty="0"/>
+              <a:t> </a:t>
+            </a:r>
+            <a:r>
+              <a:rPr lang="en-IN" dirty="0" err="1"/>
+              <a:t>entityManager</a:t>
+            </a:r>
+            <a:r>
+              <a:rPr lang="en-IN" dirty="0"/>
+              <a:t>;</a:t>
+            </a:r>
+          </a:p>
+          <a:p>
+            <a:r>
+              <a:rPr lang="en-IN" dirty="0"/>
+              <a:t>    </a:t>
+            </a:r>
+          </a:p>
+          <a:p>
+            <a:r>
+              <a:rPr lang="en-IN" dirty="0"/>
+              <a:t>    public </a:t>
+            </a:r>
+            <a:r>
+              <a:rPr lang="en-IN" dirty="0" err="1"/>
+              <a:t>CustomerDTO</a:t>
+            </a:r>
+            <a:r>
+              <a:rPr lang="en-IN" dirty="0"/>
+              <a:t> </a:t>
+            </a:r>
+            <a:r>
+              <a:rPr lang="en-IN" dirty="0" err="1"/>
+              <a:t>getCustomer</a:t>
+            </a:r>
+            <a:r>
+              <a:rPr lang="en-IN" dirty="0"/>
+              <a:t>(Integer </a:t>
+            </a:r>
+            <a:r>
+              <a:rPr lang="en-IN" dirty="0" err="1"/>
+              <a:t>customerId</a:t>
+            </a:r>
+            <a:r>
+              <a:rPr lang="en-IN" dirty="0"/>
+              <a:t>) {</a:t>
+            </a:r>
+          </a:p>
+          <a:p>
+            <a:r>
+              <a:rPr lang="en-IN" dirty="0"/>
+              <a:t>		</a:t>
+            </a:r>
+            <a:r>
+              <a:rPr lang="en-IN" dirty="0" err="1"/>
+              <a:t>CustomerDTO</a:t>
+            </a:r>
+            <a:r>
+              <a:rPr lang="en-IN" dirty="0"/>
+              <a:t> </a:t>
+            </a:r>
+            <a:r>
+              <a:rPr lang="en-IN" dirty="0" err="1"/>
+              <a:t>customerDTO</a:t>
+            </a:r>
+            <a:r>
+              <a:rPr lang="en-IN" dirty="0"/>
+              <a:t>=null;	</a:t>
+            </a:r>
+          </a:p>
+          <a:p>
+            <a:r>
+              <a:rPr lang="en-IN" dirty="0"/>
+              <a:t>		Customer </a:t>
+            </a:r>
+            <a:r>
+              <a:rPr lang="en-IN" dirty="0" err="1"/>
+              <a:t>customer</a:t>
+            </a:r>
+            <a:r>
+              <a:rPr lang="en-IN" dirty="0"/>
+              <a:t> = </a:t>
+            </a:r>
+            <a:r>
+              <a:rPr lang="en-IN" dirty="0" err="1"/>
+              <a:t>entityManager.find</a:t>
+            </a:r>
+            <a:r>
+              <a:rPr lang="en-IN" dirty="0"/>
+              <a:t>(</a:t>
+            </a:r>
+            <a:r>
+              <a:rPr lang="en-IN" dirty="0" err="1"/>
+              <a:t>Customer.class</a:t>
+            </a:r>
+            <a:r>
+              <a:rPr lang="en-IN" dirty="0"/>
+              <a:t>, </a:t>
+            </a:r>
+            <a:r>
+              <a:rPr lang="en-IN" dirty="0" err="1"/>
+              <a:t>customerId</a:t>
+            </a:r>
+            <a:r>
+              <a:rPr lang="en-IN" dirty="0"/>
+              <a:t>);</a:t>
+            </a:r>
+          </a:p>
+          <a:p>
+            <a:r>
+              <a:rPr lang="en-IN" dirty="0"/>
+              <a:t>		</a:t>
+            </a:r>
+          </a:p>
+        </p:txBody>
+      </p:sp>
+    </p:spTree>
+    <p:extLst>
+      <p:ext uri="{BB962C8B-B14F-4D97-AF65-F5344CB8AC3E}">
+        <p14:creationId xmlns:p14="http://schemas.microsoft.com/office/powerpoint/2010/main" val="4013883889"/>
+      </p:ext>
+    </p:extLst>
+  </p:cSld>
+  <p:clrMapOvr>
+    <a:masterClrMapping/>
+  </p:clrMapOvr>
+</p:sld>
+</file>
+
+<file path=ppt/slides/slide45.xml><?xml version="1.0" encoding="utf-8"?>
+<p:sld xmlns:a="http://schemas.openxmlformats.org/drawingml/2006/main" xmlns:r="http://schemas.openxmlformats.org/officeDocument/2006/relationships" xmlns:p="http://schemas.openxmlformats.org/presentationml/2006/main">
+  <p:cSld>
+    <p:spTree>
+      <p:nvGrpSpPr>
+        <p:cNvPr id="1" name=""/>
+        <p:cNvGrpSpPr/>
+        <p:nvPr/>
+      </p:nvGrpSpPr>
+      <p:grpSpPr>
+        <a:xfrm>
+          <a:off x="0" y="0"/>
+          <a:ext cx="0" cy="0"/>
+          <a:chOff x="0" y="0"/>
+          <a:chExt cx="0" cy="0"/>
+        </a:xfrm>
+      </p:grpSpPr>
+      <p:sp>
+        <p:nvSpPr>
+          <p:cNvPr id="2" name="Footer Placeholder 1">
+            <a:extLst>
+              <a:ext uri="{FF2B5EF4-FFF2-40B4-BE49-F238E27FC236}">
+                <a16:creationId xmlns:a16="http://schemas.microsoft.com/office/drawing/2014/main" id="{49185158-4130-FD4B-BF07-BA12B95DC372}"/>
+              </a:ext>
+            </a:extLst>
+          </p:cNvPr>
+          <p:cNvSpPr>
+            <a:spLocks noGrp="1"/>
+          </p:cNvSpPr>
+          <p:nvPr>
+            <p:ph type="ftr" sz="quarter" idx="11"/>
+          </p:nvPr>
+        </p:nvSpPr>
+        <p:spPr/>
+        <p:txBody>
+          <a:bodyPr/>
+          <a:lstStyle/>
+          <a:p>
+            <a:r>
+              <a:rPr lang="en-IN"/>
+              <a:t>H&amp;D IT Solution</a:t>
+            </a:r>
+            <a:endParaRPr lang="en-IN" dirty="0"/>
+          </a:p>
+        </p:txBody>
+      </p:sp>
+      <p:sp>
+        <p:nvSpPr>
+          <p:cNvPr id="3" name="Slide Number Placeholder 2">
+            <a:extLst>
+              <a:ext uri="{FF2B5EF4-FFF2-40B4-BE49-F238E27FC236}">
+                <a16:creationId xmlns:a16="http://schemas.microsoft.com/office/drawing/2014/main" id="{1FB754A2-E48B-12F8-5EF3-138AB7A7B797}"/>
+              </a:ext>
+            </a:extLst>
+          </p:cNvPr>
+          <p:cNvSpPr>
+            <a:spLocks noGrp="1"/>
+          </p:cNvSpPr>
+          <p:nvPr>
+            <p:ph type="sldNum" sz="quarter" idx="12"/>
+          </p:nvPr>
+        </p:nvSpPr>
+        <p:spPr/>
+        <p:txBody>
+          <a:bodyPr/>
+          <a:lstStyle/>
+          <a:p>
+            <a:fld id="{4A777409-9C5A-4B07-8E32-19F22F7D558C}" type="slidenum">
+              <a:rPr lang="en-IN" smtClean="0"/>
+              <a:t>45</a:t>
+            </a:fld>
+            <a:endParaRPr lang="en-IN" dirty="0"/>
+          </a:p>
+        </p:txBody>
+      </p:sp>
+      <p:sp>
+        <p:nvSpPr>
+          <p:cNvPr id="5" name="TextBox 4">
+            <a:extLst>
+              <a:ext uri="{FF2B5EF4-FFF2-40B4-BE49-F238E27FC236}">
+                <a16:creationId xmlns:a16="http://schemas.microsoft.com/office/drawing/2014/main" id="{7A1DB598-A0A1-E0F9-BC9A-002DF8BBB7AC}"/>
+              </a:ext>
+            </a:extLst>
+          </p:cNvPr>
+          <p:cNvSpPr txBox="1"/>
+          <p:nvPr/>
+        </p:nvSpPr>
+        <p:spPr>
+          <a:xfrm>
+            <a:off x="917542" y="623453"/>
+            <a:ext cx="11802359" cy="3139321"/>
+          </a:xfrm>
+          <a:prstGeom prst="rect">
+            <a:avLst/>
+          </a:prstGeom>
+          <a:noFill/>
+        </p:spPr>
+        <p:txBody>
+          <a:bodyPr wrap="square">
+            <a:spAutoFit/>
+          </a:bodyPr>
+          <a:lstStyle/>
+          <a:p>
+            <a:r>
+              <a:rPr lang="en-IN" dirty="0"/>
+              <a:t>if(customer!=null){</a:t>
+            </a:r>
+          </a:p>
+          <a:p>
+            <a:r>
+              <a:rPr lang="en-IN" dirty="0"/>
+              <a:t>			</a:t>
+            </a:r>
+            <a:r>
+              <a:rPr lang="en-IN" dirty="0" err="1"/>
+              <a:t>customerDTO</a:t>
+            </a:r>
+            <a:r>
+              <a:rPr lang="en-IN" dirty="0"/>
+              <a:t>=new </a:t>
+            </a:r>
+            <a:r>
+              <a:rPr lang="en-IN" dirty="0" err="1"/>
+              <a:t>CustomerDTO</a:t>
+            </a:r>
+            <a:r>
+              <a:rPr lang="en-IN" dirty="0"/>
+              <a:t>();</a:t>
+            </a:r>
+          </a:p>
+          <a:p>
+            <a:r>
+              <a:rPr lang="en-IN" dirty="0"/>
+              <a:t>			</a:t>
+            </a:r>
+            <a:r>
+              <a:rPr lang="en-IN" dirty="0" err="1"/>
+              <a:t>customerDTO.setCustomerId</a:t>
+            </a:r>
+            <a:r>
+              <a:rPr lang="en-IN" dirty="0"/>
+              <a:t>(</a:t>
+            </a:r>
+            <a:r>
+              <a:rPr lang="en-IN" dirty="0" err="1"/>
+              <a:t>customer.getCustomerId</a:t>
+            </a:r>
+            <a:r>
+              <a:rPr lang="en-IN" dirty="0"/>
+              <a:t>());</a:t>
+            </a:r>
+          </a:p>
+          <a:p>
+            <a:r>
+              <a:rPr lang="en-IN" dirty="0"/>
+              <a:t>			</a:t>
+            </a:r>
+            <a:r>
+              <a:rPr lang="en-IN" dirty="0" err="1"/>
+              <a:t>customerDTO.setDateOfBirth</a:t>
+            </a:r>
+            <a:r>
+              <a:rPr lang="en-IN" dirty="0"/>
+              <a:t>(</a:t>
+            </a:r>
+            <a:r>
+              <a:rPr lang="en-IN" dirty="0" err="1"/>
+              <a:t>customer.getDateOfBirth</a:t>
+            </a:r>
+            <a:r>
+              <a:rPr lang="en-IN" dirty="0"/>
+              <a:t>());</a:t>
+            </a:r>
+          </a:p>
+          <a:p>
+            <a:r>
+              <a:rPr lang="en-IN" dirty="0"/>
+              <a:t>			</a:t>
+            </a:r>
+            <a:r>
+              <a:rPr lang="en-IN" dirty="0" err="1"/>
+              <a:t>customerDTO.setEmailId</a:t>
+            </a:r>
+            <a:r>
+              <a:rPr lang="en-IN" dirty="0"/>
+              <a:t>(</a:t>
+            </a:r>
+            <a:r>
+              <a:rPr lang="en-IN" dirty="0" err="1"/>
+              <a:t>customer.getEmailId</a:t>
+            </a:r>
+            <a:r>
+              <a:rPr lang="en-IN" dirty="0"/>
+              <a:t>());</a:t>
+            </a:r>
+          </a:p>
+          <a:p>
+            <a:r>
+              <a:rPr lang="en-IN" dirty="0"/>
+              <a:t>			</a:t>
+            </a:r>
+            <a:r>
+              <a:rPr lang="en-IN" dirty="0" err="1"/>
+              <a:t>customerDTO.setName</a:t>
+            </a:r>
+            <a:r>
+              <a:rPr lang="en-IN" dirty="0"/>
+              <a:t>(</a:t>
+            </a:r>
+            <a:r>
+              <a:rPr lang="en-IN" dirty="0" err="1"/>
+              <a:t>customer.getName</a:t>
+            </a:r>
+            <a:r>
+              <a:rPr lang="en-IN" dirty="0"/>
+              <a:t>());</a:t>
+            </a:r>
+          </a:p>
+          <a:p>
+            <a:r>
+              <a:rPr lang="en-IN" dirty="0"/>
+              <a:t>			</a:t>
+            </a:r>
+            <a:r>
+              <a:rPr lang="en-IN" dirty="0" err="1"/>
+              <a:t>customerDTO.setCustomerType</a:t>
+            </a:r>
+            <a:r>
+              <a:rPr lang="en-IN" dirty="0"/>
+              <a:t>(</a:t>
+            </a:r>
+            <a:r>
+              <a:rPr lang="en-IN" dirty="0" err="1"/>
+              <a:t>customer.getCustomerType</a:t>
+            </a:r>
+            <a:r>
+              <a:rPr lang="en-IN" dirty="0"/>
+              <a:t>());</a:t>
+            </a:r>
+          </a:p>
+          <a:p>
+            <a:r>
+              <a:rPr lang="en-IN" dirty="0"/>
+              <a:t>		}</a:t>
+            </a:r>
+          </a:p>
+          <a:p>
+            <a:r>
+              <a:rPr lang="en-IN" dirty="0"/>
+              <a:t>		return </a:t>
+            </a:r>
+            <a:r>
+              <a:rPr lang="en-IN" dirty="0" err="1"/>
+              <a:t>customerDTO</a:t>
+            </a:r>
+            <a:r>
+              <a:rPr lang="en-IN" dirty="0"/>
+              <a:t>;</a:t>
+            </a:r>
+          </a:p>
+          <a:p>
+            <a:r>
+              <a:rPr lang="en-IN" dirty="0"/>
+              <a:t>	}</a:t>
+            </a:r>
+          </a:p>
+          <a:p>
+            <a:r>
+              <a:rPr lang="en-IN" dirty="0"/>
+              <a:t>}</a:t>
+            </a:r>
+          </a:p>
+        </p:txBody>
+      </p:sp>
+      <p:sp>
+        <p:nvSpPr>
+          <p:cNvPr id="7" name="TextBox 6">
+            <a:extLst>
+              <a:ext uri="{FF2B5EF4-FFF2-40B4-BE49-F238E27FC236}">
+                <a16:creationId xmlns:a16="http://schemas.microsoft.com/office/drawing/2014/main" id="{6ADEEA94-F439-A9BD-00BC-BDBC9F8845C9}"/>
+              </a:ext>
+            </a:extLst>
+          </p:cNvPr>
+          <p:cNvSpPr txBox="1"/>
+          <p:nvPr/>
+        </p:nvSpPr>
+        <p:spPr>
+          <a:xfrm>
+            <a:off x="268663" y="4251018"/>
+            <a:ext cx="11627963" cy="1323439"/>
+          </a:xfrm>
+          <a:prstGeom prst="rect">
+            <a:avLst/>
+          </a:prstGeom>
+          <a:noFill/>
+        </p:spPr>
+        <p:txBody>
+          <a:bodyPr wrap="square">
+            <a:spAutoFit/>
+          </a:bodyPr>
+          <a:lstStyle/>
+          <a:p>
+            <a:r>
+              <a:rPr lang="en-US" sz="2000" dirty="0">
+                <a:solidFill>
+                  <a:schemeClr val="tx1">
+                    <a:lumMod val="65000"/>
+                    <a:lumOff val="35000"/>
+                  </a:schemeClr>
+                </a:solidFill>
+                <a:effectLst/>
+              </a:rPr>
+              <a:t>This class is annotated with @Repository annotation, so that Spring automatically scans this class and registers it as the Spring bean. The </a:t>
+            </a:r>
+            <a:r>
+              <a:rPr lang="en-US" sz="2000" dirty="0" err="1">
+                <a:solidFill>
+                  <a:schemeClr val="tx1">
+                    <a:lumMod val="65000"/>
+                    <a:lumOff val="35000"/>
+                  </a:schemeClr>
+                </a:solidFill>
+                <a:effectLst/>
+              </a:rPr>
+              <a:t>EntityManager</a:t>
+            </a:r>
+            <a:r>
+              <a:rPr lang="en-US" sz="2000" dirty="0">
+                <a:solidFill>
+                  <a:schemeClr val="tx1">
+                    <a:lumMod val="65000"/>
+                    <a:lumOff val="35000"/>
+                  </a:schemeClr>
+                </a:solidFill>
+                <a:effectLst/>
+              </a:rPr>
+              <a:t> object is injected using @PersistenceContext annotation.</a:t>
+            </a:r>
+          </a:p>
+          <a:p>
+            <a:endParaRPr lang="en-US" sz="2000" dirty="0">
+              <a:solidFill>
+                <a:schemeClr val="tx1">
+                  <a:lumMod val="65000"/>
+                  <a:lumOff val="35000"/>
+                </a:schemeClr>
+              </a:solidFill>
+              <a:effectLst/>
+            </a:endParaRPr>
+          </a:p>
+          <a:p>
+            <a:r>
+              <a:rPr lang="en-US" sz="2000" b="1" dirty="0">
+                <a:solidFill>
+                  <a:schemeClr val="tx1">
+                    <a:lumMod val="65000"/>
+                    <a:lumOff val="35000"/>
+                  </a:schemeClr>
+                </a:solidFill>
+                <a:effectLst/>
+              </a:rPr>
+              <a:t>Step 10:</a:t>
+            </a:r>
+            <a:r>
+              <a:rPr lang="en-US" sz="2000" dirty="0">
+                <a:solidFill>
+                  <a:schemeClr val="tx1">
+                    <a:lumMod val="65000"/>
+                    <a:lumOff val="35000"/>
+                  </a:schemeClr>
+                </a:solidFill>
+                <a:effectLst/>
+              </a:rPr>
+              <a:t> Create the following </a:t>
+            </a:r>
+            <a:r>
+              <a:rPr lang="en-US" sz="2000" dirty="0" err="1">
+                <a:solidFill>
+                  <a:schemeClr val="tx1">
+                    <a:lumMod val="65000"/>
+                    <a:lumOff val="35000"/>
+                  </a:schemeClr>
+                </a:solidFill>
+                <a:effectLst/>
+              </a:rPr>
+              <a:t>CustomerService</a:t>
+            </a:r>
+            <a:r>
+              <a:rPr lang="en-US" sz="2000" dirty="0">
+                <a:solidFill>
+                  <a:schemeClr val="tx1">
+                    <a:lumMod val="65000"/>
+                    <a:lumOff val="35000"/>
+                  </a:schemeClr>
+                </a:solidFill>
+                <a:effectLst/>
+              </a:rPr>
+              <a:t> interface in </a:t>
+            </a:r>
+            <a:r>
+              <a:rPr lang="en-US" sz="2000" dirty="0" err="1">
+                <a:solidFill>
+                  <a:schemeClr val="tx1">
+                    <a:lumMod val="65000"/>
+                    <a:lumOff val="35000"/>
+                  </a:schemeClr>
+                </a:solidFill>
+                <a:effectLst/>
+              </a:rPr>
+              <a:t>com.hnd.service</a:t>
+            </a:r>
+            <a:r>
+              <a:rPr lang="en-US" sz="2000" dirty="0">
+                <a:solidFill>
+                  <a:schemeClr val="tx1">
+                    <a:lumMod val="65000"/>
+                    <a:lumOff val="35000"/>
+                  </a:schemeClr>
+                </a:solidFill>
+                <a:effectLst/>
+              </a:rPr>
+              <a:t> package as shown below:</a:t>
+            </a:r>
+          </a:p>
+        </p:txBody>
+      </p:sp>
+    </p:spTree>
+    <p:extLst>
+      <p:ext uri="{BB962C8B-B14F-4D97-AF65-F5344CB8AC3E}">
+        <p14:creationId xmlns:p14="http://schemas.microsoft.com/office/powerpoint/2010/main" val="2703530569"/>
+      </p:ext>
+    </p:extLst>
+  </p:cSld>
+  <p:clrMapOvr>
+    <a:masterClrMapping/>
+  </p:clrMapOvr>
+</p:sld>
+</file>
+
+<file path=ppt/slides/slide46.xml><?xml version="1.0" encoding="utf-8"?>
+<p:sld xmlns:a="http://schemas.openxmlformats.org/drawingml/2006/main" xmlns:r="http://schemas.openxmlformats.org/officeDocument/2006/relationships" xmlns:p="http://schemas.openxmlformats.org/presentationml/2006/main">
+  <p:cSld>
+    <p:spTree>
+      <p:nvGrpSpPr>
+        <p:cNvPr id="1" name=""/>
+        <p:cNvGrpSpPr/>
+        <p:nvPr/>
+      </p:nvGrpSpPr>
+      <p:grpSpPr>
+        <a:xfrm>
+          <a:off x="0" y="0"/>
+          <a:ext cx="0" cy="0"/>
+          <a:chOff x="0" y="0"/>
+          <a:chExt cx="0" cy="0"/>
+        </a:xfrm>
+      </p:grpSpPr>
+      <p:sp>
+        <p:nvSpPr>
+          <p:cNvPr id="2" name="Footer Placeholder 1">
+            <a:extLst>
+              <a:ext uri="{FF2B5EF4-FFF2-40B4-BE49-F238E27FC236}">
+                <a16:creationId xmlns:a16="http://schemas.microsoft.com/office/drawing/2014/main" id="{0218CA52-AA65-355C-346A-3985F22859B4}"/>
+              </a:ext>
+            </a:extLst>
+          </p:cNvPr>
+          <p:cNvSpPr>
+            <a:spLocks noGrp="1"/>
+          </p:cNvSpPr>
+          <p:nvPr>
+            <p:ph type="ftr" sz="quarter" idx="11"/>
+          </p:nvPr>
+        </p:nvSpPr>
+        <p:spPr/>
+        <p:txBody>
+          <a:bodyPr/>
+          <a:lstStyle/>
+          <a:p>
+            <a:r>
+              <a:rPr lang="en-IN"/>
+              <a:t>H&amp;D IT Solution</a:t>
+            </a:r>
+            <a:endParaRPr lang="en-IN" dirty="0"/>
+          </a:p>
+        </p:txBody>
+      </p:sp>
+      <p:sp>
+        <p:nvSpPr>
+          <p:cNvPr id="3" name="Slide Number Placeholder 2">
+            <a:extLst>
+              <a:ext uri="{FF2B5EF4-FFF2-40B4-BE49-F238E27FC236}">
+                <a16:creationId xmlns:a16="http://schemas.microsoft.com/office/drawing/2014/main" id="{AB76A879-0CA7-90C0-DEFA-336CD3E2142D}"/>
+              </a:ext>
+            </a:extLst>
+          </p:cNvPr>
+          <p:cNvSpPr>
+            <a:spLocks noGrp="1"/>
+          </p:cNvSpPr>
+          <p:nvPr>
+            <p:ph type="sldNum" sz="quarter" idx="12"/>
+          </p:nvPr>
+        </p:nvSpPr>
+        <p:spPr/>
+        <p:txBody>
+          <a:bodyPr/>
+          <a:lstStyle/>
+          <a:p>
+            <a:fld id="{4A777409-9C5A-4B07-8E32-19F22F7D558C}" type="slidenum">
+              <a:rPr lang="en-IN" smtClean="0"/>
+              <a:t>46</a:t>
+            </a:fld>
+            <a:endParaRPr lang="en-IN" dirty="0"/>
+          </a:p>
+        </p:txBody>
+      </p:sp>
+      <p:sp>
+        <p:nvSpPr>
+          <p:cNvPr id="5" name="TextBox 4">
+            <a:extLst>
+              <a:ext uri="{FF2B5EF4-FFF2-40B4-BE49-F238E27FC236}">
+                <a16:creationId xmlns:a16="http://schemas.microsoft.com/office/drawing/2014/main" id="{63EA87A6-79A2-18C9-9967-C719D4E5299F}"/>
+              </a:ext>
+            </a:extLst>
+          </p:cNvPr>
+          <p:cNvSpPr txBox="1"/>
+          <p:nvPr/>
+        </p:nvSpPr>
+        <p:spPr>
+          <a:xfrm>
+            <a:off x="919112" y="606466"/>
+            <a:ext cx="10434687" cy="923330"/>
+          </a:xfrm>
+          <a:prstGeom prst="rect">
+            <a:avLst/>
+          </a:prstGeom>
+          <a:noFill/>
+        </p:spPr>
+        <p:txBody>
+          <a:bodyPr wrap="square">
+            <a:spAutoFit/>
+          </a:bodyPr>
+          <a:lstStyle/>
+          <a:p>
+            <a:r>
+              <a:rPr lang="en-IN" dirty="0"/>
+              <a:t>public interface </a:t>
+            </a:r>
+            <a:r>
+              <a:rPr lang="en-IN" dirty="0" err="1"/>
+              <a:t>CustomerService</a:t>
+            </a:r>
+            <a:r>
+              <a:rPr lang="en-IN" dirty="0"/>
+              <a:t> {</a:t>
+            </a:r>
+          </a:p>
+          <a:p>
+            <a:r>
+              <a:rPr lang="en-IN" dirty="0"/>
+              <a:t>	public </a:t>
+            </a:r>
+            <a:r>
+              <a:rPr lang="en-IN" dirty="0" err="1"/>
+              <a:t>CustomerDTO</a:t>
+            </a:r>
+            <a:r>
+              <a:rPr lang="en-IN" dirty="0"/>
+              <a:t> </a:t>
+            </a:r>
+            <a:r>
+              <a:rPr lang="en-IN" dirty="0" err="1"/>
+              <a:t>getCustomer</a:t>
+            </a:r>
+            <a:r>
+              <a:rPr lang="en-IN" dirty="0"/>
+              <a:t>(Integer </a:t>
+            </a:r>
+            <a:r>
+              <a:rPr lang="en-IN" dirty="0" err="1"/>
+              <a:t>customerId</a:t>
+            </a:r>
+            <a:r>
+              <a:rPr lang="en-IN" dirty="0"/>
+              <a:t>) throws </a:t>
+            </a:r>
+            <a:r>
+              <a:rPr lang="en-IN" dirty="0" err="1"/>
+              <a:t>hndBankException</a:t>
+            </a:r>
+            <a:r>
+              <a:rPr lang="en-IN" dirty="0"/>
+              <a:t>;</a:t>
+            </a:r>
+          </a:p>
+          <a:p>
+            <a:r>
+              <a:rPr lang="en-IN" dirty="0"/>
+              <a:t>}</a:t>
+            </a:r>
+          </a:p>
+        </p:txBody>
+      </p:sp>
+      <p:sp>
+        <p:nvSpPr>
+          <p:cNvPr id="7" name="TextBox 6">
+            <a:extLst>
+              <a:ext uri="{FF2B5EF4-FFF2-40B4-BE49-F238E27FC236}">
+                <a16:creationId xmlns:a16="http://schemas.microsoft.com/office/drawing/2014/main" id="{7F56BAD3-AF62-B7CF-942C-A38680EFC289}"/>
+              </a:ext>
+            </a:extLst>
+          </p:cNvPr>
+          <p:cNvSpPr txBox="1"/>
+          <p:nvPr/>
+        </p:nvSpPr>
+        <p:spPr>
+          <a:xfrm>
+            <a:off x="249810" y="1826146"/>
+            <a:ext cx="11213183" cy="400110"/>
+          </a:xfrm>
+          <a:prstGeom prst="rect">
+            <a:avLst/>
+          </a:prstGeom>
+          <a:noFill/>
+        </p:spPr>
+        <p:txBody>
+          <a:bodyPr wrap="square">
+            <a:spAutoFit/>
+          </a:bodyPr>
+          <a:lstStyle/>
+          <a:p>
+            <a:r>
+              <a:rPr lang="en-US" sz="2000" b="1" dirty="0">
+                <a:solidFill>
+                  <a:schemeClr val="tx1">
+                    <a:lumMod val="65000"/>
+                    <a:lumOff val="35000"/>
+                  </a:schemeClr>
+                </a:solidFill>
+              </a:rPr>
+              <a:t>Step 11:</a:t>
+            </a:r>
+            <a:r>
+              <a:rPr lang="en-US" sz="2000" dirty="0">
+                <a:solidFill>
+                  <a:schemeClr val="tx1">
+                    <a:lumMod val="65000"/>
+                    <a:lumOff val="35000"/>
+                  </a:schemeClr>
+                </a:solidFill>
+              </a:rPr>
+              <a:t> Create the following </a:t>
+            </a:r>
+            <a:r>
+              <a:rPr lang="en-US" sz="2000" dirty="0" err="1">
+                <a:solidFill>
+                  <a:schemeClr val="tx1">
+                    <a:lumMod val="65000"/>
+                    <a:lumOff val="35000"/>
+                  </a:schemeClr>
+                </a:solidFill>
+              </a:rPr>
+              <a:t>CustomerServiceImpl</a:t>
+            </a:r>
+            <a:r>
+              <a:rPr lang="en-US" sz="2000" dirty="0">
+                <a:solidFill>
+                  <a:schemeClr val="tx1">
+                    <a:lumMod val="65000"/>
+                    <a:lumOff val="35000"/>
+                  </a:schemeClr>
+                </a:solidFill>
+              </a:rPr>
+              <a:t> class in </a:t>
+            </a:r>
+            <a:r>
+              <a:rPr lang="en-US" sz="2000" dirty="0" err="1">
+                <a:solidFill>
+                  <a:schemeClr val="tx1">
+                    <a:lumMod val="65000"/>
+                    <a:lumOff val="35000"/>
+                  </a:schemeClr>
+                </a:solidFill>
+              </a:rPr>
+              <a:t>com.hnd.service</a:t>
+            </a:r>
+            <a:r>
+              <a:rPr lang="en-US" sz="2000" dirty="0">
+                <a:solidFill>
+                  <a:schemeClr val="tx1">
+                    <a:lumMod val="65000"/>
+                    <a:lumOff val="35000"/>
+                  </a:schemeClr>
+                </a:solidFill>
+              </a:rPr>
+              <a:t> package as shown below:</a:t>
+            </a:r>
+            <a:endParaRPr lang="en-IN" sz="2000" dirty="0">
+              <a:solidFill>
+                <a:schemeClr val="tx1">
+                  <a:lumMod val="65000"/>
+                  <a:lumOff val="35000"/>
+                </a:schemeClr>
+              </a:solidFill>
+            </a:endParaRPr>
+          </a:p>
+        </p:txBody>
+      </p:sp>
+      <p:sp>
+        <p:nvSpPr>
+          <p:cNvPr id="9" name="TextBox 8">
+            <a:extLst>
+              <a:ext uri="{FF2B5EF4-FFF2-40B4-BE49-F238E27FC236}">
+                <a16:creationId xmlns:a16="http://schemas.microsoft.com/office/drawing/2014/main" id="{1D87E002-7551-1226-3E04-CCAB5FBCAF6E}"/>
+              </a:ext>
+            </a:extLst>
+          </p:cNvPr>
+          <p:cNvSpPr txBox="1"/>
+          <p:nvPr/>
+        </p:nvSpPr>
+        <p:spPr>
+          <a:xfrm>
+            <a:off x="807563" y="2583143"/>
+            <a:ext cx="10853394" cy="3416320"/>
+          </a:xfrm>
+          <a:prstGeom prst="rect">
+            <a:avLst/>
+          </a:prstGeom>
+          <a:noFill/>
+        </p:spPr>
+        <p:txBody>
+          <a:bodyPr wrap="square">
+            <a:spAutoFit/>
+          </a:bodyPr>
+          <a:lstStyle/>
+          <a:p>
+            <a:r>
+              <a:rPr lang="en-IN" dirty="0"/>
+              <a:t>@Service(value = "</a:t>
+            </a:r>
+            <a:r>
+              <a:rPr lang="en-IN" dirty="0" err="1"/>
+              <a:t>customerService</a:t>
+            </a:r>
+            <a:r>
+              <a:rPr lang="en-IN" dirty="0"/>
+              <a:t>")</a:t>
+            </a:r>
+          </a:p>
+          <a:p>
+            <a:r>
+              <a:rPr lang="en-IN" dirty="0"/>
+              <a:t>public class </a:t>
+            </a:r>
+            <a:r>
+              <a:rPr lang="en-IN" dirty="0" err="1"/>
+              <a:t>CustomerServiceImpl</a:t>
+            </a:r>
+            <a:r>
+              <a:rPr lang="en-IN" dirty="0"/>
+              <a:t> implements </a:t>
+            </a:r>
+            <a:r>
+              <a:rPr lang="en-IN" dirty="0" err="1"/>
+              <a:t>CustomerService</a:t>
+            </a:r>
+            <a:r>
+              <a:rPr lang="en-IN" dirty="0"/>
+              <a:t> {</a:t>
+            </a:r>
+          </a:p>
+          <a:p>
+            <a:r>
+              <a:rPr lang="en-IN" dirty="0"/>
+              <a:t>	@Autowired</a:t>
+            </a:r>
+          </a:p>
+          <a:p>
+            <a:r>
+              <a:rPr lang="en-IN" dirty="0"/>
+              <a:t>	private </a:t>
+            </a:r>
+            <a:r>
+              <a:rPr lang="en-IN" dirty="0" err="1"/>
+              <a:t>CustomerRepository</a:t>
+            </a:r>
+            <a:r>
+              <a:rPr lang="en-IN" dirty="0"/>
+              <a:t> </a:t>
+            </a:r>
+            <a:r>
+              <a:rPr lang="en-IN" dirty="0" err="1"/>
+              <a:t>customerRepository</a:t>
+            </a:r>
+            <a:r>
+              <a:rPr lang="en-IN" dirty="0"/>
+              <a:t>;</a:t>
+            </a:r>
+          </a:p>
+          <a:p>
+            <a:r>
+              <a:rPr lang="en-IN" dirty="0"/>
+              <a:t>	public </a:t>
+            </a:r>
+            <a:r>
+              <a:rPr lang="en-IN" dirty="0" err="1"/>
+              <a:t>CustomerDTO</a:t>
+            </a:r>
+            <a:r>
+              <a:rPr lang="en-IN" dirty="0"/>
+              <a:t> </a:t>
+            </a:r>
+            <a:r>
+              <a:rPr lang="en-IN" dirty="0" err="1"/>
+              <a:t>getCustomer</a:t>
+            </a:r>
+            <a:r>
+              <a:rPr lang="en-IN" dirty="0"/>
+              <a:t>(Integer </a:t>
+            </a:r>
+            <a:r>
+              <a:rPr lang="en-IN" dirty="0" err="1"/>
+              <a:t>customerId</a:t>
+            </a:r>
+            <a:r>
+              <a:rPr lang="en-IN" dirty="0"/>
+              <a:t>) throws </a:t>
+            </a:r>
+            <a:r>
+              <a:rPr lang="en-IN" dirty="0" err="1"/>
+              <a:t>hndBankException</a:t>
+            </a:r>
+            <a:r>
+              <a:rPr lang="en-IN" dirty="0"/>
+              <a:t> {</a:t>
+            </a:r>
+          </a:p>
+          <a:p>
+            <a:r>
+              <a:rPr lang="en-IN" dirty="0"/>
+              <a:t>		</a:t>
+            </a:r>
+            <a:r>
+              <a:rPr lang="en-IN" dirty="0" err="1"/>
+              <a:t>CustomerDTO</a:t>
+            </a:r>
+            <a:r>
+              <a:rPr lang="en-IN" dirty="0"/>
+              <a:t> </a:t>
+            </a:r>
+            <a:r>
+              <a:rPr lang="en-IN" dirty="0" err="1"/>
+              <a:t>customerDTO</a:t>
+            </a:r>
+            <a:r>
+              <a:rPr lang="en-IN" dirty="0"/>
+              <a:t> = </a:t>
+            </a:r>
+            <a:r>
+              <a:rPr lang="en-IN" dirty="0" err="1"/>
+              <a:t>customerRepository.getCustomer</a:t>
+            </a:r>
+            <a:r>
+              <a:rPr lang="en-IN" dirty="0"/>
+              <a:t>(</a:t>
+            </a:r>
+            <a:r>
+              <a:rPr lang="en-IN" dirty="0" err="1"/>
+              <a:t>customerId</a:t>
+            </a:r>
+            <a:r>
+              <a:rPr lang="en-IN" dirty="0"/>
+              <a:t>);</a:t>
+            </a:r>
+          </a:p>
+          <a:p>
+            <a:r>
+              <a:rPr lang="en-IN" dirty="0"/>
+              <a:t>		if (</a:t>
+            </a:r>
+            <a:r>
+              <a:rPr lang="en-IN" dirty="0" err="1"/>
+              <a:t>customerDTO</a:t>
+            </a:r>
+            <a:r>
+              <a:rPr lang="en-IN" dirty="0"/>
+              <a:t> == null) {</a:t>
+            </a:r>
+          </a:p>
+          <a:p>
+            <a:r>
+              <a:rPr lang="en-IN" dirty="0"/>
+              <a:t>			throw new </a:t>
+            </a:r>
+            <a:r>
+              <a:rPr lang="en-IN" dirty="0" err="1"/>
+              <a:t>hndBankException</a:t>
+            </a:r>
+            <a:r>
+              <a:rPr lang="en-IN" dirty="0"/>
+              <a:t>("</a:t>
+            </a:r>
+            <a:r>
+              <a:rPr lang="en-IN" dirty="0" err="1"/>
+              <a:t>Service.CUSTOMER_UNAVAILABLE</a:t>
+            </a:r>
+            <a:r>
+              <a:rPr lang="en-IN" dirty="0"/>
+              <a:t>");</a:t>
+            </a:r>
+          </a:p>
+          <a:p>
+            <a:r>
+              <a:rPr lang="en-IN" dirty="0"/>
+              <a:t>		}</a:t>
+            </a:r>
+          </a:p>
+          <a:p>
+            <a:r>
+              <a:rPr lang="en-IN" dirty="0"/>
+              <a:t>		return </a:t>
+            </a:r>
+            <a:r>
+              <a:rPr lang="en-IN" dirty="0" err="1"/>
+              <a:t>customerDTO</a:t>
+            </a:r>
+            <a:r>
+              <a:rPr lang="en-IN" dirty="0"/>
+              <a:t>;</a:t>
+            </a:r>
+          </a:p>
+          <a:p>
+            <a:r>
+              <a:rPr lang="en-IN" dirty="0"/>
+              <a:t>	}</a:t>
+            </a:r>
+          </a:p>
+          <a:p>
+            <a:r>
+              <a:rPr lang="en-IN" dirty="0"/>
+              <a:t>}</a:t>
+            </a:r>
+          </a:p>
+        </p:txBody>
+      </p:sp>
+    </p:spTree>
+    <p:extLst>
+      <p:ext uri="{BB962C8B-B14F-4D97-AF65-F5344CB8AC3E}">
+        <p14:creationId xmlns:p14="http://schemas.microsoft.com/office/powerpoint/2010/main" val="2792779670"/>
+      </p:ext>
+    </p:extLst>
+  </p:cSld>
+  <p:clrMapOvr>
+    <a:masterClrMapping/>
+  </p:clrMapOvr>
+</p:sld>
+</file>
+
+<file path=ppt/slides/slide47.xml><?xml version="1.0" encoding="utf-8"?>
+<p:sld xmlns:a="http://schemas.openxmlformats.org/drawingml/2006/main" xmlns:r="http://schemas.openxmlformats.org/officeDocument/2006/relationships" xmlns:p="http://schemas.openxmlformats.org/presentationml/2006/main">
+  <p:cSld>
+    <p:spTree>
+      <p:nvGrpSpPr>
+        <p:cNvPr id="1" name=""/>
+        <p:cNvGrpSpPr/>
+        <p:nvPr/>
+      </p:nvGrpSpPr>
+      <p:grpSpPr>
+        <a:xfrm>
+          <a:off x="0" y="0"/>
+          <a:ext cx="0" cy="0"/>
+          <a:chOff x="0" y="0"/>
+          <a:chExt cx="0" cy="0"/>
+        </a:xfrm>
+      </p:grpSpPr>
+      <p:sp>
+        <p:nvSpPr>
+          <p:cNvPr id="2" name="Footer Placeholder 1">
+            <a:extLst>
+              <a:ext uri="{FF2B5EF4-FFF2-40B4-BE49-F238E27FC236}">
+                <a16:creationId xmlns:a16="http://schemas.microsoft.com/office/drawing/2014/main" id="{E27182BC-0614-33E2-FE37-4A738C425A41}"/>
+              </a:ext>
+            </a:extLst>
+          </p:cNvPr>
+          <p:cNvSpPr>
+            <a:spLocks noGrp="1"/>
+          </p:cNvSpPr>
+          <p:nvPr>
+            <p:ph type="ftr" sz="quarter" idx="11"/>
+          </p:nvPr>
+        </p:nvSpPr>
+        <p:spPr/>
+        <p:txBody>
+          <a:bodyPr/>
+          <a:lstStyle/>
+          <a:p>
+            <a:r>
+              <a:rPr lang="en-IN"/>
+              <a:t>H&amp;D IT Solution</a:t>
+            </a:r>
+            <a:endParaRPr lang="en-IN" dirty="0"/>
+          </a:p>
+        </p:txBody>
+      </p:sp>
+      <p:sp>
+        <p:nvSpPr>
+          <p:cNvPr id="3" name="Slide Number Placeholder 2">
+            <a:extLst>
+              <a:ext uri="{FF2B5EF4-FFF2-40B4-BE49-F238E27FC236}">
+                <a16:creationId xmlns:a16="http://schemas.microsoft.com/office/drawing/2014/main" id="{982AF573-ADA6-E6DE-81BA-9046EAD81B11}"/>
+              </a:ext>
+            </a:extLst>
+          </p:cNvPr>
+          <p:cNvSpPr>
+            <a:spLocks noGrp="1"/>
+          </p:cNvSpPr>
+          <p:nvPr>
+            <p:ph type="sldNum" sz="quarter" idx="12"/>
+          </p:nvPr>
+        </p:nvSpPr>
+        <p:spPr/>
+        <p:txBody>
+          <a:bodyPr/>
+          <a:lstStyle/>
+          <a:p>
+            <a:fld id="{4A777409-9C5A-4B07-8E32-19F22F7D558C}" type="slidenum">
+              <a:rPr lang="en-IN" smtClean="0"/>
+              <a:t>47</a:t>
+            </a:fld>
+            <a:endParaRPr lang="en-IN" dirty="0"/>
+          </a:p>
+        </p:txBody>
+      </p:sp>
+      <p:sp>
+        <p:nvSpPr>
+          <p:cNvPr id="5" name="TextBox 4">
+            <a:extLst>
+              <a:ext uri="{FF2B5EF4-FFF2-40B4-BE49-F238E27FC236}">
+                <a16:creationId xmlns:a16="http://schemas.microsoft.com/office/drawing/2014/main" id="{5A6644D9-2DBB-1736-B123-A5DCA4936093}"/>
+              </a:ext>
+            </a:extLst>
+          </p:cNvPr>
+          <p:cNvSpPr txBox="1"/>
+          <p:nvPr/>
+        </p:nvSpPr>
+        <p:spPr>
+          <a:xfrm>
+            <a:off x="989029" y="600661"/>
+            <a:ext cx="9880076" cy="400110"/>
+          </a:xfrm>
+          <a:prstGeom prst="rect">
+            <a:avLst/>
+          </a:prstGeom>
+          <a:noFill/>
+        </p:spPr>
+        <p:txBody>
+          <a:bodyPr wrap="square">
+            <a:spAutoFit/>
+          </a:bodyPr>
+          <a:lstStyle/>
+          <a:p>
+            <a:r>
+              <a:rPr lang="en-US" sz="2000" b="1" dirty="0">
+                <a:solidFill>
+                  <a:schemeClr val="tx1">
+                    <a:lumMod val="65000"/>
+                    <a:lumOff val="35000"/>
+                  </a:schemeClr>
+                </a:solidFill>
+              </a:rPr>
+              <a:t>Step 12:</a:t>
+            </a:r>
+            <a:r>
+              <a:rPr lang="en-US" sz="2000" dirty="0">
+                <a:solidFill>
+                  <a:schemeClr val="tx1">
+                    <a:lumMod val="65000"/>
+                    <a:lumOff val="35000"/>
+                  </a:schemeClr>
+                </a:solidFill>
+              </a:rPr>
+              <a:t> Modify the </a:t>
+            </a:r>
+            <a:r>
+              <a:rPr lang="en-US" sz="2000" dirty="0" err="1">
+                <a:solidFill>
+                  <a:schemeClr val="tx1">
+                    <a:lumMod val="65000"/>
+                    <a:lumOff val="35000"/>
+                  </a:schemeClr>
+                </a:solidFill>
+              </a:rPr>
+              <a:t>application.properties</a:t>
+            </a:r>
+            <a:r>
+              <a:rPr lang="en-US" sz="2000" dirty="0">
+                <a:solidFill>
+                  <a:schemeClr val="tx1">
+                    <a:lumMod val="65000"/>
+                    <a:lumOff val="35000"/>
+                  </a:schemeClr>
+                </a:solidFill>
+              </a:rPr>
+              <a:t> file and add the following property:</a:t>
+            </a:r>
+            <a:endParaRPr lang="en-IN" sz="2000" dirty="0">
+              <a:solidFill>
+                <a:schemeClr val="tx1">
+                  <a:lumMod val="65000"/>
+                  <a:lumOff val="35000"/>
+                </a:schemeClr>
+              </a:solidFill>
+            </a:endParaRPr>
+          </a:p>
+        </p:txBody>
+      </p:sp>
+      <p:sp>
+        <p:nvSpPr>
+          <p:cNvPr id="7" name="TextBox 6">
+            <a:extLst>
+              <a:ext uri="{FF2B5EF4-FFF2-40B4-BE49-F238E27FC236}">
+                <a16:creationId xmlns:a16="http://schemas.microsoft.com/office/drawing/2014/main" id="{F011D0E6-6CDD-3A85-E0B0-CEAD633FB285}"/>
+              </a:ext>
+            </a:extLst>
+          </p:cNvPr>
+          <p:cNvSpPr txBox="1"/>
+          <p:nvPr/>
+        </p:nvSpPr>
+        <p:spPr>
+          <a:xfrm>
+            <a:off x="298907" y="1194550"/>
+            <a:ext cx="11260318" cy="369332"/>
+          </a:xfrm>
+          <a:prstGeom prst="rect">
+            <a:avLst/>
+          </a:prstGeom>
+          <a:noFill/>
+        </p:spPr>
+        <p:txBody>
+          <a:bodyPr wrap="square">
+            <a:spAutoFit/>
+          </a:bodyPr>
+          <a:lstStyle/>
+          <a:p>
+            <a:r>
+              <a:rPr lang="en-IN" dirty="0" err="1"/>
+              <a:t>Service.CUSTOMER_UNAVAILABLE</a:t>
+            </a:r>
+            <a:r>
+              <a:rPr lang="en-IN" dirty="0"/>
+              <a:t>=Customer details not found. Give valid customer id.</a:t>
+            </a:r>
+          </a:p>
+        </p:txBody>
+      </p:sp>
+      <p:sp>
+        <p:nvSpPr>
+          <p:cNvPr id="9" name="TextBox 8">
+            <a:extLst>
+              <a:ext uri="{FF2B5EF4-FFF2-40B4-BE49-F238E27FC236}">
+                <a16:creationId xmlns:a16="http://schemas.microsoft.com/office/drawing/2014/main" id="{BD989340-404F-04CD-A1F5-369DE48797F2}"/>
+              </a:ext>
+            </a:extLst>
+          </p:cNvPr>
+          <p:cNvSpPr txBox="1"/>
+          <p:nvPr/>
+        </p:nvSpPr>
+        <p:spPr>
+          <a:xfrm>
+            <a:off x="989028" y="1774313"/>
+            <a:ext cx="10570197" cy="400110"/>
+          </a:xfrm>
+          <a:prstGeom prst="rect">
+            <a:avLst/>
+          </a:prstGeom>
+          <a:noFill/>
+        </p:spPr>
+        <p:txBody>
+          <a:bodyPr wrap="square">
+            <a:spAutoFit/>
+          </a:bodyPr>
+          <a:lstStyle/>
+          <a:p>
+            <a:r>
+              <a:rPr lang="en-US" sz="2000" b="1" dirty="0">
+                <a:solidFill>
+                  <a:schemeClr val="tx1">
+                    <a:lumMod val="65000"/>
+                    <a:lumOff val="35000"/>
+                  </a:schemeClr>
+                </a:solidFill>
+              </a:rPr>
+              <a:t>Step 13: </a:t>
+            </a:r>
+            <a:r>
+              <a:rPr lang="en-US" sz="2000" dirty="0">
+                <a:solidFill>
+                  <a:schemeClr val="tx1">
+                    <a:lumMod val="65000"/>
+                    <a:lumOff val="35000"/>
+                  </a:schemeClr>
+                </a:solidFill>
+              </a:rPr>
+              <a:t>Modify the Application class as shown below:</a:t>
+            </a:r>
+            <a:endParaRPr lang="en-IN" sz="2000" dirty="0">
+              <a:solidFill>
+                <a:schemeClr val="tx1">
+                  <a:lumMod val="65000"/>
+                  <a:lumOff val="35000"/>
+                </a:schemeClr>
+              </a:solidFill>
+            </a:endParaRPr>
+          </a:p>
+        </p:txBody>
+      </p:sp>
+      <p:sp>
+        <p:nvSpPr>
+          <p:cNvPr id="11" name="TextBox 10">
+            <a:extLst>
+              <a:ext uri="{FF2B5EF4-FFF2-40B4-BE49-F238E27FC236}">
+                <a16:creationId xmlns:a16="http://schemas.microsoft.com/office/drawing/2014/main" id="{4CB6C952-8585-D742-D2F5-F5AC49A70F60}"/>
+              </a:ext>
+            </a:extLst>
+          </p:cNvPr>
+          <p:cNvSpPr txBox="1"/>
+          <p:nvPr/>
+        </p:nvSpPr>
+        <p:spPr>
+          <a:xfrm>
+            <a:off x="298908" y="2384854"/>
+            <a:ext cx="11943761" cy="4401205"/>
+          </a:xfrm>
+          <a:prstGeom prst="rect">
+            <a:avLst/>
+          </a:prstGeom>
+          <a:noFill/>
+        </p:spPr>
+        <p:txBody>
+          <a:bodyPr wrap="square">
+            <a:spAutoFit/>
+          </a:bodyPr>
+          <a:lstStyle/>
+          <a:p>
+            <a:r>
+              <a:rPr lang="en-IN" sz="1400" dirty="0"/>
+              <a:t>@SpringBootApplication</a:t>
+            </a:r>
+          </a:p>
+          <a:p>
+            <a:r>
+              <a:rPr lang="en-IN" sz="1400" dirty="0"/>
+              <a:t>public class </a:t>
+            </a:r>
+            <a:r>
+              <a:rPr lang="en-IN" sz="1400" dirty="0" err="1"/>
+              <a:t>DemoSpringOrmReadApplication</a:t>
+            </a:r>
+            <a:r>
+              <a:rPr lang="en-IN" sz="1400" dirty="0"/>
+              <a:t> implements </a:t>
+            </a:r>
+            <a:r>
+              <a:rPr lang="en-IN" sz="1400" dirty="0" err="1"/>
+              <a:t>CommandLineRunner</a:t>
+            </a:r>
+            <a:r>
+              <a:rPr lang="en-IN" sz="1400" dirty="0"/>
+              <a:t>{</a:t>
+            </a:r>
+          </a:p>
+          <a:p>
+            <a:r>
+              <a:rPr lang="en-IN" sz="1400" dirty="0"/>
+              <a:t>	public static final Log LOGGER = </a:t>
+            </a:r>
+            <a:r>
+              <a:rPr lang="en-IN" sz="1400" dirty="0" err="1"/>
+              <a:t>LogFactory.getLog</a:t>
+            </a:r>
+            <a:r>
+              <a:rPr lang="en-IN" sz="1400" dirty="0"/>
+              <a:t>(</a:t>
+            </a:r>
+            <a:r>
+              <a:rPr lang="en-IN" sz="1400" dirty="0" err="1"/>
+              <a:t>DemoSpringOrmReadApplication.class</a:t>
+            </a:r>
+            <a:r>
+              <a:rPr lang="en-IN" sz="1400" dirty="0"/>
+              <a:t>);</a:t>
+            </a:r>
+          </a:p>
+          <a:p>
+            <a:r>
+              <a:rPr lang="en-IN" sz="1400" dirty="0"/>
+              <a:t>	</a:t>
+            </a:r>
+          </a:p>
+          <a:p>
+            <a:r>
+              <a:rPr lang="en-IN" sz="1400" dirty="0"/>
+              <a:t>	@Autowired</a:t>
+            </a:r>
+          </a:p>
+          <a:p>
+            <a:r>
+              <a:rPr lang="en-IN" sz="1400" dirty="0"/>
+              <a:t>	</a:t>
+            </a:r>
+            <a:r>
+              <a:rPr lang="en-IN" sz="1400" dirty="0" err="1"/>
+              <a:t>CustomerServiceImpl</a:t>
+            </a:r>
+            <a:r>
+              <a:rPr lang="en-IN" sz="1400" dirty="0"/>
+              <a:t> </a:t>
+            </a:r>
+            <a:r>
+              <a:rPr lang="en-IN" sz="1400" dirty="0" err="1"/>
+              <a:t>customerService</a:t>
+            </a:r>
+            <a:r>
+              <a:rPr lang="en-IN" sz="1400" dirty="0"/>
+              <a:t>;</a:t>
+            </a:r>
+          </a:p>
+          <a:p>
+            <a:r>
+              <a:rPr lang="en-IN" sz="1400" dirty="0"/>
+              <a:t>	@Autowired</a:t>
+            </a:r>
+          </a:p>
+          <a:p>
+            <a:r>
+              <a:rPr lang="en-IN" sz="1400" dirty="0"/>
+              <a:t>	Environment </a:t>
+            </a:r>
+            <a:r>
+              <a:rPr lang="en-IN" sz="1400" dirty="0" err="1"/>
+              <a:t>environment</a:t>
+            </a:r>
+            <a:r>
+              <a:rPr lang="en-IN" sz="1400" dirty="0"/>
+              <a:t>;</a:t>
+            </a:r>
+          </a:p>
+          <a:p>
+            <a:r>
+              <a:rPr lang="en-IN" sz="1400" dirty="0"/>
+              <a:t>	public static void main(String[] </a:t>
+            </a:r>
+            <a:r>
+              <a:rPr lang="en-IN" sz="1400" dirty="0" err="1"/>
+              <a:t>args</a:t>
+            </a:r>
+            <a:r>
+              <a:rPr lang="en-IN" sz="1400" dirty="0"/>
+              <a:t>) {</a:t>
+            </a:r>
+          </a:p>
+          <a:p>
+            <a:r>
+              <a:rPr lang="en-IN" sz="1400" dirty="0"/>
+              <a:t>		</a:t>
+            </a:r>
+            <a:r>
+              <a:rPr lang="en-IN" sz="1400" dirty="0" err="1"/>
+              <a:t>SpringApplication.run</a:t>
+            </a:r>
+            <a:r>
+              <a:rPr lang="en-IN" sz="1400" dirty="0"/>
+              <a:t>(</a:t>
+            </a:r>
+            <a:r>
+              <a:rPr lang="en-IN" sz="1400" dirty="0" err="1"/>
+              <a:t>DemoSpringOrmReadApplication.class</a:t>
+            </a:r>
+            <a:r>
+              <a:rPr lang="en-IN" sz="1400" dirty="0"/>
+              <a:t>, </a:t>
+            </a:r>
+            <a:r>
+              <a:rPr lang="en-IN" sz="1400" dirty="0" err="1"/>
+              <a:t>args</a:t>
+            </a:r>
+            <a:r>
+              <a:rPr lang="en-IN" sz="1400" dirty="0"/>
+              <a:t>);</a:t>
+            </a:r>
+          </a:p>
+          <a:p>
+            <a:r>
+              <a:rPr lang="en-IN" sz="1400" dirty="0"/>
+              <a:t>	}</a:t>
+            </a:r>
+          </a:p>
+          <a:p>
+            <a:r>
+              <a:rPr lang="en-IN" sz="1400" dirty="0"/>
+              <a:t>	@Override</a:t>
+            </a:r>
+          </a:p>
+          <a:p>
+            <a:r>
+              <a:rPr lang="en-IN" sz="1400" dirty="0"/>
+              <a:t>	public void run(String... </a:t>
+            </a:r>
+            <a:r>
+              <a:rPr lang="en-IN" sz="1400" dirty="0" err="1"/>
+              <a:t>args</a:t>
+            </a:r>
+            <a:r>
+              <a:rPr lang="en-IN" sz="1400" dirty="0"/>
+              <a:t>) throws Exception {</a:t>
+            </a:r>
+          </a:p>
+          <a:p>
+            <a:r>
+              <a:rPr lang="en-IN" sz="1400" dirty="0"/>
+              <a:t>			</a:t>
+            </a:r>
+            <a:r>
+              <a:rPr lang="en-IN" sz="1400" dirty="0" err="1"/>
+              <a:t>getCustomer</a:t>
+            </a:r>
+            <a:r>
+              <a:rPr lang="en-IN" sz="1400" dirty="0"/>
+              <a:t>();</a:t>
+            </a:r>
+          </a:p>
+          <a:p>
+            <a:r>
+              <a:rPr lang="en-IN" sz="1400" dirty="0"/>
+              <a:t>	}</a:t>
+            </a:r>
+          </a:p>
+          <a:p>
+            <a:r>
+              <a:rPr lang="en-IN" sz="1400" dirty="0"/>
+              <a:t>	public void </a:t>
+            </a:r>
+            <a:r>
+              <a:rPr lang="en-IN" sz="1400" dirty="0" err="1"/>
+              <a:t>getCustomer</a:t>
+            </a:r>
+            <a:r>
+              <a:rPr lang="en-IN" sz="1400" dirty="0"/>
+              <a:t>() throws </a:t>
+            </a:r>
+            <a:r>
+              <a:rPr lang="en-IN" sz="1400" dirty="0" err="1"/>
+              <a:t>hndBankException</a:t>
+            </a:r>
+            <a:r>
+              <a:rPr lang="en-IN" sz="1400" dirty="0"/>
+              <a:t> {</a:t>
+            </a:r>
+          </a:p>
+          <a:p>
+            <a:r>
+              <a:rPr lang="en-IN" sz="1400" dirty="0"/>
+              <a:t>		</a:t>
+            </a:r>
+            <a:r>
+              <a:rPr lang="en-IN" sz="1400" dirty="0" err="1"/>
+              <a:t>CustomerDTO</a:t>
+            </a:r>
+            <a:r>
+              <a:rPr lang="en-IN" sz="1400" dirty="0"/>
+              <a:t> </a:t>
+            </a:r>
+            <a:r>
+              <a:rPr lang="en-IN" sz="1400" dirty="0" err="1"/>
+              <a:t>customerDTO</a:t>
+            </a:r>
+            <a:r>
+              <a:rPr lang="en-IN" sz="1400" dirty="0"/>
+              <a:t> = </a:t>
+            </a:r>
+            <a:r>
+              <a:rPr lang="en-IN" sz="1400" dirty="0" err="1"/>
+              <a:t>customerService.getCustomer</a:t>
+            </a:r>
+            <a:r>
+              <a:rPr lang="en-IN" sz="1400" dirty="0"/>
+              <a:t>(1);</a:t>
+            </a:r>
+          </a:p>
+          <a:p>
+            <a:r>
+              <a:rPr lang="en-IN" sz="1400" dirty="0"/>
+              <a:t>		LOGGER.info(</a:t>
+            </a:r>
+            <a:r>
+              <a:rPr lang="en-IN" sz="1400" dirty="0" err="1"/>
+              <a:t>customerDTO</a:t>
+            </a:r>
+            <a:r>
+              <a:rPr lang="en-IN" sz="1400" dirty="0"/>
+              <a:t>);</a:t>
+            </a:r>
+          </a:p>
+          <a:p>
+            <a:r>
+              <a:rPr lang="en-IN" sz="1400" dirty="0"/>
+              <a:t>	}</a:t>
+            </a:r>
+          </a:p>
+          <a:p>
+            <a:r>
+              <a:rPr lang="en-IN" sz="1400" dirty="0"/>
+              <a:t>}</a:t>
+            </a:r>
+          </a:p>
+        </p:txBody>
+      </p:sp>
+    </p:spTree>
+    <p:extLst>
+      <p:ext uri="{BB962C8B-B14F-4D97-AF65-F5344CB8AC3E}">
+        <p14:creationId xmlns:p14="http://schemas.microsoft.com/office/powerpoint/2010/main" val="512702839"/>
       </p:ext>
     </p:extLst>
   </p:cSld>
